--- a/消息队列/消息队列.pptx
+++ b/消息队列/消息队列.pptx
@@ -6,14 +6,24 @@
   </p:sldMasterIdLst>
   <p:sldIdLst>
     <p:sldId id="256" r:id="rId2"/>
-    <p:sldId id="257" r:id="rId3"/>
-    <p:sldId id="258" r:id="rId4"/>
-    <p:sldId id="259" r:id="rId5"/>
-    <p:sldId id="260" r:id="rId6"/>
-    <p:sldId id="261" r:id="rId7"/>
-    <p:sldId id="262" r:id="rId8"/>
-    <p:sldId id="263" r:id="rId9"/>
-    <p:sldId id="264" r:id="rId10"/>
+    <p:sldId id="265" r:id="rId3"/>
+    <p:sldId id="266" r:id="rId4"/>
+    <p:sldId id="267" r:id="rId5"/>
+    <p:sldId id="269" r:id="rId6"/>
+    <p:sldId id="268" r:id="rId7"/>
+    <p:sldId id="270" r:id="rId8"/>
+    <p:sldId id="271" r:id="rId9"/>
+    <p:sldId id="272" r:id="rId10"/>
+    <p:sldId id="273" r:id="rId11"/>
+    <p:sldId id="257" r:id="rId12"/>
+    <p:sldId id="258" r:id="rId13"/>
+    <p:sldId id="259" r:id="rId14"/>
+    <p:sldId id="260" r:id="rId15"/>
+    <p:sldId id="261" r:id="rId16"/>
+    <p:sldId id="262" r:id="rId17"/>
+    <p:sldId id="263" r:id="rId18"/>
+    <p:sldId id="264" r:id="rId19"/>
+    <p:sldId id="274" r:id="rId20"/>
   </p:sldIdLst>
   <p:sldSz cx="12192000" cy="6858000"/>
   <p:notesSz cx="6858000" cy="9144000"/>
@@ -112,6 +122,11 @@
       </a:defRPr>
     </a:lvl9pPr>
   </p:defaultTextStyle>
+  <p:extLst>
+    <p:ext uri="{EFAFB233-063F-42B5-8137-9DF3F51BA10A}">
+      <p15:sldGuideLst xmlns:p15="http://schemas.microsoft.com/office/powerpoint/2012/main"/>
+    </p:ext>
+  </p:extLst>
 </p:presentation>
 </file>
 
@@ -340,7 +355,7 @@
             <a:fld id="{B61BEF0D-F0BB-DE4B-95CE-6DB70DBA9567}" type="datetimeFigureOut">
               <a:rPr lang="en-US" smtClean="0"/>
               <a:pPr/>
-              <a:t>2/26/2018</a:t>
+              <a:t>3/1/2018</a:t>
             </a:fld>
             <a:endParaRPr lang="en-US" dirty="0"/>
           </a:p>
@@ -674,7 +689,7 @@
             <a:fld id="{B61BEF0D-F0BB-DE4B-95CE-6DB70DBA9567}" type="datetimeFigureOut">
               <a:rPr lang="en-US" smtClean="0"/>
               <a:pPr/>
-              <a:t>2/26/2018</a:t>
+              <a:t>3/1/2018</a:t>
             </a:fld>
             <a:endParaRPr lang="en-US" dirty="0"/>
           </a:p>
@@ -924,7 +939,7 @@
             <a:fld id="{B61BEF0D-F0BB-DE4B-95CE-6DB70DBA9567}" type="datetimeFigureOut">
               <a:rPr lang="en-US" smtClean="0"/>
               <a:pPr/>
-              <a:t>2/26/2018</a:t>
+              <a:t>3/1/2018</a:t>
             </a:fld>
             <a:endParaRPr lang="en-US" dirty="0"/>
           </a:p>
@@ -1272,7 +1287,7 @@
             <a:fld id="{B61BEF0D-F0BB-DE4B-95CE-6DB70DBA9567}" type="datetimeFigureOut">
               <a:rPr lang="en-US" smtClean="0"/>
               <a:pPr/>
-              <a:t>2/26/2018</a:t>
+              <a:t>3/1/2018</a:t>
             </a:fld>
             <a:endParaRPr lang="en-US" dirty="0"/>
           </a:p>
@@ -1628,7 +1643,7 @@
             <a:fld id="{B61BEF0D-F0BB-DE4B-95CE-6DB70DBA9567}" type="datetimeFigureOut">
               <a:rPr lang="en-US" smtClean="0"/>
               <a:pPr/>
-              <a:t>2/26/2018</a:t>
+              <a:t>3/1/2018</a:t>
             </a:fld>
             <a:endParaRPr lang="en-US" dirty="0"/>
           </a:p>
@@ -2004,7 +2019,7 @@
             <a:fld id="{B61BEF0D-F0BB-DE4B-95CE-6DB70DBA9567}" type="datetimeFigureOut">
               <a:rPr lang="en-US" smtClean="0"/>
               <a:pPr/>
-              <a:t>2/26/2018</a:t>
+              <a:t>3/1/2018</a:t>
             </a:fld>
             <a:endParaRPr lang="en-US" dirty="0"/>
           </a:p>
@@ -2483,7 +2498,7 @@
             <a:fld id="{B61BEF0D-F0BB-DE4B-95CE-6DB70DBA9567}" type="datetimeFigureOut">
               <a:rPr lang="en-US" smtClean="0"/>
               <a:pPr/>
-              <a:t>2/26/2018</a:t>
+              <a:t>3/1/2018</a:t>
             </a:fld>
             <a:endParaRPr lang="en-US" dirty="0"/>
           </a:p>
@@ -2697,7 +2712,7 @@
             <a:fld id="{B61BEF0D-F0BB-DE4B-95CE-6DB70DBA9567}" type="datetimeFigureOut">
               <a:rPr lang="en-US" smtClean="0"/>
               <a:pPr/>
-              <a:t>2/26/2018</a:t>
+              <a:t>3/1/2018</a:t>
             </a:fld>
             <a:endParaRPr lang="en-US" dirty="0"/>
           </a:p>
@@ -2917,7 +2932,7 @@
             <a:fld id="{B61BEF0D-F0BB-DE4B-95CE-6DB70DBA9567}" type="datetimeFigureOut">
               <a:rPr lang="en-US" smtClean="0"/>
               <a:pPr/>
-              <a:t>2/26/2018</a:t>
+              <a:t>3/1/2018</a:t>
             </a:fld>
             <a:endParaRPr lang="en-US" dirty="0"/>
           </a:p>
@@ -3165,7 +3180,7 @@
             <a:fld id="{B61BEF0D-F0BB-DE4B-95CE-6DB70DBA9567}" type="datetimeFigureOut">
               <a:rPr lang="en-US" smtClean="0"/>
               <a:pPr/>
-              <a:t>2/26/2018</a:t>
+              <a:t>3/1/2018</a:t>
             </a:fld>
             <a:endParaRPr lang="en-US" dirty="0"/>
           </a:p>
@@ -3415,7 +3430,7 @@
             <a:fld id="{B61BEF0D-F0BB-DE4B-95CE-6DB70DBA9567}" type="datetimeFigureOut">
               <a:rPr lang="en-US" smtClean="0"/>
               <a:pPr/>
-              <a:t>2/26/2018</a:t>
+              <a:t>3/1/2018</a:t>
             </a:fld>
             <a:endParaRPr lang="en-US" dirty="0"/>
           </a:p>
@@ -3729,7 +3744,7 @@
             <a:fld id="{B61BEF0D-F0BB-DE4B-95CE-6DB70DBA9567}" type="datetimeFigureOut">
               <a:rPr lang="en-US" smtClean="0"/>
               <a:pPr/>
-              <a:t>2/26/2018</a:t>
+              <a:t>3/1/2018</a:t>
             </a:fld>
             <a:endParaRPr lang="en-US" dirty="0"/>
           </a:p>
@@ -4113,7 +4128,7 @@
             <a:fld id="{B61BEF0D-F0BB-DE4B-95CE-6DB70DBA9567}" type="datetimeFigureOut">
               <a:rPr lang="en-US" smtClean="0"/>
               <a:pPr/>
-              <a:t>2/26/2018</a:t>
+              <a:t>3/1/2018</a:t>
             </a:fld>
             <a:endParaRPr lang="en-US" dirty="0"/>
           </a:p>
@@ -4271,7 +4286,7 @@
             <a:fld id="{B61BEF0D-F0BB-DE4B-95CE-6DB70DBA9567}" type="datetimeFigureOut">
               <a:rPr lang="en-US" smtClean="0"/>
               <a:pPr/>
-              <a:t>2/26/2018</a:t>
+              <a:t>3/1/2018</a:t>
             </a:fld>
             <a:endParaRPr lang="en-US" dirty="0"/>
           </a:p>
@@ -4406,7 +4421,7 @@
             <a:fld id="{B61BEF0D-F0BB-DE4B-95CE-6DB70DBA9567}" type="datetimeFigureOut">
               <a:rPr lang="en-US" smtClean="0"/>
               <a:pPr/>
-              <a:t>2/26/2018</a:t>
+              <a:t>3/1/2018</a:t>
             </a:fld>
             <a:endParaRPr lang="en-US" dirty="0"/>
           </a:p>
@@ -4663,7 +4678,7 @@
             <a:fld id="{B61BEF0D-F0BB-DE4B-95CE-6DB70DBA9567}" type="datetimeFigureOut">
               <a:rPr lang="en-US" smtClean="0"/>
               <a:pPr/>
-              <a:t>2/26/2018</a:t>
+              <a:t>3/1/2018</a:t>
             </a:fld>
             <a:endParaRPr lang="en-US" dirty="0"/>
           </a:p>
@@ -4987,7 +5002,7 @@
             <a:fld id="{B61BEF0D-F0BB-DE4B-95CE-6DB70DBA9567}" type="datetimeFigureOut">
               <a:rPr lang="en-US" smtClean="0"/>
               <a:pPr/>
-              <a:t>2/26/2018</a:t>
+              <a:t>3/1/2018</a:t>
             </a:fld>
             <a:endParaRPr lang="en-US" dirty="0"/>
           </a:p>
@@ -5233,7 +5248,7 @@
             <a:fld id="{B61BEF0D-F0BB-DE4B-95CE-6DB70DBA9567}" type="datetimeFigureOut">
               <a:rPr lang="en-US" smtClean="0"/>
               <a:pPr/>
-              <a:t>2/26/2018</a:t>
+              <a:t>3/1/2018</a:t>
             </a:fld>
             <a:endParaRPr lang="en-US" dirty="0"/>
           </a:p>
@@ -5832,6 +5847,3526 @@
 </p:sld>
 </file>
 
+<file path=ppt/slides/slide10.xml><?xml version="1.0" encoding="utf-8"?>
+<p:sld xmlns:a="http://schemas.openxmlformats.org/drawingml/2006/main" xmlns:r="http://schemas.openxmlformats.org/officeDocument/2006/relationships" xmlns:p="http://schemas.openxmlformats.org/presentationml/2006/main">
+  <p:cSld>
+    <p:spTree>
+      <p:nvGrpSpPr>
+        <p:cNvPr id="1" name=""/>
+        <p:cNvGrpSpPr/>
+        <p:nvPr/>
+      </p:nvGrpSpPr>
+      <p:grpSpPr>
+        <a:xfrm>
+          <a:off x="0" y="0"/>
+          <a:ext cx="0" cy="0"/>
+          <a:chOff x="0" y="0"/>
+          <a:chExt cx="0" cy="0"/>
+        </a:xfrm>
+      </p:grpSpPr>
+      <p:sp>
+        <p:nvSpPr>
+          <p:cNvPr id="2" name="矩形 1"/>
+          <p:cNvSpPr/>
+          <p:nvPr/>
+        </p:nvSpPr>
+        <p:spPr>
+          <a:xfrm>
+            <a:off x="1135364" y="1080254"/>
+            <a:ext cx="1867819" cy="461665"/>
+          </a:xfrm>
+          <a:prstGeom prst="rect">
+            <a:avLst/>
+          </a:prstGeom>
+        </p:spPr>
+        <p:txBody>
+          <a:bodyPr wrap="none">
+            <a:spAutoFit/>
+          </a:bodyPr>
+          <a:lstStyle/>
+          <a:p>
+            <a:r>
+              <a:rPr lang="en-US" altLang="zh-CN" sz="2400" dirty="0"/>
+              <a:t>5</a:t>
+            </a:r>
+            <a:r>
+              <a:rPr lang="zh-CN" altLang="en-US" sz="2400" dirty="0"/>
+              <a:t>、消息通讯</a:t>
+            </a:r>
+            <a:endParaRPr lang="en-US" altLang="zh-CN" sz="2400" dirty="0"/>
+          </a:p>
+        </p:txBody>
+      </p:sp>
+      <p:sp>
+        <p:nvSpPr>
+          <p:cNvPr id="3" name="矩形 2"/>
+          <p:cNvSpPr/>
+          <p:nvPr/>
+        </p:nvSpPr>
+        <p:spPr>
+          <a:xfrm>
+            <a:off x="1135364" y="1748135"/>
+            <a:ext cx="8945880" cy="646331"/>
+          </a:xfrm>
+          <a:prstGeom prst="rect">
+            <a:avLst/>
+          </a:prstGeom>
+        </p:spPr>
+        <p:txBody>
+          <a:bodyPr wrap="square">
+            <a:spAutoFit/>
+          </a:bodyPr>
+          <a:lstStyle/>
+          <a:p>
+            <a:pPr indent="457200">
+              <a:spcBef>
+                <a:spcPts val="600"/>
+              </a:spcBef>
+            </a:pPr>
+            <a:r>
+              <a:rPr lang="zh-CN" altLang="en-US" dirty="0">
+                <a:latin typeface="华文楷体" panose="02010600040101010101" pitchFamily="2" charset="-122"/>
+                <a:ea typeface="华文楷体" panose="02010600040101010101" pitchFamily="2" charset="-122"/>
+              </a:rPr>
+              <a:t>消息通讯是指，消息队列一般都内置了高效的通信机制，因此也可以用在纯的消息通讯。比如实现点对点消息队列，或者聊天室等。</a:t>
+            </a:r>
+          </a:p>
+        </p:txBody>
+      </p:sp>
+      <p:sp>
+        <p:nvSpPr>
+          <p:cNvPr id="4" name="Rectangle 1"/>
+          <p:cNvSpPr>
+            <a:spLocks noChangeArrowheads="1"/>
+          </p:cNvSpPr>
+          <p:nvPr/>
+        </p:nvSpPr>
+        <p:spPr bwMode="auto">
+          <a:xfrm>
+            <a:off x="7417025" y="2940873"/>
+            <a:ext cx="314510" cy="276999"/>
+          </a:xfrm>
+          <a:prstGeom prst="rect">
+            <a:avLst/>
+          </a:prstGeom>
+          <a:noFill/>
+          <a:ln>
+            <a:noFill/>
+          </a:ln>
+          <a:effectLst/>
+          <a:extLst>
+            <a:ext uri="{909E8E84-426E-40DD-AFC4-6F175D3DCCD1}">
+              <a14:hiddenFill xmlns:a14="http://schemas.microsoft.com/office/drawing/2010/main">
+                <a:solidFill>
+                  <a:schemeClr val="accent1"/>
+                </a:solidFill>
+              </a14:hiddenFill>
+            </a:ext>
+            <a:ext uri="{91240B29-F687-4F45-9708-019B960494DF}">
+              <a14:hiddenLine xmlns:a14="http://schemas.microsoft.com/office/drawing/2010/main" w="9525">
+                <a:solidFill>
+                  <a:schemeClr val="tx1"/>
+                </a:solidFill>
+                <a:miter lim="800000"/>
+                <a:headEnd/>
+                <a:tailEnd/>
+              </a14:hiddenLine>
+            </a:ext>
+            <a:ext uri="{AF507438-7753-43E0-B8FC-AC1667EBCBE1}">
+              <a14:hiddenEffects xmlns:a14="http://schemas.microsoft.com/office/drawing/2010/main">
+                <a:effectLst>
+                  <a:outerShdw dist="35921" dir="2700000" algn="ctr" rotWithShape="0">
+                    <a:schemeClr val="bg2"/>
+                  </a:outerShdw>
+                </a:effectLst>
+              </a14:hiddenEffects>
+            </a:ext>
+          </a:extLst>
+        </p:spPr>
+        <p:txBody>
+          <a:bodyPr vert="horz" wrap="none" lIns="91440" tIns="45720" rIns="91440" bIns="45720" numCol="1" anchor="ctr" anchorCtr="0" compatLnSpc="1">
+            <a:prstTxWarp prst="textNoShape">
+              <a:avLst/>
+            </a:prstTxWarp>
+            <a:spAutoFit/>
+          </a:bodyPr>
+          <a:lstStyle>
+            <a:lvl1pPr eaLnBrk="0" fontAlgn="base" hangingPunct="0">
+              <a:spcBef>
+                <a:spcPct val="0"/>
+              </a:spcBef>
+              <a:spcAft>
+                <a:spcPct val="0"/>
+              </a:spcAft>
+              <a:defRPr>
+                <a:solidFill>
+                  <a:schemeClr val="tx1"/>
+                </a:solidFill>
+                <a:latin typeface="Arial" panose="020B0604020202020204" pitchFamily="34" charset="0"/>
+              </a:defRPr>
+            </a:lvl1pPr>
+            <a:lvl2pPr eaLnBrk="0" fontAlgn="base" hangingPunct="0">
+              <a:spcBef>
+                <a:spcPct val="0"/>
+              </a:spcBef>
+              <a:spcAft>
+                <a:spcPct val="0"/>
+              </a:spcAft>
+              <a:defRPr>
+                <a:solidFill>
+                  <a:schemeClr val="tx1"/>
+                </a:solidFill>
+                <a:latin typeface="Arial" panose="020B0604020202020204" pitchFamily="34" charset="0"/>
+              </a:defRPr>
+            </a:lvl2pPr>
+            <a:lvl3pPr eaLnBrk="0" fontAlgn="base" hangingPunct="0">
+              <a:spcBef>
+                <a:spcPct val="0"/>
+              </a:spcBef>
+              <a:spcAft>
+                <a:spcPct val="0"/>
+              </a:spcAft>
+              <a:defRPr>
+                <a:solidFill>
+                  <a:schemeClr val="tx1"/>
+                </a:solidFill>
+                <a:latin typeface="Arial" panose="020B0604020202020204" pitchFamily="34" charset="0"/>
+              </a:defRPr>
+            </a:lvl3pPr>
+            <a:lvl4pPr eaLnBrk="0" fontAlgn="base" hangingPunct="0">
+              <a:spcBef>
+                <a:spcPct val="0"/>
+              </a:spcBef>
+              <a:spcAft>
+                <a:spcPct val="0"/>
+              </a:spcAft>
+              <a:defRPr>
+                <a:solidFill>
+                  <a:schemeClr val="tx1"/>
+                </a:solidFill>
+                <a:latin typeface="Arial" panose="020B0604020202020204" pitchFamily="34" charset="0"/>
+              </a:defRPr>
+            </a:lvl4pPr>
+            <a:lvl5pPr eaLnBrk="0" fontAlgn="base" hangingPunct="0">
+              <a:spcBef>
+                <a:spcPct val="0"/>
+              </a:spcBef>
+              <a:spcAft>
+                <a:spcPct val="0"/>
+              </a:spcAft>
+              <a:defRPr>
+                <a:solidFill>
+                  <a:schemeClr val="tx1"/>
+                </a:solidFill>
+                <a:latin typeface="Arial" panose="020B0604020202020204" pitchFamily="34" charset="0"/>
+              </a:defRPr>
+            </a:lvl5pPr>
+            <a:lvl6pPr eaLnBrk="0" fontAlgn="base" hangingPunct="0">
+              <a:spcBef>
+                <a:spcPct val="0"/>
+              </a:spcBef>
+              <a:spcAft>
+                <a:spcPct val="0"/>
+              </a:spcAft>
+              <a:defRPr>
+                <a:solidFill>
+                  <a:schemeClr val="tx1"/>
+                </a:solidFill>
+                <a:latin typeface="Arial" panose="020B0604020202020204" pitchFamily="34" charset="0"/>
+              </a:defRPr>
+            </a:lvl6pPr>
+            <a:lvl7pPr eaLnBrk="0" fontAlgn="base" hangingPunct="0">
+              <a:spcBef>
+                <a:spcPct val="0"/>
+              </a:spcBef>
+              <a:spcAft>
+                <a:spcPct val="0"/>
+              </a:spcAft>
+              <a:defRPr>
+                <a:solidFill>
+                  <a:schemeClr val="tx1"/>
+                </a:solidFill>
+                <a:latin typeface="Arial" panose="020B0604020202020204" pitchFamily="34" charset="0"/>
+              </a:defRPr>
+            </a:lvl7pPr>
+            <a:lvl8pPr eaLnBrk="0" fontAlgn="base" hangingPunct="0">
+              <a:spcBef>
+                <a:spcPct val="0"/>
+              </a:spcBef>
+              <a:spcAft>
+                <a:spcPct val="0"/>
+              </a:spcAft>
+              <a:defRPr>
+                <a:solidFill>
+                  <a:schemeClr val="tx1"/>
+                </a:solidFill>
+                <a:latin typeface="Arial" panose="020B0604020202020204" pitchFamily="34" charset="0"/>
+              </a:defRPr>
+            </a:lvl8pPr>
+            <a:lvl9pPr eaLnBrk="0" fontAlgn="base" hangingPunct="0">
+              <a:spcBef>
+                <a:spcPct val="0"/>
+              </a:spcBef>
+              <a:spcAft>
+                <a:spcPct val="0"/>
+              </a:spcAft>
+              <a:defRPr>
+                <a:solidFill>
+                  <a:schemeClr val="tx1"/>
+                </a:solidFill>
+                <a:latin typeface="Arial" panose="020B0604020202020204" pitchFamily="34" charset="0"/>
+              </a:defRPr>
+            </a:lvl9pPr>
+          </a:lstStyle>
+          <a:p>
+            <a:pPr marL="0" marR="0" lvl="0" indent="0" algn="just" defTabSz="914400" rtl="0" eaLnBrk="0" fontAlgn="base" latinLnBrk="0" hangingPunct="0">
+              <a:lnSpc>
+                <a:spcPct val="100000"/>
+              </a:lnSpc>
+              <a:spcBef>
+                <a:spcPct val="0"/>
+              </a:spcBef>
+              <a:spcAft>
+                <a:spcPct val="0"/>
+              </a:spcAft>
+              <a:buClrTx/>
+              <a:buSzTx/>
+              <a:buFontTx/>
+              <a:buNone/>
+              <a:tabLst/>
+            </a:pPr>
+            <a:r>
+              <a:rPr kumimoji="0" lang="zh-CN" altLang="zh-CN" sz="1200" b="0" i="0" u="none" strike="noStrike" cap="none" normalizeH="0" baseline="0" dirty="0" smtClean="0">
+                <a:ln>
+                  <a:noFill/>
+                </a:ln>
+                <a:solidFill>
+                  <a:srgbClr val="4F4F4F"/>
+                </a:solidFill>
+                <a:effectLst/>
+                <a:latin typeface="Arial" panose="020B0604020202020204" pitchFamily="34" charset="0"/>
+                <a:ea typeface="PingFang SC"/>
+              </a:rPr>
+              <a:t>   </a:t>
+            </a:r>
+            <a:endParaRPr kumimoji="0" lang="zh-CN" altLang="zh-CN" sz="6500" b="0" i="0" u="none" strike="noStrike" cap="none" normalizeH="0" baseline="0" dirty="0" smtClean="0">
+              <a:ln>
+                <a:noFill/>
+              </a:ln>
+              <a:solidFill>
+                <a:srgbClr val="4F4F4F"/>
+              </a:solidFill>
+              <a:effectLst/>
+              <a:latin typeface="Arial" panose="020B0604020202020204" pitchFamily="34" charset="0"/>
+              <a:ea typeface="PingFang SC"/>
+            </a:endParaRPr>
+          </a:p>
+        </p:txBody>
+      </p:sp>
+      <p:pic>
+        <p:nvPicPr>
+          <p:cNvPr id="6146" name="Picture 2" descr="http://finalshares.cn/attachment/threadsImgs/images2015.cnblogs.com/blog/820332/201601/820332-20160124211500718-1411703435.png"/>
+          <p:cNvPicPr>
+            <a:picLocks noChangeAspect="1" noChangeArrowheads="1"/>
+          </p:cNvPicPr>
+          <p:nvPr/>
+        </p:nvPicPr>
+        <p:blipFill>
+          <a:blip r:embed="rId2">
+            <a:extLst>
+              <a:ext uri="{28A0092B-C50C-407E-A947-70E740481C1C}">
+                <a14:useLocalDpi xmlns:a14="http://schemas.microsoft.com/office/drawing/2010/main" val="0"/>
+              </a:ext>
+            </a:extLst>
+          </a:blip>
+          <a:srcRect/>
+          <a:stretch>
+            <a:fillRect/>
+          </a:stretch>
+        </p:blipFill>
+        <p:spPr bwMode="auto">
+          <a:xfrm>
+            <a:off x="1408321" y="3516866"/>
+            <a:ext cx="3867150" cy="1080732"/>
+          </a:xfrm>
+          <a:prstGeom prst="rect">
+            <a:avLst/>
+          </a:prstGeom>
+          <a:noFill/>
+          <a:extLst>
+            <a:ext uri="{909E8E84-426E-40DD-AFC4-6F175D3DCCD1}">
+              <a14:hiddenFill xmlns:a14="http://schemas.microsoft.com/office/drawing/2010/main">
+                <a:solidFill>
+                  <a:srgbClr val="FFFFFF"/>
+                </a:solidFill>
+              </a14:hiddenFill>
+            </a:ext>
+          </a:extLst>
+        </p:spPr>
+      </p:pic>
+      <p:sp>
+        <p:nvSpPr>
+          <p:cNvPr id="5" name="矩形 4"/>
+          <p:cNvSpPr/>
+          <p:nvPr/>
+        </p:nvSpPr>
+        <p:spPr>
+          <a:xfrm>
+            <a:off x="2557066" y="2771000"/>
+            <a:ext cx="1569660" cy="369332"/>
+          </a:xfrm>
+          <a:prstGeom prst="rect">
+            <a:avLst/>
+          </a:prstGeom>
+        </p:spPr>
+        <p:txBody>
+          <a:bodyPr wrap="none">
+            <a:spAutoFit/>
+          </a:bodyPr>
+          <a:lstStyle/>
+          <a:p>
+            <a:pPr lvl="0" algn="just" defTabSz="914400" eaLnBrk="0" fontAlgn="base" hangingPunct="0">
+              <a:spcBef>
+                <a:spcPct val="0"/>
+              </a:spcBef>
+              <a:spcAft>
+                <a:spcPct val="0"/>
+              </a:spcAft>
+            </a:pPr>
+            <a:r>
+              <a:rPr lang="zh-CN" altLang="zh-CN" dirty="0">
+                <a:solidFill>
+                  <a:srgbClr val="4F4F4F"/>
+                </a:solidFill>
+                <a:latin typeface="Arial" panose="020B0604020202020204" pitchFamily="34" charset="0"/>
+                <a:ea typeface="PingFang SC"/>
+              </a:rPr>
+              <a:t>点对点通讯：</a:t>
+            </a:r>
+            <a:endParaRPr lang="zh-CN" altLang="zh-CN" sz="1050" dirty="0">
+              <a:latin typeface="Arial" panose="020B0604020202020204" pitchFamily="34" charset="0"/>
+            </a:endParaRPr>
+          </a:p>
+        </p:txBody>
+      </p:sp>
+      <p:sp>
+        <p:nvSpPr>
+          <p:cNvPr id="6" name="Rectangle 3"/>
+          <p:cNvSpPr>
+            <a:spLocks noChangeArrowheads="1"/>
+          </p:cNvSpPr>
+          <p:nvPr/>
+        </p:nvSpPr>
+        <p:spPr bwMode="auto">
+          <a:xfrm>
+            <a:off x="5985368" y="613141"/>
+            <a:ext cx="314510" cy="276999"/>
+          </a:xfrm>
+          <a:prstGeom prst="rect">
+            <a:avLst/>
+          </a:prstGeom>
+          <a:noFill/>
+          <a:ln>
+            <a:noFill/>
+          </a:ln>
+          <a:effectLst/>
+          <a:extLst>
+            <a:ext uri="{909E8E84-426E-40DD-AFC4-6F175D3DCCD1}">
+              <a14:hiddenFill xmlns:a14="http://schemas.microsoft.com/office/drawing/2010/main">
+                <a:solidFill>
+                  <a:schemeClr val="accent1"/>
+                </a:solidFill>
+              </a14:hiddenFill>
+            </a:ext>
+            <a:ext uri="{91240B29-F687-4F45-9708-019B960494DF}">
+              <a14:hiddenLine xmlns:a14="http://schemas.microsoft.com/office/drawing/2010/main" w="9525">
+                <a:solidFill>
+                  <a:schemeClr val="tx1"/>
+                </a:solidFill>
+                <a:miter lim="800000"/>
+                <a:headEnd/>
+                <a:tailEnd/>
+              </a14:hiddenLine>
+            </a:ext>
+            <a:ext uri="{AF507438-7753-43E0-B8FC-AC1667EBCBE1}">
+              <a14:hiddenEffects xmlns:a14="http://schemas.microsoft.com/office/drawing/2010/main">
+                <a:effectLst>
+                  <a:outerShdw dist="35921" dir="2700000" algn="ctr" rotWithShape="0">
+                    <a:schemeClr val="bg2"/>
+                  </a:outerShdw>
+                </a:effectLst>
+              </a14:hiddenEffects>
+            </a:ext>
+          </a:extLst>
+        </p:spPr>
+        <p:txBody>
+          <a:bodyPr vert="horz" wrap="none" lIns="91440" tIns="45720" rIns="91440" bIns="45720" numCol="1" anchor="ctr" anchorCtr="0" compatLnSpc="1">
+            <a:prstTxWarp prst="textNoShape">
+              <a:avLst/>
+            </a:prstTxWarp>
+            <a:spAutoFit/>
+          </a:bodyPr>
+          <a:lstStyle>
+            <a:lvl1pPr eaLnBrk="0" fontAlgn="base" hangingPunct="0">
+              <a:spcBef>
+                <a:spcPct val="0"/>
+              </a:spcBef>
+              <a:spcAft>
+                <a:spcPct val="0"/>
+              </a:spcAft>
+              <a:defRPr>
+                <a:solidFill>
+                  <a:schemeClr val="tx1"/>
+                </a:solidFill>
+                <a:latin typeface="Arial" panose="020B0604020202020204" pitchFamily="34" charset="0"/>
+              </a:defRPr>
+            </a:lvl1pPr>
+            <a:lvl2pPr eaLnBrk="0" fontAlgn="base" hangingPunct="0">
+              <a:spcBef>
+                <a:spcPct val="0"/>
+              </a:spcBef>
+              <a:spcAft>
+                <a:spcPct val="0"/>
+              </a:spcAft>
+              <a:defRPr>
+                <a:solidFill>
+                  <a:schemeClr val="tx1"/>
+                </a:solidFill>
+                <a:latin typeface="Arial" panose="020B0604020202020204" pitchFamily="34" charset="0"/>
+              </a:defRPr>
+            </a:lvl2pPr>
+            <a:lvl3pPr eaLnBrk="0" fontAlgn="base" hangingPunct="0">
+              <a:spcBef>
+                <a:spcPct val="0"/>
+              </a:spcBef>
+              <a:spcAft>
+                <a:spcPct val="0"/>
+              </a:spcAft>
+              <a:defRPr>
+                <a:solidFill>
+                  <a:schemeClr val="tx1"/>
+                </a:solidFill>
+                <a:latin typeface="Arial" panose="020B0604020202020204" pitchFamily="34" charset="0"/>
+              </a:defRPr>
+            </a:lvl3pPr>
+            <a:lvl4pPr eaLnBrk="0" fontAlgn="base" hangingPunct="0">
+              <a:spcBef>
+                <a:spcPct val="0"/>
+              </a:spcBef>
+              <a:spcAft>
+                <a:spcPct val="0"/>
+              </a:spcAft>
+              <a:defRPr>
+                <a:solidFill>
+                  <a:schemeClr val="tx1"/>
+                </a:solidFill>
+                <a:latin typeface="Arial" panose="020B0604020202020204" pitchFamily="34" charset="0"/>
+              </a:defRPr>
+            </a:lvl4pPr>
+            <a:lvl5pPr eaLnBrk="0" fontAlgn="base" hangingPunct="0">
+              <a:spcBef>
+                <a:spcPct val="0"/>
+              </a:spcBef>
+              <a:spcAft>
+                <a:spcPct val="0"/>
+              </a:spcAft>
+              <a:defRPr>
+                <a:solidFill>
+                  <a:schemeClr val="tx1"/>
+                </a:solidFill>
+                <a:latin typeface="Arial" panose="020B0604020202020204" pitchFamily="34" charset="0"/>
+              </a:defRPr>
+            </a:lvl5pPr>
+            <a:lvl6pPr eaLnBrk="0" fontAlgn="base" hangingPunct="0">
+              <a:spcBef>
+                <a:spcPct val="0"/>
+              </a:spcBef>
+              <a:spcAft>
+                <a:spcPct val="0"/>
+              </a:spcAft>
+              <a:defRPr>
+                <a:solidFill>
+                  <a:schemeClr val="tx1"/>
+                </a:solidFill>
+                <a:latin typeface="Arial" panose="020B0604020202020204" pitchFamily="34" charset="0"/>
+              </a:defRPr>
+            </a:lvl6pPr>
+            <a:lvl7pPr eaLnBrk="0" fontAlgn="base" hangingPunct="0">
+              <a:spcBef>
+                <a:spcPct val="0"/>
+              </a:spcBef>
+              <a:spcAft>
+                <a:spcPct val="0"/>
+              </a:spcAft>
+              <a:defRPr>
+                <a:solidFill>
+                  <a:schemeClr val="tx1"/>
+                </a:solidFill>
+                <a:latin typeface="Arial" panose="020B0604020202020204" pitchFamily="34" charset="0"/>
+              </a:defRPr>
+            </a:lvl7pPr>
+            <a:lvl8pPr eaLnBrk="0" fontAlgn="base" hangingPunct="0">
+              <a:spcBef>
+                <a:spcPct val="0"/>
+              </a:spcBef>
+              <a:spcAft>
+                <a:spcPct val="0"/>
+              </a:spcAft>
+              <a:defRPr>
+                <a:solidFill>
+                  <a:schemeClr val="tx1"/>
+                </a:solidFill>
+                <a:latin typeface="Arial" panose="020B0604020202020204" pitchFamily="34" charset="0"/>
+              </a:defRPr>
+            </a:lvl8pPr>
+            <a:lvl9pPr eaLnBrk="0" fontAlgn="base" hangingPunct="0">
+              <a:spcBef>
+                <a:spcPct val="0"/>
+              </a:spcBef>
+              <a:spcAft>
+                <a:spcPct val="0"/>
+              </a:spcAft>
+              <a:defRPr>
+                <a:solidFill>
+                  <a:schemeClr val="tx1"/>
+                </a:solidFill>
+                <a:latin typeface="Arial" panose="020B0604020202020204" pitchFamily="34" charset="0"/>
+              </a:defRPr>
+            </a:lvl9pPr>
+          </a:lstStyle>
+          <a:p>
+            <a:pPr marL="0" marR="0" lvl="0" indent="0" algn="just" defTabSz="914400" rtl="0" eaLnBrk="0" fontAlgn="base" latinLnBrk="0" hangingPunct="0">
+              <a:lnSpc>
+                <a:spcPct val="100000"/>
+              </a:lnSpc>
+              <a:spcBef>
+                <a:spcPct val="0"/>
+              </a:spcBef>
+              <a:spcAft>
+                <a:spcPct val="0"/>
+              </a:spcAft>
+              <a:buClrTx/>
+              <a:buSzTx/>
+              <a:buFontTx/>
+              <a:buNone/>
+              <a:tabLst/>
+            </a:pPr>
+            <a:r>
+              <a:rPr kumimoji="0" lang="zh-CN" altLang="zh-CN" sz="1200" b="0" i="0" u="none" strike="noStrike" cap="none" normalizeH="0" baseline="0" dirty="0" smtClean="0">
+                <a:ln>
+                  <a:noFill/>
+                </a:ln>
+                <a:solidFill>
+                  <a:srgbClr val="4F4F4F"/>
+                </a:solidFill>
+                <a:effectLst/>
+                <a:latin typeface="Arial" panose="020B0604020202020204" pitchFamily="34" charset="0"/>
+                <a:ea typeface="PingFang SC"/>
+              </a:rPr>
+              <a:t>   </a:t>
+            </a:r>
+            <a:endParaRPr kumimoji="0" lang="zh-CN" altLang="zh-CN" sz="7000" b="0" i="0" u="none" strike="noStrike" cap="none" normalizeH="0" baseline="0" dirty="0" smtClean="0">
+              <a:ln>
+                <a:noFill/>
+              </a:ln>
+              <a:solidFill>
+                <a:srgbClr val="4F4F4F"/>
+              </a:solidFill>
+              <a:effectLst/>
+              <a:latin typeface="Arial" panose="020B0604020202020204" pitchFamily="34" charset="0"/>
+              <a:ea typeface="PingFang SC"/>
+            </a:endParaRPr>
+          </a:p>
+        </p:txBody>
+      </p:sp>
+      <p:pic>
+        <p:nvPicPr>
+          <p:cNvPr id="6148" name="Picture 4" descr="http://finalshares.cn/attachment/threadsImgs/images2015.cnblogs.com/blog/820332/201601/820332-20160124211511859-1166529202.png"/>
+          <p:cNvPicPr>
+            <a:picLocks noChangeAspect="1" noChangeArrowheads="1"/>
+          </p:cNvPicPr>
+          <p:nvPr/>
+        </p:nvPicPr>
+        <p:blipFill>
+          <a:blip r:embed="rId3">
+            <a:extLst>
+              <a:ext uri="{28A0092B-C50C-407E-A947-70E740481C1C}">
+                <a14:useLocalDpi xmlns:a14="http://schemas.microsoft.com/office/drawing/2010/main" val="0"/>
+              </a:ext>
+            </a:extLst>
+          </a:blip>
+          <a:srcRect/>
+          <a:stretch>
+            <a:fillRect/>
+          </a:stretch>
+        </p:blipFill>
+        <p:spPr bwMode="auto">
+          <a:xfrm>
+            <a:off x="6132238" y="3516866"/>
+            <a:ext cx="3867150" cy="1080732"/>
+          </a:xfrm>
+          <a:prstGeom prst="rect">
+            <a:avLst/>
+          </a:prstGeom>
+          <a:noFill/>
+          <a:extLst>
+            <a:ext uri="{909E8E84-426E-40DD-AFC4-6F175D3DCCD1}">
+              <a14:hiddenFill xmlns:a14="http://schemas.microsoft.com/office/drawing/2010/main">
+                <a:solidFill>
+                  <a:srgbClr val="FFFFFF"/>
+                </a:solidFill>
+              </a14:hiddenFill>
+            </a:ext>
+          </a:extLst>
+        </p:spPr>
+      </p:pic>
+      <p:sp>
+        <p:nvSpPr>
+          <p:cNvPr id="7" name="矩形 6"/>
+          <p:cNvSpPr/>
+          <p:nvPr/>
+        </p:nvSpPr>
+        <p:spPr>
+          <a:xfrm>
+            <a:off x="7280983" y="2739626"/>
+            <a:ext cx="1569660" cy="369332"/>
+          </a:xfrm>
+          <a:prstGeom prst="rect">
+            <a:avLst/>
+          </a:prstGeom>
+        </p:spPr>
+        <p:txBody>
+          <a:bodyPr wrap="none">
+            <a:spAutoFit/>
+          </a:bodyPr>
+          <a:lstStyle/>
+          <a:p>
+            <a:pPr lvl="0" algn="just" defTabSz="914400" eaLnBrk="0" fontAlgn="base" hangingPunct="0">
+              <a:spcBef>
+                <a:spcPct val="0"/>
+              </a:spcBef>
+              <a:spcAft>
+                <a:spcPct val="0"/>
+              </a:spcAft>
+            </a:pPr>
+            <a:r>
+              <a:rPr lang="zh-CN" altLang="zh-CN" dirty="0">
+                <a:solidFill>
+                  <a:srgbClr val="4F4F4F"/>
+                </a:solidFill>
+                <a:latin typeface="Arial" panose="020B0604020202020204" pitchFamily="34" charset="0"/>
+                <a:ea typeface="PingFang SC"/>
+              </a:rPr>
+              <a:t>聊天室通讯：</a:t>
+            </a:r>
+            <a:endParaRPr lang="zh-CN" altLang="zh-CN" sz="1050" dirty="0">
+              <a:latin typeface="Arial" panose="020B0604020202020204" pitchFamily="34" charset="0"/>
+            </a:endParaRPr>
+          </a:p>
+        </p:txBody>
+      </p:sp>
+      <p:sp>
+        <p:nvSpPr>
+          <p:cNvPr id="8" name="矩形 7"/>
+          <p:cNvSpPr/>
+          <p:nvPr/>
+        </p:nvSpPr>
+        <p:spPr>
+          <a:xfrm>
+            <a:off x="1349626" y="5073667"/>
+            <a:ext cx="3984539" cy="646331"/>
+          </a:xfrm>
+          <a:prstGeom prst="rect">
+            <a:avLst/>
+          </a:prstGeom>
+        </p:spPr>
+        <p:txBody>
+          <a:bodyPr wrap="square">
+            <a:spAutoFit/>
+          </a:bodyPr>
+          <a:lstStyle/>
+          <a:p>
+            <a:r>
+              <a:rPr lang="zh-CN" altLang="en-US" dirty="0">
+                <a:latin typeface="华文楷体" panose="02010600040101010101" pitchFamily="2" charset="-122"/>
+                <a:ea typeface="华文楷体" panose="02010600040101010101" pitchFamily="2" charset="-122"/>
+              </a:rPr>
+              <a:t>客户端</a:t>
+            </a:r>
+            <a:r>
+              <a:rPr lang="en-US" altLang="zh-CN" dirty="0">
+                <a:latin typeface="华文楷体" panose="02010600040101010101" pitchFamily="2" charset="-122"/>
+                <a:ea typeface="华文楷体" panose="02010600040101010101" pitchFamily="2" charset="-122"/>
+              </a:rPr>
+              <a:t>A</a:t>
+            </a:r>
+            <a:r>
+              <a:rPr lang="zh-CN" altLang="en-US" dirty="0">
+                <a:latin typeface="华文楷体" panose="02010600040101010101" pitchFamily="2" charset="-122"/>
+                <a:ea typeface="华文楷体" panose="02010600040101010101" pitchFamily="2" charset="-122"/>
+              </a:rPr>
+              <a:t>和客户端</a:t>
+            </a:r>
+            <a:r>
+              <a:rPr lang="en-US" altLang="zh-CN" dirty="0">
+                <a:latin typeface="华文楷体" panose="02010600040101010101" pitchFamily="2" charset="-122"/>
+                <a:ea typeface="华文楷体" panose="02010600040101010101" pitchFamily="2" charset="-122"/>
+              </a:rPr>
+              <a:t>B</a:t>
+            </a:r>
+            <a:r>
+              <a:rPr lang="zh-CN" altLang="en-US" dirty="0">
+                <a:latin typeface="华文楷体" panose="02010600040101010101" pitchFamily="2" charset="-122"/>
+                <a:ea typeface="华文楷体" panose="02010600040101010101" pitchFamily="2" charset="-122"/>
+              </a:rPr>
+              <a:t>使用同一队列，进行消息通讯</a:t>
+            </a:r>
+          </a:p>
+        </p:txBody>
+      </p:sp>
+      <p:sp>
+        <p:nvSpPr>
+          <p:cNvPr id="9" name="矩形 8"/>
+          <p:cNvSpPr/>
+          <p:nvPr/>
+        </p:nvSpPr>
+        <p:spPr>
+          <a:xfrm>
+            <a:off x="6116300" y="5073667"/>
+            <a:ext cx="3899026" cy="646331"/>
+          </a:xfrm>
+          <a:prstGeom prst="rect">
+            <a:avLst/>
+          </a:prstGeom>
+        </p:spPr>
+        <p:txBody>
+          <a:bodyPr wrap="square">
+            <a:spAutoFit/>
+          </a:bodyPr>
+          <a:lstStyle/>
+          <a:p>
+            <a:r>
+              <a:rPr lang="zh-CN" altLang="en-US" dirty="0">
+                <a:latin typeface="华文楷体" panose="02010600040101010101" pitchFamily="2" charset="-122"/>
+                <a:ea typeface="华文楷体" panose="02010600040101010101" pitchFamily="2" charset="-122"/>
+              </a:rPr>
+              <a:t>客户端</a:t>
+            </a:r>
+            <a:r>
+              <a:rPr lang="en-US" altLang="zh-CN" dirty="0">
+                <a:latin typeface="华文楷体" panose="02010600040101010101" pitchFamily="2" charset="-122"/>
+                <a:ea typeface="华文楷体" panose="02010600040101010101" pitchFamily="2" charset="-122"/>
+              </a:rPr>
+              <a:t>A</a:t>
+            </a:r>
+            <a:r>
+              <a:rPr lang="zh-CN" altLang="en-US" dirty="0">
+                <a:latin typeface="华文楷体" panose="02010600040101010101" pitchFamily="2" charset="-122"/>
+                <a:ea typeface="华文楷体" panose="02010600040101010101" pitchFamily="2" charset="-122"/>
+              </a:rPr>
+              <a:t>，客户端</a:t>
+            </a:r>
+            <a:r>
+              <a:rPr lang="en-US" altLang="zh-CN" dirty="0">
+                <a:latin typeface="华文楷体" panose="02010600040101010101" pitchFamily="2" charset="-122"/>
+                <a:ea typeface="华文楷体" panose="02010600040101010101" pitchFamily="2" charset="-122"/>
+              </a:rPr>
+              <a:t>B</a:t>
+            </a:r>
+            <a:r>
+              <a:rPr lang="zh-CN" altLang="en-US" dirty="0">
+                <a:latin typeface="华文楷体" panose="02010600040101010101" pitchFamily="2" charset="-122"/>
+                <a:ea typeface="华文楷体" panose="02010600040101010101" pitchFamily="2" charset="-122"/>
+              </a:rPr>
+              <a:t>，客户端</a:t>
+            </a:r>
+            <a:r>
+              <a:rPr lang="en-US" altLang="zh-CN" dirty="0">
+                <a:latin typeface="华文楷体" panose="02010600040101010101" pitchFamily="2" charset="-122"/>
+                <a:ea typeface="华文楷体" panose="02010600040101010101" pitchFamily="2" charset="-122"/>
+              </a:rPr>
+              <a:t>N</a:t>
+            </a:r>
+            <a:r>
+              <a:rPr lang="zh-CN" altLang="en-US" dirty="0">
+                <a:latin typeface="华文楷体" panose="02010600040101010101" pitchFamily="2" charset="-122"/>
+                <a:ea typeface="华文楷体" panose="02010600040101010101" pitchFamily="2" charset="-122"/>
+              </a:rPr>
+              <a:t>订阅同一主题，进行消息发布和接收</a:t>
+            </a:r>
+          </a:p>
+        </p:txBody>
+      </p:sp>
+    </p:spTree>
+    <p:extLst>
+      <p:ext uri="{BB962C8B-B14F-4D97-AF65-F5344CB8AC3E}">
+        <p14:creationId xmlns:p14="http://schemas.microsoft.com/office/powerpoint/2010/main" val="2917747476"/>
+      </p:ext>
+    </p:extLst>
+  </p:cSld>
+  <p:clrMapOvr>
+    <a:masterClrMapping/>
+  </p:clrMapOvr>
+  <p:timing>
+    <p:tnLst>
+      <p:par>
+        <p:cTn id="1" dur="indefinite" restart="never" nodeType="tmRoot"/>
+      </p:par>
+    </p:tnLst>
+  </p:timing>
+</p:sld>
+</file>
+
+<file path=ppt/slides/slide11.xml><?xml version="1.0" encoding="utf-8"?>
+<p:sld xmlns:a="http://schemas.openxmlformats.org/drawingml/2006/main" xmlns:r="http://schemas.openxmlformats.org/officeDocument/2006/relationships" xmlns:p="http://schemas.openxmlformats.org/presentationml/2006/main">
+  <p:cSld>
+    <p:spTree>
+      <p:nvGrpSpPr>
+        <p:cNvPr id="1" name=""/>
+        <p:cNvGrpSpPr/>
+        <p:nvPr/>
+      </p:nvGrpSpPr>
+      <p:grpSpPr>
+        <a:xfrm>
+          <a:off x="0" y="0"/>
+          <a:ext cx="0" cy="0"/>
+          <a:chOff x="0" y="0"/>
+          <a:chExt cx="0" cy="0"/>
+        </a:xfrm>
+      </p:grpSpPr>
+      <p:sp>
+        <p:nvSpPr>
+          <p:cNvPr id="10" name="标题 9"/>
+          <p:cNvSpPr>
+            <a:spLocks noGrp="1"/>
+          </p:cNvSpPr>
+          <p:nvPr>
+            <p:ph type="title"/>
+          </p:nvPr>
+        </p:nvSpPr>
+        <p:spPr/>
+        <p:txBody>
+          <a:bodyPr/>
+          <a:lstStyle/>
+          <a:p>
+            <a:r>
+              <a:rPr lang="zh-CN" altLang="en-US" dirty="0" smtClean="0"/>
+              <a:t>使用场景</a:t>
+            </a:r>
+            <a:endParaRPr lang="zh-CN" altLang="en-US" dirty="0"/>
+          </a:p>
+        </p:txBody>
+      </p:sp>
+      <p:sp>
+        <p:nvSpPr>
+          <p:cNvPr id="11" name="内容占位符 10"/>
+          <p:cNvSpPr>
+            <a:spLocks noGrp="1"/>
+          </p:cNvSpPr>
+          <p:nvPr>
+            <p:ph idx="1"/>
+          </p:nvPr>
+        </p:nvSpPr>
+        <p:spPr>
+          <a:xfrm>
+            <a:off x="1295401" y="2495972"/>
+            <a:ext cx="9601196" cy="3539068"/>
+          </a:xfrm>
+        </p:spPr>
+        <p:txBody>
+          <a:bodyPr>
+            <a:normAutofit/>
+          </a:bodyPr>
+          <a:lstStyle/>
+          <a:p>
+            <a:pPr marL="0" indent="0">
+              <a:buNone/>
+            </a:pPr>
+            <a:r>
+              <a:rPr lang="zh-CN" altLang="en-US" dirty="0" smtClean="0">
+                <a:latin typeface="华文楷体" panose="02010600040101010101" pitchFamily="2" charset="-122"/>
+                <a:ea typeface="华文楷体" panose="02010600040101010101" pitchFamily="2" charset="-122"/>
+              </a:rPr>
+              <a:t>小红是小明的姐姐</a:t>
+            </a:r>
+            <a:endParaRPr lang="en-US" altLang="zh-CN" dirty="0" smtClean="0">
+              <a:latin typeface="华文楷体" panose="02010600040101010101" pitchFamily="2" charset="-122"/>
+              <a:ea typeface="华文楷体" panose="02010600040101010101" pitchFamily="2" charset="-122"/>
+            </a:endParaRPr>
+          </a:p>
+          <a:p>
+            <a:pPr marL="0" indent="0">
+              <a:buNone/>
+            </a:pPr>
+            <a:r>
+              <a:rPr lang="zh-CN" altLang="en-US" dirty="0">
+                <a:latin typeface="华文楷体" panose="02010600040101010101" pitchFamily="2" charset="-122"/>
+                <a:ea typeface="华文楷体" panose="02010600040101010101" pitchFamily="2" charset="-122"/>
+              </a:rPr>
+              <a:t>小</a:t>
+            </a:r>
+            <a:r>
+              <a:rPr lang="zh-CN" altLang="en-US" dirty="0" smtClean="0">
+                <a:latin typeface="华文楷体" panose="02010600040101010101" pitchFamily="2" charset="-122"/>
+                <a:ea typeface="华文楷体" panose="02010600040101010101" pitchFamily="2" charset="-122"/>
+              </a:rPr>
+              <a:t>红希望小明多读书，经常寻找好书给小明看，之前的方式是：小红问小明什么时候有空，把书给小明送去，并亲眼监督小明读完书才走。久而久之，两人都觉得麻烦。</a:t>
+            </a:r>
+            <a:endParaRPr lang="en-US" altLang="zh-CN" dirty="0">
+              <a:latin typeface="华文楷体" panose="02010600040101010101" pitchFamily="2" charset="-122"/>
+              <a:ea typeface="华文楷体" panose="02010600040101010101" pitchFamily="2" charset="-122"/>
+            </a:endParaRPr>
+          </a:p>
+          <a:p>
+            <a:pPr marL="0" indent="0">
+              <a:buNone/>
+            </a:pPr>
+            <a:r>
+              <a:rPr lang="zh-CN" altLang="en-US" dirty="0" smtClean="0">
+                <a:latin typeface="华文楷体" panose="02010600040101010101" pitchFamily="2" charset="-122"/>
+                <a:ea typeface="华文楷体" panose="02010600040101010101" pitchFamily="2" charset="-122"/>
+              </a:rPr>
+              <a:t>后来的方式改成了：小红对小明说</a:t>
+            </a:r>
+            <a:r>
+              <a:rPr lang="en-US" altLang="zh-CN" dirty="0" smtClean="0">
+                <a:latin typeface="华文楷体" panose="02010600040101010101" pitchFamily="2" charset="-122"/>
+                <a:ea typeface="华文楷体" panose="02010600040101010101" pitchFamily="2" charset="-122"/>
+              </a:rPr>
+              <a:t>【</a:t>
+            </a:r>
+            <a:r>
+              <a:rPr lang="zh-CN" altLang="en-US" dirty="0" smtClean="0">
+                <a:latin typeface="华文楷体" panose="02010600040101010101" pitchFamily="2" charset="-122"/>
+                <a:ea typeface="华文楷体" panose="02010600040101010101" pitchFamily="2" charset="-122"/>
+              </a:rPr>
+              <a:t>我放到书架上的书你都要看</a:t>
+            </a:r>
+            <a:r>
+              <a:rPr lang="en-US" altLang="zh-CN" dirty="0" smtClean="0">
+                <a:latin typeface="华文楷体" panose="02010600040101010101" pitchFamily="2" charset="-122"/>
+                <a:ea typeface="华文楷体" panose="02010600040101010101" pitchFamily="2" charset="-122"/>
+              </a:rPr>
+              <a:t>】</a:t>
+            </a:r>
+            <a:r>
+              <a:rPr lang="zh-CN" altLang="en-US" dirty="0" smtClean="0">
+                <a:latin typeface="华文楷体" panose="02010600040101010101" pitchFamily="2" charset="-122"/>
+                <a:ea typeface="华文楷体" panose="02010600040101010101" pitchFamily="2" charset="-122"/>
+              </a:rPr>
+              <a:t>，然后小红每次发现不错的数都放到书架上，小明则看到书架上有书就拿下来看。</a:t>
+            </a:r>
+            <a:endParaRPr lang="en-US" altLang="zh-CN" dirty="0" smtClean="0">
+              <a:latin typeface="华文楷体" panose="02010600040101010101" pitchFamily="2" charset="-122"/>
+              <a:ea typeface="华文楷体" panose="02010600040101010101" pitchFamily="2" charset="-122"/>
+            </a:endParaRPr>
+          </a:p>
+          <a:p>
+            <a:pPr marL="0" indent="0">
+              <a:buNone/>
+            </a:pPr>
+            <a:r>
+              <a:rPr lang="zh-CN" altLang="en-US" dirty="0" smtClean="0">
+                <a:latin typeface="华文楷体" panose="02010600040101010101" pitchFamily="2" charset="-122"/>
+                <a:ea typeface="华文楷体" panose="02010600040101010101" pitchFamily="2" charset="-122"/>
+              </a:rPr>
+              <a:t>书架就是一个消息队列，小红是生产者，小明是消费者。</a:t>
+            </a:r>
+            <a:endParaRPr lang="zh-CN" altLang="en-US" dirty="0">
+              <a:latin typeface="华文楷体" panose="02010600040101010101" pitchFamily="2" charset="-122"/>
+              <a:ea typeface="华文楷体" panose="02010600040101010101" pitchFamily="2" charset="-122"/>
+            </a:endParaRPr>
+          </a:p>
+        </p:txBody>
+      </p:sp>
+    </p:spTree>
+    <p:extLst>
+      <p:ext uri="{BB962C8B-B14F-4D97-AF65-F5344CB8AC3E}">
+        <p14:creationId xmlns:p14="http://schemas.microsoft.com/office/powerpoint/2010/main" val="51521362"/>
+      </p:ext>
+    </p:extLst>
+  </p:cSld>
+  <p:clrMapOvr>
+    <a:masterClrMapping/>
+  </p:clrMapOvr>
+</p:sld>
+</file>
+
+<file path=ppt/slides/slide12.xml><?xml version="1.0" encoding="utf-8"?>
+<p:sld xmlns:a="http://schemas.openxmlformats.org/drawingml/2006/main" xmlns:r="http://schemas.openxmlformats.org/officeDocument/2006/relationships" xmlns:p="http://schemas.openxmlformats.org/presentationml/2006/main">
+  <p:cSld>
+    <p:spTree>
+      <p:nvGrpSpPr>
+        <p:cNvPr id="1" name=""/>
+        <p:cNvGrpSpPr/>
+        <p:nvPr/>
+      </p:nvGrpSpPr>
+      <p:grpSpPr>
+        <a:xfrm>
+          <a:off x="0" y="0"/>
+          <a:ext cx="0" cy="0"/>
+          <a:chOff x="0" y="0"/>
+          <a:chExt cx="0" cy="0"/>
+        </a:xfrm>
+      </p:grpSpPr>
+      <p:sp>
+        <p:nvSpPr>
+          <p:cNvPr id="4" name="文本框 3"/>
+          <p:cNvSpPr txBox="1"/>
+          <p:nvPr/>
+        </p:nvSpPr>
+        <p:spPr>
+          <a:xfrm>
+            <a:off x="1249680" y="1036320"/>
+            <a:ext cx="1107996" cy="461665"/>
+          </a:xfrm>
+          <a:prstGeom prst="rect">
+            <a:avLst/>
+          </a:prstGeom>
+          <a:noFill/>
+        </p:spPr>
+        <p:txBody>
+          <a:bodyPr wrap="none" rtlCol="0">
+            <a:spAutoFit/>
+          </a:bodyPr>
+          <a:lstStyle/>
+          <a:p>
+            <a:r>
+              <a:rPr lang="zh-CN" altLang="en-US" sz="2400" dirty="0" smtClean="0"/>
+              <a:t>好处：</a:t>
+            </a:r>
+            <a:endParaRPr lang="zh-CN" altLang="en-US" sz="2400" dirty="0"/>
+          </a:p>
+        </p:txBody>
+      </p:sp>
+      <p:sp>
+        <p:nvSpPr>
+          <p:cNvPr id="5" name="文本框 4"/>
+          <p:cNvSpPr txBox="1"/>
+          <p:nvPr/>
+        </p:nvSpPr>
+        <p:spPr>
+          <a:xfrm>
+            <a:off x="1249680" y="1502450"/>
+            <a:ext cx="9372600" cy="4108817"/>
+          </a:xfrm>
+          <a:prstGeom prst="rect">
+            <a:avLst/>
+          </a:prstGeom>
+          <a:noFill/>
+        </p:spPr>
+        <p:txBody>
+          <a:bodyPr wrap="square" rtlCol="0">
+            <a:spAutoFit/>
+          </a:bodyPr>
+          <a:lstStyle/>
+          <a:p>
+            <a:pPr marL="342900" indent="-342900">
+              <a:spcAft>
+                <a:spcPts val="1800"/>
+              </a:spcAft>
+              <a:buAutoNum type="arabicPeriod"/>
+            </a:pPr>
+            <a:r>
+              <a:rPr lang="zh-CN" altLang="en-US" sz="2400" dirty="0">
+                <a:solidFill>
+                  <a:schemeClr val="tx1">
+                    <a:lumMod val="85000"/>
+                    <a:lumOff val="15000"/>
+                  </a:schemeClr>
+                </a:solidFill>
+                <a:latin typeface="华文楷体" panose="02010600040101010101" pitchFamily="2" charset="-122"/>
+                <a:ea typeface="华文楷体" panose="02010600040101010101" pitchFamily="2" charset="-122"/>
+              </a:rPr>
+              <a:t>小红想给小明书的时候，不必问小明什么时候有空，亲手把书交给他了，小红只把书放到书架上就行了。这样小红小明的时间都更自由。</a:t>
+            </a:r>
+            <a:endParaRPr lang="en-US" altLang="zh-CN" sz="2400" dirty="0">
+              <a:solidFill>
+                <a:schemeClr val="tx1">
+                  <a:lumMod val="85000"/>
+                  <a:lumOff val="15000"/>
+                </a:schemeClr>
+              </a:solidFill>
+              <a:latin typeface="华文楷体" panose="02010600040101010101" pitchFamily="2" charset="-122"/>
+              <a:ea typeface="华文楷体" panose="02010600040101010101" pitchFamily="2" charset="-122"/>
+            </a:endParaRPr>
+          </a:p>
+          <a:p>
+            <a:pPr marL="342900" indent="-342900">
+              <a:spcAft>
+                <a:spcPts val="1800"/>
+              </a:spcAft>
+              <a:buAutoNum type="arabicPeriod"/>
+            </a:pPr>
+            <a:r>
+              <a:rPr lang="zh-CN" altLang="en-US" sz="2400" dirty="0">
+                <a:solidFill>
+                  <a:schemeClr val="tx1">
+                    <a:lumMod val="85000"/>
+                    <a:lumOff val="15000"/>
+                  </a:schemeClr>
+                </a:solidFill>
+                <a:latin typeface="华文楷体" panose="02010600040101010101" pitchFamily="2" charset="-122"/>
+                <a:ea typeface="华文楷体" panose="02010600040101010101" pitchFamily="2" charset="-122"/>
+              </a:rPr>
+              <a:t>不必问小明什么时候有空，亲手把书交给他了，小红只把书放到书架上就行了。这样小红小明的时间都更自由。</a:t>
+            </a:r>
+            <a:endParaRPr lang="en-US" altLang="zh-CN" sz="2400" dirty="0">
+              <a:solidFill>
+                <a:schemeClr val="tx1">
+                  <a:lumMod val="85000"/>
+                  <a:lumOff val="15000"/>
+                </a:schemeClr>
+              </a:solidFill>
+              <a:latin typeface="华文楷体" panose="02010600040101010101" pitchFamily="2" charset="-122"/>
+              <a:ea typeface="华文楷体" panose="02010600040101010101" pitchFamily="2" charset="-122"/>
+            </a:endParaRPr>
+          </a:p>
+          <a:p>
+            <a:pPr marL="342900" indent="-342900">
+              <a:spcAft>
+                <a:spcPts val="1800"/>
+              </a:spcAft>
+              <a:buAutoNum type="arabicPeriod"/>
+            </a:pPr>
+            <a:r>
+              <a:rPr lang="zh-CN" altLang="en-US" sz="2400" dirty="0">
+                <a:solidFill>
+                  <a:schemeClr val="tx1">
+                    <a:lumMod val="85000"/>
+                    <a:lumOff val="15000"/>
+                  </a:schemeClr>
+                </a:solidFill>
+                <a:latin typeface="华文楷体" panose="02010600040101010101" pitchFamily="2" charset="-122"/>
+                <a:ea typeface="华文楷体" panose="02010600040101010101" pitchFamily="2" charset="-122"/>
+              </a:rPr>
+              <a:t>不必问小明什么时候有空，亲手把书交给他了，小红只把书放到书架上就行了。这样小红小明的时间都更自由。</a:t>
+            </a:r>
+            <a:endParaRPr lang="en-US" altLang="zh-CN" sz="2400" dirty="0">
+              <a:solidFill>
+                <a:schemeClr val="tx1">
+                  <a:lumMod val="85000"/>
+                  <a:lumOff val="15000"/>
+                </a:schemeClr>
+              </a:solidFill>
+              <a:latin typeface="华文楷体" panose="02010600040101010101" pitchFamily="2" charset="-122"/>
+              <a:ea typeface="华文楷体" panose="02010600040101010101" pitchFamily="2" charset="-122"/>
+            </a:endParaRPr>
+          </a:p>
+          <a:p>
+            <a:pPr marL="342900" indent="-342900">
+              <a:spcAft>
+                <a:spcPts val="1800"/>
+              </a:spcAft>
+              <a:buAutoNum type="arabicPeriod"/>
+            </a:pPr>
+            <a:r>
+              <a:rPr lang="zh-CN" altLang="en-US" sz="2400" dirty="0">
+                <a:solidFill>
+                  <a:schemeClr val="tx1">
+                    <a:lumMod val="85000"/>
+                    <a:lumOff val="15000"/>
+                  </a:schemeClr>
+                </a:solidFill>
+                <a:latin typeface="华文楷体" panose="02010600040101010101" pitchFamily="2" charset="-122"/>
+                <a:ea typeface="华文楷体" panose="02010600040101010101" pitchFamily="2" charset="-122"/>
+              </a:rPr>
+              <a:t>不必问小明什么时候有空，亲手把书交给他了，小红只把书放到书架上就行了。这样小红小明的时间都更自由。</a:t>
+            </a:r>
+          </a:p>
+        </p:txBody>
+      </p:sp>
+    </p:spTree>
+    <p:extLst>
+      <p:ext uri="{BB962C8B-B14F-4D97-AF65-F5344CB8AC3E}">
+        <p14:creationId xmlns:p14="http://schemas.microsoft.com/office/powerpoint/2010/main" val="167145418"/>
+      </p:ext>
+    </p:extLst>
+  </p:cSld>
+  <p:clrMapOvr>
+    <a:masterClrMapping/>
+  </p:clrMapOvr>
+</p:sld>
+</file>
+
+<file path=ppt/slides/slide13.xml><?xml version="1.0" encoding="utf-8"?>
+<p:sld xmlns:a="http://schemas.openxmlformats.org/drawingml/2006/main" xmlns:r="http://schemas.openxmlformats.org/officeDocument/2006/relationships" xmlns:p="http://schemas.openxmlformats.org/presentationml/2006/main">
+  <p:cSld>
+    <p:spTree>
+      <p:nvGrpSpPr>
+        <p:cNvPr id="1" name=""/>
+        <p:cNvGrpSpPr/>
+        <p:nvPr/>
+      </p:nvGrpSpPr>
+      <p:grpSpPr>
+        <a:xfrm>
+          <a:off x="0" y="0"/>
+          <a:ext cx="0" cy="0"/>
+          <a:chOff x="0" y="0"/>
+          <a:chExt cx="0" cy="0"/>
+        </a:xfrm>
+      </p:grpSpPr>
+      <p:sp>
+        <p:nvSpPr>
+          <p:cNvPr id="2" name="文本框 1"/>
+          <p:cNvSpPr txBox="1"/>
+          <p:nvPr/>
+        </p:nvSpPr>
+        <p:spPr>
+          <a:xfrm>
+            <a:off x="1112520" y="868680"/>
+            <a:ext cx="3262432" cy="461665"/>
+          </a:xfrm>
+          <a:prstGeom prst="rect">
+            <a:avLst/>
+          </a:prstGeom>
+          <a:noFill/>
+        </p:spPr>
+        <p:txBody>
+          <a:bodyPr wrap="none" rtlCol="0">
+            <a:spAutoFit/>
+          </a:bodyPr>
+          <a:lstStyle/>
+          <a:p>
+            <a:r>
+              <a:rPr lang="zh-CN" altLang="en-US" sz="2400" dirty="0" smtClean="0"/>
+              <a:t>消息队列的四大好处：</a:t>
+            </a:r>
+            <a:endParaRPr lang="en-US" altLang="zh-CN" sz="2400" dirty="0" smtClean="0"/>
+          </a:p>
+        </p:txBody>
+      </p:sp>
+      <p:sp>
+        <p:nvSpPr>
+          <p:cNvPr id="3" name="文本框 2"/>
+          <p:cNvSpPr txBox="1"/>
+          <p:nvPr/>
+        </p:nvSpPr>
+        <p:spPr>
+          <a:xfrm>
+            <a:off x="1112520" y="1676400"/>
+            <a:ext cx="9631680" cy="3877985"/>
+          </a:xfrm>
+          <a:prstGeom prst="rect">
+            <a:avLst/>
+          </a:prstGeom>
+          <a:noFill/>
+        </p:spPr>
+        <p:txBody>
+          <a:bodyPr wrap="square" rtlCol="0">
+            <a:spAutoFit/>
+          </a:bodyPr>
+          <a:lstStyle/>
+          <a:p>
+            <a:pPr>
+              <a:spcAft>
+                <a:spcPts val="1800"/>
+              </a:spcAft>
+            </a:pPr>
+            <a:r>
+              <a:rPr lang="en-US" altLang="zh-CN" sz="2400" dirty="0">
+                <a:solidFill>
+                  <a:schemeClr val="tx1">
+                    <a:lumMod val="85000"/>
+                    <a:lumOff val="15000"/>
+                  </a:schemeClr>
+                </a:solidFill>
+                <a:latin typeface="华文楷体" panose="02010600040101010101" pitchFamily="2" charset="-122"/>
+                <a:ea typeface="华文楷体" panose="02010600040101010101" pitchFamily="2" charset="-122"/>
+              </a:rPr>
+              <a:t>1.</a:t>
+            </a:r>
+            <a:r>
+              <a:rPr lang="zh-CN" altLang="en-US" sz="2400" dirty="0">
+                <a:solidFill>
+                  <a:schemeClr val="tx1">
+                    <a:lumMod val="85000"/>
+                    <a:lumOff val="15000"/>
+                  </a:schemeClr>
+                </a:solidFill>
+                <a:latin typeface="华文楷体" panose="02010600040101010101" pitchFamily="2" charset="-122"/>
+                <a:ea typeface="华文楷体" panose="02010600040101010101" pitchFamily="2" charset="-122"/>
+              </a:rPr>
+              <a:t>解耦</a:t>
+            </a:r>
+            <a:endParaRPr lang="en-US" altLang="zh-CN" sz="2400" dirty="0">
+              <a:solidFill>
+                <a:schemeClr val="tx1">
+                  <a:lumMod val="85000"/>
+                  <a:lumOff val="15000"/>
+                </a:schemeClr>
+              </a:solidFill>
+              <a:latin typeface="华文楷体" panose="02010600040101010101" pitchFamily="2" charset="-122"/>
+              <a:ea typeface="华文楷体" panose="02010600040101010101" pitchFamily="2" charset="-122"/>
+            </a:endParaRPr>
+          </a:p>
+          <a:p>
+            <a:pPr>
+              <a:spcAft>
+                <a:spcPts val="1800"/>
+              </a:spcAft>
+            </a:pPr>
+            <a:r>
+              <a:rPr lang="zh-CN" altLang="en-US" sz="2400" dirty="0">
+                <a:solidFill>
+                  <a:schemeClr val="tx1">
+                    <a:lumMod val="85000"/>
+                    <a:lumOff val="15000"/>
+                  </a:schemeClr>
+                </a:solidFill>
+                <a:latin typeface="华文楷体" panose="02010600040101010101" pitchFamily="2" charset="-122"/>
+                <a:ea typeface="华文楷体" panose="02010600040101010101" pitchFamily="2" charset="-122"/>
+              </a:rPr>
+              <a:t>每个成员不必受其他成员影响，可以更独立自主，只通过一个简单的容器来联系。</a:t>
+            </a:r>
+            <a:endParaRPr lang="en-US" altLang="zh-CN" sz="2400" dirty="0">
+              <a:solidFill>
+                <a:schemeClr val="tx1">
+                  <a:lumMod val="85000"/>
+                  <a:lumOff val="15000"/>
+                </a:schemeClr>
+              </a:solidFill>
+              <a:latin typeface="华文楷体" panose="02010600040101010101" pitchFamily="2" charset="-122"/>
+              <a:ea typeface="华文楷体" panose="02010600040101010101" pitchFamily="2" charset="-122"/>
+            </a:endParaRPr>
+          </a:p>
+          <a:p>
+            <a:pPr>
+              <a:spcAft>
+                <a:spcPts val="1800"/>
+              </a:spcAft>
+            </a:pPr>
+            <a:r>
+              <a:rPr lang="zh-CN" altLang="en-US" sz="2400" dirty="0">
+                <a:solidFill>
+                  <a:schemeClr val="tx1">
+                    <a:lumMod val="85000"/>
+                    <a:lumOff val="15000"/>
+                  </a:schemeClr>
+                </a:solidFill>
+                <a:latin typeface="华文楷体" panose="02010600040101010101" pitchFamily="2" charset="-122"/>
+                <a:ea typeface="华文楷体" panose="02010600040101010101" pitchFamily="2" charset="-122"/>
+              </a:rPr>
+              <a:t>小红甚至可以不知道从书架上取书的是谁，小明也可以不知道往书架上放书的人是谁，在他们眼里，都只有书架，没有对方。</a:t>
+            </a:r>
+            <a:endParaRPr lang="en-US" altLang="zh-CN" sz="2400" dirty="0">
+              <a:solidFill>
+                <a:schemeClr val="tx1">
+                  <a:lumMod val="85000"/>
+                  <a:lumOff val="15000"/>
+                </a:schemeClr>
+              </a:solidFill>
+              <a:latin typeface="华文楷体" panose="02010600040101010101" pitchFamily="2" charset="-122"/>
+              <a:ea typeface="华文楷体" panose="02010600040101010101" pitchFamily="2" charset="-122"/>
+            </a:endParaRPr>
+          </a:p>
+          <a:p>
+            <a:pPr>
+              <a:spcAft>
+                <a:spcPts val="1800"/>
+              </a:spcAft>
+            </a:pPr>
+            <a:r>
+              <a:rPr lang="zh-CN" altLang="en-US" sz="2400" dirty="0">
+                <a:solidFill>
+                  <a:schemeClr val="tx1">
+                    <a:lumMod val="85000"/>
+                    <a:lumOff val="15000"/>
+                  </a:schemeClr>
+                </a:solidFill>
+                <a:latin typeface="华文楷体" panose="02010600040101010101" pitchFamily="2" charset="-122"/>
+                <a:ea typeface="华文楷体" panose="02010600040101010101" pitchFamily="2" charset="-122"/>
+              </a:rPr>
+              <a:t>毫无疑问，与一个简单的容器打交道，比与复杂的人打交道容易一万倍，小红小明可以自由自在地追求各自的人生。</a:t>
+            </a:r>
+            <a:endParaRPr lang="en-US" altLang="zh-CN" sz="2400" dirty="0">
+              <a:solidFill>
+                <a:schemeClr val="tx1">
+                  <a:lumMod val="85000"/>
+                  <a:lumOff val="15000"/>
+                </a:schemeClr>
+              </a:solidFill>
+              <a:latin typeface="华文楷体" panose="02010600040101010101" pitchFamily="2" charset="-122"/>
+              <a:ea typeface="华文楷体" panose="02010600040101010101" pitchFamily="2" charset="-122"/>
+            </a:endParaRPr>
+          </a:p>
+          <a:p>
+            <a:endParaRPr lang="zh-CN" altLang="en-US" dirty="0"/>
+          </a:p>
+        </p:txBody>
+      </p:sp>
+    </p:spTree>
+    <p:extLst>
+      <p:ext uri="{BB962C8B-B14F-4D97-AF65-F5344CB8AC3E}">
+        <p14:creationId xmlns:p14="http://schemas.microsoft.com/office/powerpoint/2010/main" val="3855540166"/>
+      </p:ext>
+    </p:extLst>
+  </p:cSld>
+  <p:clrMapOvr>
+    <a:masterClrMapping/>
+  </p:clrMapOvr>
+</p:sld>
+</file>
+
+<file path=ppt/slides/slide14.xml><?xml version="1.0" encoding="utf-8"?>
+<p:sld xmlns:a="http://schemas.openxmlformats.org/drawingml/2006/main" xmlns:r="http://schemas.openxmlformats.org/officeDocument/2006/relationships" xmlns:p="http://schemas.openxmlformats.org/presentationml/2006/main">
+  <p:cSld>
+    <p:spTree>
+      <p:nvGrpSpPr>
+        <p:cNvPr id="1" name=""/>
+        <p:cNvGrpSpPr/>
+        <p:nvPr/>
+      </p:nvGrpSpPr>
+      <p:grpSpPr>
+        <a:xfrm>
+          <a:off x="0" y="0"/>
+          <a:ext cx="0" cy="0"/>
+          <a:chOff x="0" y="0"/>
+          <a:chExt cx="0" cy="0"/>
+        </a:xfrm>
+      </p:grpSpPr>
+      <p:sp>
+        <p:nvSpPr>
+          <p:cNvPr id="2" name="文本框 1"/>
+          <p:cNvSpPr txBox="1"/>
+          <p:nvPr/>
+        </p:nvSpPr>
+        <p:spPr>
+          <a:xfrm>
+            <a:off x="1112520" y="868680"/>
+            <a:ext cx="3262432" cy="461665"/>
+          </a:xfrm>
+          <a:prstGeom prst="rect">
+            <a:avLst/>
+          </a:prstGeom>
+          <a:noFill/>
+        </p:spPr>
+        <p:txBody>
+          <a:bodyPr wrap="none" rtlCol="0">
+            <a:spAutoFit/>
+          </a:bodyPr>
+          <a:lstStyle/>
+          <a:p>
+            <a:r>
+              <a:rPr lang="zh-CN" altLang="en-US" sz="2400" dirty="0" smtClean="0"/>
+              <a:t>消息队列的四大好处：</a:t>
+            </a:r>
+            <a:endParaRPr lang="en-US" altLang="zh-CN" sz="2400" dirty="0" smtClean="0"/>
+          </a:p>
+        </p:txBody>
+      </p:sp>
+      <p:sp>
+        <p:nvSpPr>
+          <p:cNvPr id="3" name="文本框 2"/>
+          <p:cNvSpPr txBox="1"/>
+          <p:nvPr/>
+        </p:nvSpPr>
+        <p:spPr>
+          <a:xfrm>
+            <a:off x="1112520" y="1676400"/>
+            <a:ext cx="9631680" cy="2169825"/>
+          </a:xfrm>
+          <a:prstGeom prst="rect">
+            <a:avLst/>
+          </a:prstGeom>
+          <a:noFill/>
+        </p:spPr>
+        <p:txBody>
+          <a:bodyPr wrap="square" rtlCol="0">
+            <a:spAutoFit/>
+          </a:bodyPr>
+          <a:lstStyle/>
+          <a:p>
+            <a:pPr>
+              <a:spcAft>
+                <a:spcPts val="1800"/>
+              </a:spcAft>
+            </a:pPr>
+            <a:r>
+              <a:rPr lang="en-US" altLang="zh-CN" sz="2400" dirty="0" smtClean="0">
+                <a:solidFill>
+                  <a:schemeClr val="tx1">
+                    <a:lumMod val="85000"/>
+                    <a:lumOff val="15000"/>
+                  </a:schemeClr>
+                </a:solidFill>
+                <a:latin typeface="华文楷体" panose="02010600040101010101" pitchFamily="2" charset="-122"/>
+                <a:ea typeface="华文楷体" panose="02010600040101010101" pitchFamily="2" charset="-122"/>
+              </a:rPr>
+              <a:t>2.</a:t>
+            </a:r>
+            <a:r>
+              <a:rPr lang="zh-CN" altLang="en-US" sz="2400" dirty="0" smtClean="0">
+                <a:solidFill>
+                  <a:schemeClr val="tx1">
+                    <a:lumMod val="85000"/>
+                    <a:lumOff val="15000"/>
+                  </a:schemeClr>
+                </a:solidFill>
+                <a:latin typeface="华文楷体" panose="02010600040101010101" pitchFamily="2" charset="-122"/>
+                <a:ea typeface="华文楷体" panose="02010600040101010101" pitchFamily="2" charset="-122"/>
+              </a:rPr>
+              <a:t>提速</a:t>
+            </a:r>
+            <a:endParaRPr lang="en-US" altLang="zh-CN" sz="2400" dirty="0" smtClean="0">
+              <a:solidFill>
+                <a:schemeClr val="tx1">
+                  <a:lumMod val="85000"/>
+                  <a:lumOff val="15000"/>
+                </a:schemeClr>
+              </a:solidFill>
+              <a:latin typeface="华文楷体" panose="02010600040101010101" pitchFamily="2" charset="-122"/>
+              <a:ea typeface="华文楷体" panose="02010600040101010101" pitchFamily="2" charset="-122"/>
+            </a:endParaRPr>
+          </a:p>
+          <a:p>
+            <a:pPr>
+              <a:spcAft>
+                <a:spcPts val="1800"/>
+              </a:spcAft>
+            </a:pPr>
+            <a:r>
+              <a:rPr lang="zh-CN" altLang="en-US" sz="2400" dirty="0">
+                <a:solidFill>
+                  <a:schemeClr val="tx1">
+                    <a:lumMod val="85000"/>
+                    <a:lumOff val="15000"/>
+                  </a:schemeClr>
+                </a:solidFill>
+                <a:latin typeface="华文楷体" panose="02010600040101010101" pitchFamily="2" charset="-122"/>
+                <a:ea typeface="华文楷体" panose="02010600040101010101" pitchFamily="2" charset="-122"/>
+              </a:rPr>
+              <a:t>小</a:t>
+            </a:r>
+            <a:r>
+              <a:rPr lang="zh-CN" altLang="en-US" sz="2400" dirty="0" smtClean="0">
+                <a:solidFill>
+                  <a:schemeClr val="tx1">
+                    <a:lumMod val="85000"/>
+                    <a:lumOff val="15000"/>
+                  </a:schemeClr>
+                </a:solidFill>
+                <a:latin typeface="华文楷体" panose="02010600040101010101" pitchFamily="2" charset="-122"/>
+                <a:ea typeface="华文楷体" panose="02010600040101010101" pitchFamily="2" charset="-122"/>
+              </a:rPr>
+              <a:t>红选择相信</a:t>
+            </a:r>
+            <a:r>
+              <a:rPr lang="en-US" altLang="zh-CN" sz="2400" dirty="0" smtClean="0">
+                <a:solidFill>
+                  <a:schemeClr val="tx1">
+                    <a:lumMod val="85000"/>
+                    <a:lumOff val="15000"/>
+                  </a:schemeClr>
+                </a:solidFill>
+                <a:latin typeface="华文楷体" panose="02010600040101010101" pitchFamily="2" charset="-122"/>
+                <a:ea typeface="华文楷体" panose="02010600040101010101" pitchFamily="2" charset="-122"/>
+              </a:rPr>
+              <a:t>【</a:t>
+            </a:r>
+            <a:r>
+              <a:rPr lang="zh-CN" altLang="en-US" sz="2400" dirty="0" smtClean="0">
+                <a:solidFill>
+                  <a:schemeClr val="tx1">
+                    <a:lumMod val="85000"/>
+                    <a:lumOff val="15000"/>
+                  </a:schemeClr>
+                </a:solidFill>
+                <a:latin typeface="华文楷体" panose="02010600040101010101" pitchFamily="2" charset="-122"/>
+                <a:ea typeface="华文楷体" panose="02010600040101010101" pitchFamily="2" charset="-122"/>
+              </a:rPr>
+              <a:t>把书放到书架上，别的我不问</a:t>
+            </a:r>
+            <a:r>
+              <a:rPr lang="en-US" altLang="zh-CN" sz="2400" dirty="0" smtClean="0">
+                <a:solidFill>
+                  <a:schemeClr val="tx1">
+                    <a:lumMod val="85000"/>
+                    <a:lumOff val="15000"/>
+                  </a:schemeClr>
+                </a:solidFill>
+                <a:latin typeface="华文楷体" panose="02010600040101010101" pitchFamily="2" charset="-122"/>
+                <a:ea typeface="华文楷体" panose="02010600040101010101" pitchFamily="2" charset="-122"/>
+              </a:rPr>
+              <a:t>】</a:t>
+            </a:r>
+            <a:r>
+              <a:rPr lang="zh-CN" altLang="en-US" sz="2400" dirty="0" smtClean="0">
+                <a:solidFill>
+                  <a:schemeClr val="tx1">
+                    <a:lumMod val="85000"/>
+                    <a:lumOff val="15000"/>
+                  </a:schemeClr>
+                </a:solidFill>
+                <a:latin typeface="华文楷体" panose="02010600040101010101" pitchFamily="2" charset="-122"/>
+                <a:ea typeface="华文楷体" panose="02010600040101010101" pitchFamily="2" charset="-122"/>
+              </a:rPr>
+              <a:t>为自己节省了大量时间。</a:t>
+            </a:r>
+            <a:endParaRPr lang="en-US" altLang="zh-CN" sz="2400" dirty="0" smtClean="0">
+              <a:solidFill>
+                <a:schemeClr val="tx1">
+                  <a:lumMod val="85000"/>
+                  <a:lumOff val="15000"/>
+                </a:schemeClr>
+              </a:solidFill>
+              <a:latin typeface="华文楷体" panose="02010600040101010101" pitchFamily="2" charset="-122"/>
+              <a:ea typeface="华文楷体" panose="02010600040101010101" pitchFamily="2" charset="-122"/>
+            </a:endParaRPr>
+          </a:p>
+          <a:p>
+            <a:pPr>
+              <a:spcAft>
+                <a:spcPts val="1800"/>
+              </a:spcAft>
+            </a:pPr>
+            <a:r>
+              <a:rPr lang="zh-CN" altLang="en-US" sz="2400" dirty="0">
+                <a:solidFill>
+                  <a:schemeClr val="tx1">
+                    <a:lumMod val="85000"/>
+                    <a:lumOff val="15000"/>
+                  </a:schemeClr>
+                </a:solidFill>
+                <a:latin typeface="华文楷体" panose="02010600040101010101" pitchFamily="2" charset="-122"/>
+                <a:ea typeface="华文楷体" panose="02010600040101010101" pitchFamily="2" charset="-122"/>
+              </a:rPr>
+              <a:t>小</a:t>
+            </a:r>
+            <a:r>
+              <a:rPr lang="zh-CN" altLang="en-US" sz="2400" dirty="0" smtClean="0">
+                <a:solidFill>
+                  <a:schemeClr val="tx1">
+                    <a:lumMod val="85000"/>
+                    <a:lumOff val="15000"/>
+                  </a:schemeClr>
+                </a:solidFill>
+                <a:latin typeface="华文楷体" panose="02010600040101010101" pitchFamily="2" charset="-122"/>
+                <a:ea typeface="华文楷体" panose="02010600040101010101" pitchFamily="2" charset="-122"/>
+              </a:rPr>
+              <a:t>红很忙，只能抽出五分钟时间，但这时间足够把书放到书架上了。</a:t>
+            </a:r>
+            <a:endParaRPr lang="en-US" altLang="zh-CN" sz="2400" dirty="0">
+              <a:solidFill>
+                <a:schemeClr val="tx1">
+                  <a:lumMod val="85000"/>
+                  <a:lumOff val="15000"/>
+                </a:schemeClr>
+              </a:solidFill>
+              <a:latin typeface="华文楷体" panose="02010600040101010101" pitchFamily="2" charset="-122"/>
+              <a:ea typeface="华文楷体" panose="02010600040101010101" pitchFamily="2" charset="-122"/>
+            </a:endParaRPr>
+          </a:p>
+          <a:p>
+            <a:endParaRPr lang="zh-CN" altLang="en-US" dirty="0"/>
+          </a:p>
+        </p:txBody>
+      </p:sp>
+      <p:sp>
+        <p:nvSpPr>
+          <p:cNvPr id="4" name="文本框 3"/>
+          <p:cNvSpPr txBox="1"/>
+          <p:nvPr/>
+        </p:nvSpPr>
+        <p:spPr>
+          <a:xfrm>
+            <a:off x="1112520" y="3642360"/>
+            <a:ext cx="9631680" cy="1938992"/>
+          </a:xfrm>
+          <a:prstGeom prst="rect">
+            <a:avLst/>
+          </a:prstGeom>
+          <a:noFill/>
+        </p:spPr>
+        <p:txBody>
+          <a:bodyPr wrap="square" rtlCol="0">
+            <a:spAutoFit/>
+          </a:bodyPr>
+          <a:lstStyle/>
+          <a:p>
+            <a:pPr>
+              <a:spcAft>
+                <a:spcPts val="1800"/>
+              </a:spcAft>
+            </a:pPr>
+            <a:r>
+              <a:rPr lang="en-US" altLang="zh-CN" sz="2400" dirty="0" smtClean="0">
+                <a:solidFill>
+                  <a:schemeClr val="tx1">
+                    <a:lumMod val="85000"/>
+                    <a:lumOff val="15000"/>
+                  </a:schemeClr>
+                </a:solidFill>
+                <a:latin typeface="华文楷体" panose="02010600040101010101" pitchFamily="2" charset="-122"/>
+                <a:ea typeface="华文楷体" panose="02010600040101010101" pitchFamily="2" charset="-122"/>
+              </a:rPr>
+              <a:t>3.</a:t>
+            </a:r>
+            <a:r>
+              <a:rPr lang="zh-CN" altLang="en-US" sz="2400" dirty="0" smtClean="0">
+                <a:solidFill>
+                  <a:schemeClr val="tx1">
+                    <a:lumMod val="85000"/>
+                    <a:lumOff val="15000"/>
+                  </a:schemeClr>
+                </a:solidFill>
+                <a:latin typeface="华文楷体" panose="02010600040101010101" pitchFamily="2" charset="-122"/>
+                <a:ea typeface="华文楷体" panose="02010600040101010101" pitchFamily="2" charset="-122"/>
+              </a:rPr>
+              <a:t>广播</a:t>
+            </a:r>
+            <a:endParaRPr lang="en-US" altLang="zh-CN" sz="2400" dirty="0" smtClean="0">
+              <a:solidFill>
+                <a:schemeClr val="tx1">
+                  <a:lumMod val="85000"/>
+                  <a:lumOff val="15000"/>
+                </a:schemeClr>
+              </a:solidFill>
+              <a:latin typeface="华文楷体" panose="02010600040101010101" pitchFamily="2" charset="-122"/>
+              <a:ea typeface="华文楷体" panose="02010600040101010101" pitchFamily="2" charset="-122"/>
+            </a:endParaRPr>
+          </a:p>
+          <a:p>
+            <a:pPr>
+              <a:spcAft>
+                <a:spcPts val="1800"/>
+              </a:spcAft>
+            </a:pPr>
+            <a:r>
+              <a:rPr lang="zh-CN" altLang="en-US" sz="2400" dirty="0">
+                <a:solidFill>
+                  <a:schemeClr val="tx1">
+                    <a:lumMod val="85000"/>
+                    <a:lumOff val="15000"/>
+                  </a:schemeClr>
+                </a:solidFill>
+                <a:latin typeface="华文楷体" panose="02010600040101010101" pitchFamily="2" charset="-122"/>
+                <a:ea typeface="华文楷体" panose="02010600040101010101" pitchFamily="2" charset="-122"/>
+              </a:rPr>
+              <a:t>小红只需要劳动一次，就可以让多个小伙伴有书可读，这大大地节省了她的时间，也让新的小伙伴的加入成本很低。</a:t>
+            </a:r>
+            <a:endParaRPr lang="en-US" altLang="zh-CN" sz="2400" dirty="0">
+              <a:solidFill>
+                <a:schemeClr val="tx1">
+                  <a:lumMod val="85000"/>
+                  <a:lumOff val="15000"/>
+                </a:schemeClr>
+              </a:solidFill>
+              <a:latin typeface="华文楷体" panose="02010600040101010101" pitchFamily="2" charset="-122"/>
+              <a:ea typeface="华文楷体" panose="02010600040101010101" pitchFamily="2" charset="-122"/>
+            </a:endParaRPr>
+          </a:p>
+          <a:p>
+            <a:endParaRPr lang="zh-CN" altLang="en-US" dirty="0"/>
+          </a:p>
+        </p:txBody>
+      </p:sp>
+    </p:spTree>
+    <p:extLst>
+      <p:ext uri="{BB962C8B-B14F-4D97-AF65-F5344CB8AC3E}">
+        <p14:creationId xmlns:p14="http://schemas.microsoft.com/office/powerpoint/2010/main" val="2662231331"/>
+      </p:ext>
+    </p:extLst>
+  </p:cSld>
+  <p:clrMapOvr>
+    <a:masterClrMapping/>
+  </p:clrMapOvr>
+</p:sld>
+</file>
+
+<file path=ppt/slides/slide15.xml><?xml version="1.0" encoding="utf-8"?>
+<p:sld xmlns:a="http://schemas.openxmlformats.org/drawingml/2006/main" xmlns:r="http://schemas.openxmlformats.org/officeDocument/2006/relationships" xmlns:p="http://schemas.openxmlformats.org/presentationml/2006/main">
+  <p:cSld>
+    <p:spTree>
+      <p:nvGrpSpPr>
+        <p:cNvPr id="1" name=""/>
+        <p:cNvGrpSpPr/>
+        <p:nvPr/>
+      </p:nvGrpSpPr>
+      <p:grpSpPr>
+        <a:xfrm>
+          <a:off x="0" y="0"/>
+          <a:ext cx="0" cy="0"/>
+          <a:chOff x="0" y="0"/>
+          <a:chExt cx="0" cy="0"/>
+        </a:xfrm>
+      </p:grpSpPr>
+      <p:sp>
+        <p:nvSpPr>
+          <p:cNvPr id="2" name="文本框 1"/>
+          <p:cNvSpPr txBox="1"/>
+          <p:nvPr/>
+        </p:nvSpPr>
+        <p:spPr>
+          <a:xfrm>
+            <a:off x="1112520" y="868680"/>
+            <a:ext cx="3262432" cy="461665"/>
+          </a:xfrm>
+          <a:prstGeom prst="rect">
+            <a:avLst/>
+          </a:prstGeom>
+          <a:noFill/>
+        </p:spPr>
+        <p:txBody>
+          <a:bodyPr wrap="none" rtlCol="0">
+            <a:spAutoFit/>
+          </a:bodyPr>
+          <a:lstStyle/>
+          <a:p>
+            <a:r>
+              <a:rPr lang="zh-CN" altLang="en-US" sz="2400" dirty="0" smtClean="0"/>
+              <a:t>消息队列的四大好处：</a:t>
+            </a:r>
+            <a:endParaRPr lang="en-US" altLang="zh-CN" sz="2400" dirty="0" smtClean="0"/>
+          </a:p>
+        </p:txBody>
+      </p:sp>
+      <p:sp>
+        <p:nvSpPr>
+          <p:cNvPr id="3" name="文本框 2"/>
+          <p:cNvSpPr txBox="1"/>
+          <p:nvPr/>
+        </p:nvSpPr>
+        <p:spPr>
+          <a:xfrm>
+            <a:off x="1112520" y="1676400"/>
+            <a:ext cx="9631680" cy="1431161"/>
+          </a:xfrm>
+          <a:prstGeom prst="rect">
+            <a:avLst/>
+          </a:prstGeom>
+          <a:noFill/>
+        </p:spPr>
+        <p:txBody>
+          <a:bodyPr wrap="square" rtlCol="0">
+            <a:spAutoFit/>
+          </a:bodyPr>
+          <a:lstStyle/>
+          <a:p>
+            <a:pPr>
+              <a:spcAft>
+                <a:spcPts val="1800"/>
+              </a:spcAft>
+            </a:pPr>
+            <a:r>
+              <a:rPr lang="en-US" altLang="zh-CN" sz="2400" dirty="0" smtClean="0">
+                <a:solidFill>
+                  <a:schemeClr val="tx1">
+                    <a:lumMod val="85000"/>
+                    <a:lumOff val="15000"/>
+                  </a:schemeClr>
+                </a:solidFill>
+                <a:latin typeface="华文楷体" panose="02010600040101010101" pitchFamily="2" charset="-122"/>
+                <a:ea typeface="华文楷体" panose="02010600040101010101" pitchFamily="2" charset="-122"/>
+              </a:rPr>
+              <a:t>4.</a:t>
+            </a:r>
+            <a:r>
+              <a:rPr lang="zh-CN" altLang="en-US" sz="2400" dirty="0" smtClean="0">
+                <a:solidFill>
+                  <a:schemeClr val="tx1">
+                    <a:lumMod val="85000"/>
+                    <a:lumOff val="15000"/>
+                  </a:schemeClr>
+                </a:solidFill>
+                <a:latin typeface="华文楷体" panose="02010600040101010101" pitchFamily="2" charset="-122"/>
+                <a:ea typeface="华文楷体" panose="02010600040101010101" pitchFamily="2" charset="-122"/>
+              </a:rPr>
+              <a:t>削峰</a:t>
+            </a:r>
+            <a:endParaRPr lang="en-US" altLang="zh-CN" sz="2400" dirty="0" smtClean="0">
+              <a:solidFill>
+                <a:schemeClr val="tx1">
+                  <a:lumMod val="85000"/>
+                  <a:lumOff val="15000"/>
+                </a:schemeClr>
+              </a:solidFill>
+              <a:latin typeface="华文楷体" panose="02010600040101010101" pitchFamily="2" charset="-122"/>
+              <a:ea typeface="华文楷体" panose="02010600040101010101" pitchFamily="2" charset="-122"/>
+            </a:endParaRPr>
+          </a:p>
+          <a:p>
+            <a:pPr>
+              <a:spcAft>
+                <a:spcPts val="1800"/>
+              </a:spcAft>
+            </a:pPr>
+            <a:r>
+              <a:rPr lang="zh-CN" altLang="en-US" sz="2400" dirty="0">
+                <a:solidFill>
+                  <a:schemeClr val="tx1">
+                    <a:lumMod val="85000"/>
+                    <a:lumOff val="15000"/>
+                  </a:schemeClr>
+                </a:solidFill>
+                <a:latin typeface="华文楷体" panose="02010600040101010101" pitchFamily="2" charset="-122"/>
+                <a:ea typeface="华文楷体" panose="02010600040101010101" pitchFamily="2" charset="-122"/>
+              </a:rPr>
+              <a:t>假设小明读书很慢，如果采用小红每给一本书都监督小明读完的方式，小明有压力，小红也不耐烦</a:t>
+            </a:r>
+            <a:r>
+              <a:rPr lang="zh-CN" altLang="en-US" sz="2400" dirty="0" smtClean="0">
+                <a:solidFill>
+                  <a:schemeClr val="tx1">
+                    <a:lumMod val="85000"/>
+                    <a:lumOff val="15000"/>
+                  </a:schemeClr>
+                </a:solidFill>
+                <a:latin typeface="华文楷体" panose="02010600040101010101" pitchFamily="2" charset="-122"/>
+                <a:ea typeface="华文楷体" panose="02010600040101010101" pitchFamily="2" charset="-122"/>
+              </a:rPr>
+              <a:t>。</a:t>
+            </a:r>
+            <a:endParaRPr lang="en-US" altLang="zh-CN" sz="2400" dirty="0">
+              <a:solidFill>
+                <a:schemeClr val="tx1">
+                  <a:lumMod val="85000"/>
+                  <a:lumOff val="15000"/>
+                </a:schemeClr>
+              </a:solidFill>
+              <a:latin typeface="华文楷体" panose="02010600040101010101" pitchFamily="2" charset="-122"/>
+              <a:ea typeface="华文楷体" panose="02010600040101010101" pitchFamily="2" charset="-122"/>
+            </a:endParaRPr>
+          </a:p>
+        </p:txBody>
+      </p:sp>
+    </p:spTree>
+    <p:extLst>
+      <p:ext uri="{BB962C8B-B14F-4D97-AF65-F5344CB8AC3E}">
+        <p14:creationId xmlns:p14="http://schemas.microsoft.com/office/powerpoint/2010/main" val="2824824520"/>
+      </p:ext>
+    </p:extLst>
+  </p:cSld>
+  <p:clrMapOvr>
+    <a:masterClrMapping/>
+  </p:clrMapOvr>
+</p:sld>
+</file>
+
+<file path=ppt/slides/slide16.xml><?xml version="1.0" encoding="utf-8"?>
+<p:sld xmlns:a="http://schemas.openxmlformats.org/drawingml/2006/main" xmlns:r="http://schemas.openxmlformats.org/officeDocument/2006/relationships" xmlns:p="http://schemas.openxmlformats.org/presentationml/2006/main">
+  <p:cSld>
+    <p:spTree>
+      <p:nvGrpSpPr>
+        <p:cNvPr id="1" name=""/>
+        <p:cNvGrpSpPr/>
+        <p:nvPr/>
+      </p:nvGrpSpPr>
+      <p:grpSpPr>
+        <a:xfrm>
+          <a:off x="0" y="0"/>
+          <a:ext cx="0" cy="0"/>
+          <a:chOff x="0" y="0"/>
+          <a:chExt cx="0" cy="0"/>
+        </a:xfrm>
+      </p:grpSpPr>
+      <p:sp>
+        <p:nvSpPr>
+          <p:cNvPr id="2" name="文本框 1"/>
+          <p:cNvSpPr txBox="1"/>
+          <p:nvPr/>
+        </p:nvSpPr>
+        <p:spPr>
+          <a:xfrm>
+            <a:off x="1112520" y="868680"/>
+            <a:ext cx="2646878" cy="461665"/>
+          </a:xfrm>
+          <a:prstGeom prst="rect">
+            <a:avLst/>
+          </a:prstGeom>
+          <a:noFill/>
+        </p:spPr>
+        <p:txBody>
+          <a:bodyPr wrap="none" rtlCol="0">
+            <a:spAutoFit/>
+          </a:bodyPr>
+          <a:lstStyle/>
+          <a:p>
+            <a:r>
+              <a:rPr lang="zh-CN" altLang="en-US" sz="2400" dirty="0" smtClean="0"/>
+              <a:t>消息队列的成本：</a:t>
+            </a:r>
+            <a:endParaRPr lang="en-US" altLang="zh-CN" sz="2400" dirty="0" smtClean="0"/>
+          </a:p>
+        </p:txBody>
+      </p:sp>
+      <p:sp>
+        <p:nvSpPr>
+          <p:cNvPr id="3" name="文本框 2"/>
+          <p:cNvSpPr txBox="1"/>
+          <p:nvPr/>
+        </p:nvSpPr>
+        <p:spPr>
+          <a:xfrm>
+            <a:off x="1112520" y="1615440"/>
+            <a:ext cx="9631680" cy="3600986"/>
+          </a:xfrm>
+          <a:prstGeom prst="rect">
+            <a:avLst/>
+          </a:prstGeom>
+          <a:noFill/>
+        </p:spPr>
+        <p:txBody>
+          <a:bodyPr wrap="square" rtlCol="0">
+            <a:spAutoFit/>
+          </a:bodyPr>
+          <a:lstStyle/>
+          <a:p>
+            <a:pPr>
+              <a:spcAft>
+                <a:spcPts val="1800"/>
+              </a:spcAft>
+            </a:pPr>
+            <a:r>
+              <a:rPr lang="en-US" altLang="zh-CN" sz="2400" dirty="0">
+                <a:solidFill>
+                  <a:schemeClr val="tx1">
+                    <a:lumMod val="85000"/>
+                    <a:lumOff val="15000"/>
+                  </a:schemeClr>
+                </a:solidFill>
+                <a:latin typeface="华文楷体" panose="02010600040101010101" pitchFamily="2" charset="-122"/>
+                <a:ea typeface="华文楷体" panose="02010600040101010101" pitchFamily="2" charset="-122"/>
+              </a:rPr>
+              <a:t>1.</a:t>
+            </a:r>
+            <a:r>
+              <a:rPr lang="zh-CN" altLang="en-US" sz="2400" dirty="0">
+                <a:solidFill>
+                  <a:schemeClr val="tx1">
+                    <a:lumMod val="85000"/>
+                    <a:lumOff val="15000"/>
+                  </a:schemeClr>
+                </a:solidFill>
+                <a:latin typeface="华文楷体" panose="02010600040101010101" pitchFamily="2" charset="-122"/>
+                <a:ea typeface="华文楷体" panose="02010600040101010101" pitchFamily="2" charset="-122"/>
+              </a:rPr>
+              <a:t>引入复杂度</a:t>
+            </a:r>
+            <a:endParaRPr lang="en-US" altLang="zh-CN" sz="2400" dirty="0">
+              <a:solidFill>
+                <a:schemeClr val="tx1">
+                  <a:lumMod val="85000"/>
+                  <a:lumOff val="15000"/>
+                </a:schemeClr>
+              </a:solidFill>
+              <a:latin typeface="华文楷体" panose="02010600040101010101" pitchFamily="2" charset="-122"/>
+              <a:ea typeface="华文楷体" panose="02010600040101010101" pitchFamily="2" charset="-122"/>
+            </a:endParaRPr>
+          </a:p>
+          <a:p>
+            <a:pPr>
+              <a:spcAft>
+                <a:spcPts val="1800"/>
+              </a:spcAft>
+            </a:pPr>
+            <a:r>
+              <a:rPr lang="zh-CN" altLang="en-US" sz="2400" dirty="0">
+                <a:solidFill>
+                  <a:schemeClr val="tx1">
+                    <a:lumMod val="85000"/>
+                    <a:lumOff val="15000"/>
+                  </a:schemeClr>
+                </a:solidFill>
+                <a:latin typeface="华文楷体" panose="02010600040101010101" pitchFamily="2" charset="-122"/>
+                <a:ea typeface="华文楷体" panose="02010600040101010101" pitchFamily="2" charset="-122"/>
+              </a:rPr>
+              <a:t>毫无疑问，「书架」这东西是多出来的，需要地方放它，还需要防盗</a:t>
+            </a:r>
+            <a:r>
+              <a:rPr lang="zh-CN" altLang="en-US" sz="2400" dirty="0" smtClean="0">
+                <a:solidFill>
+                  <a:schemeClr val="tx1">
+                    <a:lumMod val="85000"/>
+                    <a:lumOff val="15000"/>
+                  </a:schemeClr>
+                </a:solidFill>
+                <a:latin typeface="华文楷体" panose="02010600040101010101" pitchFamily="2" charset="-122"/>
+                <a:ea typeface="华文楷体" panose="02010600040101010101" pitchFamily="2" charset="-122"/>
+              </a:rPr>
+              <a:t>。</a:t>
+            </a:r>
+            <a:endParaRPr lang="en-US" altLang="zh-CN" sz="2400" dirty="0">
+              <a:solidFill>
+                <a:schemeClr val="tx1">
+                  <a:lumMod val="85000"/>
+                  <a:lumOff val="15000"/>
+                </a:schemeClr>
+              </a:solidFill>
+              <a:latin typeface="华文楷体" panose="02010600040101010101" pitchFamily="2" charset="-122"/>
+              <a:ea typeface="华文楷体" panose="02010600040101010101" pitchFamily="2" charset="-122"/>
+            </a:endParaRPr>
+          </a:p>
+          <a:p>
+            <a:pPr>
+              <a:spcAft>
+                <a:spcPts val="1800"/>
+              </a:spcAft>
+            </a:pPr>
+            <a:r>
+              <a:rPr lang="en-US" altLang="zh-CN" sz="2400" dirty="0" smtClean="0">
+                <a:solidFill>
+                  <a:schemeClr val="tx1">
+                    <a:lumMod val="85000"/>
+                    <a:lumOff val="15000"/>
+                  </a:schemeClr>
+                </a:solidFill>
+                <a:latin typeface="华文楷体" panose="02010600040101010101" pitchFamily="2" charset="-122"/>
+                <a:ea typeface="华文楷体" panose="02010600040101010101" pitchFamily="2" charset="-122"/>
+              </a:rPr>
+              <a:t>2</a:t>
+            </a:r>
+            <a:r>
+              <a:rPr lang="en-US" altLang="zh-CN" sz="2400" dirty="0">
+                <a:solidFill>
+                  <a:schemeClr val="tx1">
+                    <a:lumMod val="85000"/>
+                    <a:lumOff val="15000"/>
+                  </a:schemeClr>
+                </a:solidFill>
+                <a:latin typeface="华文楷体" panose="02010600040101010101" pitchFamily="2" charset="-122"/>
+                <a:ea typeface="华文楷体" panose="02010600040101010101" pitchFamily="2" charset="-122"/>
+              </a:rPr>
+              <a:t>.</a:t>
+            </a:r>
+            <a:r>
+              <a:rPr lang="zh-CN" altLang="en-US" sz="2400" dirty="0">
+                <a:solidFill>
+                  <a:schemeClr val="tx1">
+                    <a:lumMod val="85000"/>
+                    <a:lumOff val="15000"/>
+                  </a:schemeClr>
+                </a:solidFill>
+                <a:latin typeface="华文楷体" panose="02010600040101010101" pitchFamily="2" charset="-122"/>
+                <a:ea typeface="华文楷体" panose="02010600040101010101" pitchFamily="2" charset="-122"/>
+              </a:rPr>
+              <a:t>暂时的不一致性</a:t>
+            </a:r>
+            <a:endParaRPr lang="en-US" altLang="zh-CN" sz="2400" dirty="0">
+              <a:solidFill>
+                <a:schemeClr val="tx1">
+                  <a:lumMod val="85000"/>
+                  <a:lumOff val="15000"/>
+                </a:schemeClr>
+              </a:solidFill>
+              <a:latin typeface="华文楷体" panose="02010600040101010101" pitchFamily="2" charset="-122"/>
+              <a:ea typeface="华文楷体" panose="02010600040101010101" pitchFamily="2" charset="-122"/>
+            </a:endParaRPr>
+          </a:p>
+          <a:p>
+            <a:pPr>
+              <a:spcAft>
+                <a:spcPts val="1800"/>
+              </a:spcAft>
+            </a:pPr>
+            <a:r>
+              <a:rPr lang="zh-CN" altLang="en-US" sz="2400" dirty="0">
+                <a:solidFill>
+                  <a:schemeClr val="tx1">
+                    <a:lumMod val="85000"/>
+                    <a:lumOff val="15000"/>
+                  </a:schemeClr>
+                </a:solidFill>
+                <a:latin typeface="华文楷体" panose="02010600040101010101" pitchFamily="2" charset="-122"/>
+                <a:ea typeface="华文楷体" panose="02010600040101010101" pitchFamily="2" charset="-122"/>
+              </a:rPr>
+              <a:t>毫无疑问，「书架」这东西是多出来的，需要地方放它，还需要防盗</a:t>
+            </a:r>
+            <a:r>
+              <a:rPr lang="zh-CN" altLang="en-US" sz="2400" dirty="0" smtClean="0">
+                <a:solidFill>
+                  <a:schemeClr val="tx1">
+                    <a:lumMod val="85000"/>
+                    <a:lumOff val="15000"/>
+                  </a:schemeClr>
+                </a:solidFill>
+                <a:latin typeface="华文楷体" panose="02010600040101010101" pitchFamily="2" charset="-122"/>
+                <a:ea typeface="华文楷体" panose="02010600040101010101" pitchFamily="2" charset="-122"/>
+              </a:rPr>
+              <a:t>。</a:t>
+            </a:r>
+            <a:endParaRPr lang="en-US" altLang="zh-CN" sz="2400" dirty="0" smtClean="0">
+              <a:solidFill>
+                <a:schemeClr val="tx1">
+                  <a:lumMod val="85000"/>
+                  <a:lumOff val="15000"/>
+                </a:schemeClr>
+              </a:solidFill>
+              <a:latin typeface="华文楷体" panose="02010600040101010101" pitchFamily="2" charset="-122"/>
+              <a:ea typeface="华文楷体" panose="02010600040101010101" pitchFamily="2" charset="-122"/>
+            </a:endParaRPr>
+          </a:p>
+          <a:p>
+            <a:pPr>
+              <a:spcAft>
+                <a:spcPts val="1800"/>
+              </a:spcAft>
+            </a:pPr>
+            <a:r>
+              <a:rPr lang="zh-CN" altLang="en-US" sz="2400" dirty="0">
+                <a:solidFill>
+                  <a:schemeClr val="tx1">
+                    <a:lumMod val="85000"/>
+                    <a:lumOff val="15000"/>
+                  </a:schemeClr>
+                </a:solidFill>
+                <a:latin typeface="华文楷体" panose="02010600040101010101" pitchFamily="2" charset="-122"/>
+                <a:ea typeface="华文楷体" panose="02010600040101010101" pitchFamily="2" charset="-122"/>
+              </a:rPr>
+              <a:t>这中间存在着一段「妈妈认为小明看了某书，而小明其实还没看」的时期，当然，小明最终的阅读状态与妈妈的认知会是一致的，这就是所谓的「最终一致性」</a:t>
+            </a:r>
+            <a:r>
+              <a:rPr lang="zh-CN" altLang="en-US" sz="2400" dirty="0" smtClean="0">
+                <a:solidFill>
+                  <a:schemeClr val="tx1">
+                    <a:lumMod val="85000"/>
+                    <a:lumOff val="15000"/>
+                  </a:schemeClr>
+                </a:solidFill>
+                <a:latin typeface="华文楷体" panose="02010600040101010101" pitchFamily="2" charset="-122"/>
+                <a:ea typeface="华文楷体" panose="02010600040101010101" pitchFamily="2" charset="-122"/>
+              </a:rPr>
+              <a:t>。</a:t>
+            </a:r>
+            <a:endParaRPr lang="en-US" altLang="zh-CN" sz="2400" dirty="0">
+              <a:solidFill>
+                <a:schemeClr val="tx1">
+                  <a:lumMod val="85000"/>
+                  <a:lumOff val="15000"/>
+                </a:schemeClr>
+              </a:solidFill>
+              <a:latin typeface="华文楷体" panose="02010600040101010101" pitchFamily="2" charset="-122"/>
+              <a:ea typeface="华文楷体" panose="02010600040101010101" pitchFamily="2" charset="-122"/>
+            </a:endParaRPr>
+          </a:p>
+        </p:txBody>
+      </p:sp>
+    </p:spTree>
+    <p:extLst>
+      <p:ext uri="{BB962C8B-B14F-4D97-AF65-F5344CB8AC3E}">
+        <p14:creationId xmlns:p14="http://schemas.microsoft.com/office/powerpoint/2010/main" val="3122524136"/>
+      </p:ext>
+    </p:extLst>
+  </p:cSld>
+  <p:clrMapOvr>
+    <a:masterClrMapping/>
+  </p:clrMapOvr>
+</p:sld>
+</file>
+
+<file path=ppt/slides/slide17.xml><?xml version="1.0" encoding="utf-8"?>
+<p:sld xmlns:a="http://schemas.openxmlformats.org/drawingml/2006/main" xmlns:r="http://schemas.openxmlformats.org/officeDocument/2006/relationships" xmlns:p="http://schemas.openxmlformats.org/presentationml/2006/main">
+  <p:cSld>
+    <p:spTree>
+      <p:nvGrpSpPr>
+        <p:cNvPr id="1" name=""/>
+        <p:cNvGrpSpPr/>
+        <p:nvPr/>
+      </p:nvGrpSpPr>
+      <p:grpSpPr>
+        <a:xfrm>
+          <a:off x="0" y="0"/>
+          <a:ext cx="0" cy="0"/>
+          <a:chOff x="0" y="0"/>
+          <a:chExt cx="0" cy="0"/>
+        </a:xfrm>
+      </p:grpSpPr>
+      <p:sp>
+        <p:nvSpPr>
+          <p:cNvPr id="2" name="文本框 1"/>
+          <p:cNvSpPr txBox="1"/>
+          <p:nvPr/>
+        </p:nvSpPr>
+        <p:spPr>
+          <a:xfrm>
+            <a:off x="1097994" y="624840"/>
+            <a:ext cx="4801314" cy="461665"/>
+          </a:xfrm>
+          <a:prstGeom prst="rect">
+            <a:avLst/>
+          </a:prstGeom>
+          <a:noFill/>
+        </p:spPr>
+        <p:txBody>
+          <a:bodyPr wrap="none" rtlCol="0">
+            <a:spAutoFit/>
+          </a:bodyPr>
+          <a:lstStyle/>
+          <a:p>
+            <a:r>
+              <a:rPr lang="zh-CN" altLang="en-US" sz="2400" dirty="0" smtClean="0"/>
+              <a:t>使用消息队列需要满足什么条件：</a:t>
+            </a:r>
+            <a:endParaRPr lang="en-US" altLang="zh-CN" sz="2400" dirty="0" smtClean="0"/>
+          </a:p>
+        </p:txBody>
+      </p:sp>
+      <p:sp>
+        <p:nvSpPr>
+          <p:cNvPr id="3" name="文本框 2"/>
+          <p:cNvSpPr txBox="1"/>
+          <p:nvPr/>
+        </p:nvSpPr>
+        <p:spPr>
+          <a:xfrm>
+            <a:off x="1097994" y="1147465"/>
+            <a:ext cx="9631680" cy="5309146"/>
+          </a:xfrm>
+          <a:prstGeom prst="rect">
+            <a:avLst/>
+          </a:prstGeom>
+          <a:noFill/>
+        </p:spPr>
+        <p:txBody>
+          <a:bodyPr wrap="square" rtlCol="0">
+            <a:spAutoFit/>
+          </a:bodyPr>
+          <a:lstStyle/>
+          <a:p>
+            <a:pPr>
+              <a:spcAft>
+                <a:spcPts val="1800"/>
+              </a:spcAft>
+            </a:pPr>
+            <a:r>
+              <a:rPr lang="en-US" altLang="zh-CN" sz="2400" dirty="0" smtClean="0">
+                <a:solidFill>
+                  <a:schemeClr val="tx1">
+                    <a:lumMod val="85000"/>
+                    <a:lumOff val="15000"/>
+                  </a:schemeClr>
+                </a:solidFill>
+                <a:latin typeface="华文楷体" panose="02010600040101010101" pitchFamily="2" charset="-122"/>
+                <a:ea typeface="华文楷体" panose="02010600040101010101" pitchFamily="2" charset="-122"/>
+              </a:rPr>
+              <a:t>1.</a:t>
+            </a:r>
+            <a:r>
+              <a:rPr lang="zh-CN" altLang="en-US" sz="2400" dirty="0" smtClean="0">
+                <a:solidFill>
+                  <a:schemeClr val="tx1">
+                    <a:lumMod val="85000"/>
+                    <a:lumOff val="15000"/>
+                  </a:schemeClr>
+                </a:solidFill>
+                <a:latin typeface="华文楷体" panose="02010600040101010101" pitchFamily="2" charset="-122"/>
+                <a:ea typeface="华文楷体" panose="02010600040101010101" pitchFamily="2" charset="-122"/>
+              </a:rPr>
+              <a:t>生产者不需要从消费者处获得反馈</a:t>
+            </a:r>
+            <a:endParaRPr lang="en-US" altLang="zh-CN" sz="2400" dirty="0" smtClean="0">
+              <a:solidFill>
+                <a:schemeClr val="tx1">
+                  <a:lumMod val="85000"/>
+                  <a:lumOff val="15000"/>
+                </a:schemeClr>
+              </a:solidFill>
+              <a:latin typeface="华文楷体" panose="02010600040101010101" pitchFamily="2" charset="-122"/>
+              <a:ea typeface="华文楷体" panose="02010600040101010101" pitchFamily="2" charset="-122"/>
+            </a:endParaRPr>
+          </a:p>
+          <a:p>
+            <a:pPr>
+              <a:spcAft>
+                <a:spcPts val="1800"/>
+              </a:spcAft>
+            </a:pPr>
+            <a:r>
+              <a:rPr lang="zh-CN" altLang="en-US" sz="2400" dirty="0">
+                <a:solidFill>
+                  <a:schemeClr val="tx1">
+                    <a:lumMod val="85000"/>
+                    <a:lumOff val="15000"/>
+                  </a:schemeClr>
+                </a:solidFill>
+                <a:latin typeface="华文楷体" panose="02010600040101010101" pitchFamily="2" charset="-122"/>
+                <a:ea typeface="华文楷体" panose="02010600040101010101" pitchFamily="2" charset="-122"/>
+              </a:rPr>
+              <a:t>引入消息队列之前的直接调用，其接口的返回值应该为空，这才让明明下层的动作还没做，上层却当成动作做完了继续往后走</a:t>
+            </a:r>
+            <a:r>
+              <a:rPr lang="en-US" altLang="zh-CN" sz="2400" dirty="0">
+                <a:solidFill>
+                  <a:schemeClr val="tx1">
+                    <a:lumMod val="85000"/>
+                    <a:lumOff val="15000"/>
+                  </a:schemeClr>
+                </a:solidFill>
+                <a:latin typeface="华文楷体" panose="02010600040101010101" pitchFamily="2" charset="-122"/>
+                <a:ea typeface="华文楷体" panose="02010600040101010101" pitchFamily="2" charset="-122"/>
+              </a:rPr>
+              <a:t>——</a:t>
+            </a:r>
+            <a:r>
+              <a:rPr lang="zh-CN" altLang="en-US" sz="2400" dirty="0">
+                <a:solidFill>
+                  <a:schemeClr val="tx1">
+                    <a:lumMod val="85000"/>
+                    <a:lumOff val="15000"/>
+                  </a:schemeClr>
+                </a:solidFill>
+                <a:latin typeface="华文楷体" panose="02010600040101010101" pitchFamily="2" charset="-122"/>
+                <a:ea typeface="华文楷体" panose="02010600040101010101" pitchFamily="2" charset="-122"/>
+              </a:rPr>
+              <a:t>即所谓异步</a:t>
+            </a:r>
+            <a:r>
+              <a:rPr lang="en-US" altLang="zh-CN" sz="2400" dirty="0">
+                <a:solidFill>
+                  <a:schemeClr val="tx1">
+                    <a:lumMod val="85000"/>
+                    <a:lumOff val="15000"/>
+                  </a:schemeClr>
+                </a:solidFill>
+                <a:latin typeface="华文楷体" panose="02010600040101010101" pitchFamily="2" charset="-122"/>
+                <a:ea typeface="华文楷体" panose="02010600040101010101" pitchFamily="2" charset="-122"/>
+              </a:rPr>
+              <a:t>——</a:t>
+            </a:r>
+            <a:r>
+              <a:rPr lang="zh-CN" altLang="en-US" sz="2400" dirty="0">
+                <a:solidFill>
+                  <a:schemeClr val="tx1">
+                    <a:lumMod val="85000"/>
+                    <a:lumOff val="15000"/>
+                  </a:schemeClr>
+                </a:solidFill>
+                <a:latin typeface="华文楷体" panose="02010600040101010101" pitchFamily="2" charset="-122"/>
+                <a:ea typeface="华文楷体" panose="02010600040101010101" pitchFamily="2" charset="-122"/>
+              </a:rPr>
+              <a:t>成为了可能。</a:t>
+            </a:r>
+            <a:endParaRPr lang="en-US" altLang="zh-CN" sz="2400" dirty="0">
+              <a:solidFill>
+                <a:schemeClr val="tx1">
+                  <a:lumMod val="85000"/>
+                  <a:lumOff val="15000"/>
+                </a:schemeClr>
+              </a:solidFill>
+              <a:latin typeface="华文楷体" panose="02010600040101010101" pitchFamily="2" charset="-122"/>
+              <a:ea typeface="华文楷体" panose="02010600040101010101" pitchFamily="2" charset="-122"/>
+            </a:endParaRPr>
+          </a:p>
+          <a:p>
+            <a:pPr>
+              <a:spcAft>
+                <a:spcPts val="1800"/>
+              </a:spcAft>
+            </a:pPr>
+            <a:r>
+              <a:rPr lang="zh-CN" altLang="en-US" sz="2400" dirty="0">
+                <a:solidFill>
+                  <a:schemeClr val="tx1">
+                    <a:lumMod val="85000"/>
+                    <a:lumOff val="15000"/>
+                  </a:schemeClr>
+                </a:solidFill>
+                <a:latin typeface="华文楷体" panose="02010600040101010101" pitchFamily="2" charset="-122"/>
+                <a:ea typeface="华文楷体" panose="02010600040101010101" pitchFamily="2" charset="-122"/>
+              </a:rPr>
+              <a:t>小红放完书之后小明到底看了没有，小红根本不问，她默认他是看了，否则就只能用原来的方法监督到看完了</a:t>
+            </a:r>
+            <a:r>
+              <a:rPr lang="zh-CN" altLang="en-US" sz="2400" dirty="0" smtClean="0">
+                <a:solidFill>
+                  <a:schemeClr val="tx1">
+                    <a:lumMod val="85000"/>
+                    <a:lumOff val="15000"/>
+                  </a:schemeClr>
+                </a:solidFill>
+                <a:latin typeface="华文楷体" panose="02010600040101010101" pitchFamily="2" charset="-122"/>
+                <a:ea typeface="华文楷体" panose="02010600040101010101" pitchFamily="2" charset="-122"/>
+              </a:rPr>
+              <a:t>。</a:t>
+            </a:r>
+            <a:endParaRPr lang="en-US" altLang="zh-CN" sz="2400" dirty="0" smtClean="0">
+              <a:solidFill>
+                <a:schemeClr val="tx1">
+                  <a:lumMod val="85000"/>
+                  <a:lumOff val="15000"/>
+                </a:schemeClr>
+              </a:solidFill>
+              <a:latin typeface="华文楷体" panose="02010600040101010101" pitchFamily="2" charset="-122"/>
+              <a:ea typeface="华文楷体" panose="02010600040101010101" pitchFamily="2" charset="-122"/>
+            </a:endParaRPr>
+          </a:p>
+          <a:p>
+            <a:pPr>
+              <a:spcAft>
+                <a:spcPts val="1800"/>
+              </a:spcAft>
+            </a:pPr>
+            <a:r>
+              <a:rPr lang="en-US" altLang="zh-CN" sz="2400" dirty="0">
+                <a:solidFill>
+                  <a:schemeClr val="tx1">
+                    <a:lumMod val="85000"/>
+                    <a:lumOff val="15000"/>
+                  </a:schemeClr>
+                </a:solidFill>
+                <a:latin typeface="华文楷体" panose="02010600040101010101" pitchFamily="2" charset="-122"/>
+                <a:ea typeface="华文楷体" panose="02010600040101010101" pitchFamily="2" charset="-122"/>
+              </a:rPr>
+              <a:t>2.</a:t>
+            </a:r>
+            <a:r>
+              <a:rPr lang="zh-CN" altLang="en-US" sz="2400" dirty="0">
+                <a:solidFill>
+                  <a:schemeClr val="tx1">
+                    <a:lumMod val="85000"/>
+                    <a:lumOff val="15000"/>
+                  </a:schemeClr>
+                </a:solidFill>
+                <a:latin typeface="华文楷体" panose="02010600040101010101" pitchFamily="2" charset="-122"/>
+                <a:ea typeface="华文楷体" panose="02010600040101010101" pitchFamily="2" charset="-122"/>
+              </a:rPr>
+              <a:t>容许短暂的不一致性</a:t>
+            </a:r>
+            <a:endParaRPr lang="en-US" altLang="zh-CN" sz="2400" dirty="0">
+              <a:solidFill>
+                <a:schemeClr val="tx1">
+                  <a:lumMod val="85000"/>
+                  <a:lumOff val="15000"/>
+                </a:schemeClr>
+              </a:solidFill>
+              <a:latin typeface="华文楷体" panose="02010600040101010101" pitchFamily="2" charset="-122"/>
+              <a:ea typeface="华文楷体" panose="02010600040101010101" pitchFamily="2" charset="-122"/>
+            </a:endParaRPr>
+          </a:p>
+          <a:p>
+            <a:pPr>
+              <a:spcAft>
+                <a:spcPts val="1800"/>
+              </a:spcAft>
+            </a:pPr>
+            <a:r>
+              <a:rPr lang="zh-CN" altLang="en-US" sz="2400" dirty="0">
+                <a:solidFill>
+                  <a:schemeClr val="tx1">
+                    <a:lumMod val="85000"/>
+                    <a:lumOff val="15000"/>
+                  </a:schemeClr>
+                </a:solidFill>
+                <a:latin typeface="华文楷体" panose="02010600040101010101" pitchFamily="2" charset="-122"/>
+                <a:ea typeface="华文楷体" panose="02010600040101010101" pitchFamily="2" charset="-122"/>
+              </a:rPr>
+              <a:t>妈妈可能会发现「有时候据说小明看了某书，但事实上他还没看」，只要妈妈满意于「反正他最后看了就行」，异步处理就没问题</a:t>
+            </a:r>
+            <a:r>
+              <a:rPr lang="zh-CN" altLang="en-US" sz="2400" dirty="0" smtClean="0">
+                <a:solidFill>
+                  <a:schemeClr val="tx1">
+                    <a:lumMod val="85000"/>
+                    <a:lumOff val="15000"/>
+                  </a:schemeClr>
+                </a:solidFill>
+                <a:latin typeface="华文楷体" panose="02010600040101010101" pitchFamily="2" charset="-122"/>
+                <a:ea typeface="华文楷体" panose="02010600040101010101" pitchFamily="2" charset="-122"/>
+              </a:rPr>
+              <a:t>。</a:t>
+            </a:r>
+            <a:endParaRPr lang="en-US" altLang="zh-CN" sz="2400" dirty="0" smtClean="0">
+              <a:solidFill>
+                <a:schemeClr val="tx1">
+                  <a:lumMod val="85000"/>
+                  <a:lumOff val="15000"/>
+                </a:schemeClr>
+              </a:solidFill>
+              <a:latin typeface="华文楷体" panose="02010600040101010101" pitchFamily="2" charset="-122"/>
+              <a:ea typeface="华文楷体" panose="02010600040101010101" pitchFamily="2" charset="-122"/>
+            </a:endParaRPr>
+          </a:p>
+          <a:p>
+            <a:pPr>
+              <a:spcAft>
+                <a:spcPts val="1800"/>
+              </a:spcAft>
+            </a:pPr>
+            <a:r>
+              <a:rPr lang="zh-CN" altLang="en-US" sz="2400" dirty="0">
+                <a:solidFill>
+                  <a:schemeClr val="tx1">
+                    <a:lumMod val="85000"/>
+                    <a:lumOff val="15000"/>
+                  </a:schemeClr>
+                </a:solidFill>
+                <a:latin typeface="华文楷体" panose="02010600040101010101" pitchFamily="2" charset="-122"/>
+                <a:ea typeface="华文楷体" panose="02010600040101010101" pitchFamily="2" charset="-122"/>
+              </a:rPr>
+              <a:t>如果妈妈对这情况不能容忍，对小红大发雷霆，小红也就不敢用书架方式了。</a:t>
+            </a:r>
+            <a:endParaRPr lang="en-US" altLang="zh-CN" sz="2400" dirty="0">
+              <a:solidFill>
+                <a:schemeClr val="tx1">
+                  <a:lumMod val="85000"/>
+                  <a:lumOff val="15000"/>
+                </a:schemeClr>
+              </a:solidFill>
+              <a:latin typeface="华文楷体" panose="02010600040101010101" pitchFamily="2" charset="-122"/>
+              <a:ea typeface="华文楷体" panose="02010600040101010101" pitchFamily="2" charset="-122"/>
+            </a:endParaRPr>
+          </a:p>
+        </p:txBody>
+      </p:sp>
+    </p:spTree>
+    <p:extLst>
+      <p:ext uri="{BB962C8B-B14F-4D97-AF65-F5344CB8AC3E}">
+        <p14:creationId xmlns:p14="http://schemas.microsoft.com/office/powerpoint/2010/main" val="4140124284"/>
+      </p:ext>
+    </p:extLst>
+  </p:cSld>
+  <p:clrMapOvr>
+    <a:masterClrMapping/>
+  </p:clrMapOvr>
+</p:sld>
+</file>
+
+<file path=ppt/slides/slide18.xml><?xml version="1.0" encoding="utf-8"?>
+<p:sld xmlns:a="http://schemas.openxmlformats.org/drawingml/2006/main" xmlns:r="http://schemas.openxmlformats.org/officeDocument/2006/relationships" xmlns:p="http://schemas.openxmlformats.org/presentationml/2006/main">
+  <p:cSld>
+    <p:spTree>
+      <p:nvGrpSpPr>
+        <p:cNvPr id="1" name=""/>
+        <p:cNvGrpSpPr/>
+        <p:nvPr/>
+      </p:nvGrpSpPr>
+      <p:grpSpPr>
+        <a:xfrm>
+          <a:off x="0" y="0"/>
+          <a:ext cx="0" cy="0"/>
+          <a:chOff x="0" y="0"/>
+          <a:chExt cx="0" cy="0"/>
+        </a:xfrm>
+      </p:grpSpPr>
+      <p:sp>
+        <p:nvSpPr>
+          <p:cNvPr id="2" name="文本框 1"/>
+          <p:cNvSpPr txBox="1"/>
+          <p:nvPr/>
+        </p:nvSpPr>
+        <p:spPr>
+          <a:xfrm>
+            <a:off x="1097994" y="624840"/>
+            <a:ext cx="4801314" cy="461665"/>
+          </a:xfrm>
+          <a:prstGeom prst="rect">
+            <a:avLst/>
+          </a:prstGeom>
+          <a:noFill/>
+        </p:spPr>
+        <p:txBody>
+          <a:bodyPr wrap="none" rtlCol="0">
+            <a:spAutoFit/>
+          </a:bodyPr>
+          <a:lstStyle/>
+          <a:p>
+            <a:r>
+              <a:rPr lang="zh-CN" altLang="en-US" sz="2400" dirty="0" smtClean="0"/>
+              <a:t>使用消息队列需要满足什么条件：</a:t>
+            </a:r>
+            <a:endParaRPr lang="en-US" altLang="zh-CN" sz="2400" dirty="0" smtClean="0"/>
+          </a:p>
+        </p:txBody>
+      </p:sp>
+      <p:sp>
+        <p:nvSpPr>
+          <p:cNvPr id="3" name="文本框 2"/>
+          <p:cNvSpPr txBox="1"/>
+          <p:nvPr/>
+        </p:nvSpPr>
+        <p:spPr>
+          <a:xfrm>
+            <a:off x="1097994" y="1147465"/>
+            <a:ext cx="9631680" cy="2539157"/>
+          </a:xfrm>
+          <a:prstGeom prst="rect">
+            <a:avLst/>
+          </a:prstGeom>
+          <a:noFill/>
+        </p:spPr>
+        <p:txBody>
+          <a:bodyPr wrap="square" rtlCol="0">
+            <a:spAutoFit/>
+          </a:bodyPr>
+          <a:lstStyle/>
+          <a:p>
+            <a:pPr>
+              <a:spcAft>
+                <a:spcPts val="1800"/>
+              </a:spcAft>
+            </a:pPr>
+            <a:r>
+              <a:rPr lang="en-US" altLang="zh-CN" sz="2400" dirty="0">
+                <a:solidFill>
+                  <a:schemeClr val="tx1">
+                    <a:lumMod val="85000"/>
+                    <a:lumOff val="15000"/>
+                  </a:schemeClr>
+                </a:solidFill>
+                <a:latin typeface="华文楷体" panose="02010600040101010101" pitchFamily="2" charset="-122"/>
+                <a:ea typeface="华文楷体" panose="02010600040101010101" pitchFamily="2" charset="-122"/>
+              </a:rPr>
+              <a:t>3.</a:t>
+            </a:r>
+            <a:r>
+              <a:rPr lang="zh-CN" altLang="en-US" sz="2400" dirty="0">
+                <a:solidFill>
+                  <a:schemeClr val="tx1">
+                    <a:lumMod val="85000"/>
+                    <a:lumOff val="15000"/>
+                  </a:schemeClr>
+                </a:solidFill>
+                <a:latin typeface="华文楷体" panose="02010600040101010101" pitchFamily="2" charset="-122"/>
+                <a:ea typeface="华文楷体" panose="02010600040101010101" pitchFamily="2" charset="-122"/>
+              </a:rPr>
+              <a:t>确实是用了有效果</a:t>
+            </a:r>
+          </a:p>
+          <a:p>
+            <a:pPr>
+              <a:spcAft>
+                <a:spcPts val="1800"/>
+              </a:spcAft>
+            </a:pPr>
+            <a:r>
+              <a:rPr lang="zh-CN" altLang="en-US" sz="2400" dirty="0">
+                <a:solidFill>
+                  <a:schemeClr val="tx1">
+                    <a:lumMod val="85000"/>
+                    <a:lumOff val="15000"/>
+                  </a:schemeClr>
+                </a:solidFill>
+                <a:latin typeface="华文楷体" panose="02010600040101010101" pitchFamily="2" charset="-122"/>
+                <a:ea typeface="华文楷体" panose="02010600040101010101" pitchFamily="2" charset="-122"/>
+              </a:rPr>
+              <a:t>即解耦、提速、广播、削峰这些方面的收益，超过放置书架、监控书架这些成本。</a:t>
+            </a:r>
+            <a:br>
+              <a:rPr lang="zh-CN" altLang="en-US" sz="2400" dirty="0">
+                <a:solidFill>
+                  <a:schemeClr val="tx1">
+                    <a:lumMod val="85000"/>
+                    <a:lumOff val="15000"/>
+                  </a:schemeClr>
+                </a:solidFill>
+                <a:latin typeface="华文楷体" panose="02010600040101010101" pitchFamily="2" charset="-122"/>
+                <a:ea typeface="华文楷体" panose="02010600040101010101" pitchFamily="2" charset="-122"/>
+              </a:rPr>
+            </a:br>
+            <a:r>
+              <a:rPr lang="zh-CN" altLang="en-US" sz="2400" dirty="0">
+                <a:solidFill>
+                  <a:schemeClr val="tx1">
+                    <a:lumMod val="85000"/>
+                    <a:lumOff val="15000"/>
+                  </a:schemeClr>
+                </a:solidFill>
+                <a:latin typeface="华文楷体" panose="02010600040101010101" pitchFamily="2" charset="-122"/>
+                <a:ea typeface="华文楷体" panose="02010600040101010101" pitchFamily="2" charset="-122"/>
+              </a:rPr>
+              <a:t>否则如果是盲目照搬，「听说老赵家买了书架，咱们家也买一个」，买回来却没什么用，只是让步骤变多了，还不如直接把书递给对方呢，那就不对了。</a:t>
+            </a:r>
+            <a:endParaRPr lang="en-US" altLang="zh-CN" sz="2400" dirty="0">
+              <a:solidFill>
+                <a:schemeClr val="tx1">
+                  <a:lumMod val="85000"/>
+                  <a:lumOff val="15000"/>
+                </a:schemeClr>
+              </a:solidFill>
+              <a:latin typeface="华文楷体" panose="02010600040101010101" pitchFamily="2" charset="-122"/>
+              <a:ea typeface="华文楷体" panose="02010600040101010101" pitchFamily="2" charset="-122"/>
+            </a:endParaRPr>
+          </a:p>
+        </p:txBody>
+      </p:sp>
+    </p:spTree>
+    <p:extLst>
+      <p:ext uri="{BB962C8B-B14F-4D97-AF65-F5344CB8AC3E}">
+        <p14:creationId xmlns:p14="http://schemas.microsoft.com/office/powerpoint/2010/main" val="2803537812"/>
+      </p:ext>
+    </p:extLst>
+  </p:cSld>
+  <p:clrMapOvr>
+    <a:masterClrMapping/>
+  </p:clrMapOvr>
+</p:sld>
+</file>
+
+<file path=ppt/slides/slide19.xml><?xml version="1.0" encoding="utf-8"?>
+<p:sld xmlns:a="http://schemas.openxmlformats.org/drawingml/2006/main" xmlns:r="http://schemas.openxmlformats.org/officeDocument/2006/relationships" xmlns:p="http://schemas.openxmlformats.org/presentationml/2006/main">
+  <p:cSld>
+    <p:spTree>
+      <p:nvGrpSpPr>
+        <p:cNvPr id="1" name=""/>
+        <p:cNvGrpSpPr/>
+        <p:nvPr/>
+      </p:nvGrpSpPr>
+      <p:grpSpPr>
+        <a:xfrm>
+          <a:off x="0" y="0"/>
+          <a:ext cx="0" cy="0"/>
+          <a:chOff x="0" y="0"/>
+          <a:chExt cx="0" cy="0"/>
+        </a:xfrm>
+      </p:grpSpPr>
+      <p:sp>
+        <p:nvSpPr>
+          <p:cNvPr id="2" name="Rectangle 1"/>
+          <p:cNvSpPr>
+            <a:spLocks noChangeArrowheads="1"/>
+          </p:cNvSpPr>
+          <p:nvPr/>
+        </p:nvSpPr>
+        <p:spPr bwMode="auto">
+          <a:xfrm>
+            <a:off x="641188" y="1011261"/>
+            <a:ext cx="9751387" cy="2031325"/>
+          </a:xfrm>
+          <a:prstGeom prst="rect">
+            <a:avLst/>
+          </a:prstGeom>
+          <a:noFill/>
+          <a:ln>
+            <a:noFill/>
+          </a:ln>
+          <a:effectLst/>
+          <a:extLst>
+            <a:ext uri="{909E8E84-426E-40DD-AFC4-6F175D3DCCD1}">
+              <a14:hiddenFill xmlns:a14="http://schemas.microsoft.com/office/drawing/2010/main">
+                <a:solidFill>
+                  <a:schemeClr val="accent1"/>
+                </a:solidFill>
+              </a14:hiddenFill>
+            </a:ext>
+            <a:ext uri="{91240B29-F687-4F45-9708-019B960494DF}">
+              <a14:hiddenLine xmlns:a14="http://schemas.microsoft.com/office/drawing/2010/main" w="9525">
+                <a:solidFill>
+                  <a:schemeClr val="tx1"/>
+                </a:solidFill>
+                <a:miter lim="800000"/>
+                <a:headEnd/>
+                <a:tailEnd/>
+              </a14:hiddenLine>
+            </a:ext>
+            <a:ext uri="{AF507438-7753-43E0-B8FC-AC1667EBCBE1}">
+              <a14:hiddenEffects xmlns:a14="http://schemas.microsoft.com/office/drawing/2010/main">
+                <a:effectLst>
+                  <a:outerShdw dist="35921" dir="2700000" algn="ctr" rotWithShape="0">
+                    <a:schemeClr val="bg2"/>
+                  </a:outerShdw>
+                </a:effectLst>
+              </a14:hiddenEffects>
+            </a:ext>
+          </a:extLst>
+        </p:spPr>
+        <p:txBody>
+          <a:bodyPr vert="horz" wrap="none" lIns="91440" tIns="45720" rIns="91440" bIns="45720" numCol="1" anchor="ctr" anchorCtr="0" compatLnSpc="1">
+            <a:prstTxWarp prst="textNoShape">
+              <a:avLst/>
+            </a:prstTxWarp>
+            <a:spAutoFit/>
+          </a:bodyPr>
+          <a:lstStyle>
+            <a:lvl1pPr indent="317500" eaLnBrk="0" fontAlgn="base" hangingPunct="0">
+              <a:spcBef>
+                <a:spcPct val="0"/>
+              </a:spcBef>
+              <a:spcAft>
+                <a:spcPct val="0"/>
+              </a:spcAft>
+              <a:defRPr>
+                <a:solidFill>
+                  <a:schemeClr val="tx1"/>
+                </a:solidFill>
+                <a:latin typeface="Arial" panose="020B0604020202020204" pitchFamily="34" charset="0"/>
+              </a:defRPr>
+            </a:lvl1pPr>
+            <a:lvl2pPr eaLnBrk="0" fontAlgn="base" hangingPunct="0">
+              <a:spcBef>
+                <a:spcPct val="0"/>
+              </a:spcBef>
+              <a:spcAft>
+                <a:spcPct val="0"/>
+              </a:spcAft>
+              <a:defRPr>
+                <a:solidFill>
+                  <a:schemeClr val="tx1"/>
+                </a:solidFill>
+                <a:latin typeface="Arial" panose="020B0604020202020204" pitchFamily="34" charset="0"/>
+              </a:defRPr>
+            </a:lvl2pPr>
+            <a:lvl3pPr eaLnBrk="0" fontAlgn="base" hangingPunct="0">
+              <a:spcBef>
+                <a:spcPct val="0"/>
+              </a:spcBef>
+              <a:spcAft>
+                <a:spcPct val="0"/>
+              </a:spcAft>
+              <a:defRPr>
+                <a:solidFill>
+                  <a:schemeClr val="tx1"/>
+                </a:solidFill>
+                <a:latin typeface="Arial" panose="020B0604020202020204" pitchFamily="34" charset="0"/>
+              </a:defRPr>
+            </a:lvl3pPr>
+            <a:lvl4pPr eaLnBrk="0" fontAlgn="base" hangingPunct="0">
+              <a:spcBef>
+                <a:spcPct val="0"/>
+              </a:spcBef>
+              <a:spcAft>
+                <a:spcPct val="0"/>
+              </a:spcAft>
+              <a:defRPr>
+                <a:solidFill>
+                  <a:schemeClr val="tx1"/>
+                </a:solidFill>
+                <a:latin typeface="Arial" panose="020B0604020202020204" pitchFamily="34" charset="0"/>
+              </a:defRPr>
+            </a:lvl4pPr>
+            <a:lvl5pPr eaLnBrk="0" fontAlgn="base" hangingPunct="0">
+              <a:spcBef>
+                <a:spcPct val="0"/>
+              </a:spcBef>
+              <a:spcAft>
+                <a:spcPct val="0"/>
+              </a:spcAft>
+              <a:defRPr>
+                <a:solidFill>
+                  <a:schemeClr val="tx1"/>
+                </a:solidFill>
+                <a:latin typeface="Arial" panose="020B0604020202020204" pitchFamily="34" charset="0"/>
+              </a:defRPr>
+            </a:lvl5pPr>
+            <a:lvl6pPr eaLnBrk="0" fontAlgn="base" hangingPunct="0">
+              <a:spcBef>
+                <a:spcPct val="0"/>
+              </a:spcBef>
+              <a:spcAft>
+                <a:spcPct val="0"/>
+              </a:spcAft>
+              <a:defRPr>
+                <a:solidFill>
+                  <a:schemeClr val="tx1"/>
+                </a:solidFill>
+                <a:latin typeface="Arial" panose="020B0604020202020204" pitchFamily="34" charset="0"/>
+              </a:defRPr>
+            </a:lvl6pPr>
+            <a:lvl7pPr eaLnBrk="0" fontAlgn="base" hangingPunct="0">
+              <a:spcBef>
+                <a:spcPct val="0"/>
+              </a:spcBef>
+              <a:spcAft>
+                <a:spcPct val="0"/>
+              </a:spcAft>
+              <a:defRPr>
+                <a:solidFill>
+                  <a:schemeClr val="tx1"/>
+                </a:solidFill>
+                <a:latin typeface="Arial" panose="020B0604020202020204" pitchFamily="34" charset="0"/>
+              </a:defRPr>
+            </a:lvl7pPr>
+            <a:lvl8pPr eaLnBrk="0" fontAlgn="base" hangingPunct="0">
+              <a:spcBef>
+                <a:spcPct val="0"/>
+              </a:spcBef>
+              <a:spcAft>
+                <a:spcPct val="0"/>
+              </a:spcAft>
+              <a:defRPr>
+                <a:solidFill>
+                  <a:schemeClr val="tx1"/>
+                </a:solidFill>
+                <a:latin typeface="Arial" panose="020B0604020202020204" pitchFamily="34" charset="0"/>
+              </a:defRPr>
+            </a:lvl8pPr>
+            <a:lvl9pPr eaLnBrk="0" fontAlgn="base" hangingPunct="0">
+              <a:spcBef>
+                <a:spcPct val="0"/>
+              </a:spcBef>
+              <a:spcAft>
+                <a:spcPct val="0"/>
+              </a:spcAft>
+              <a:defRPr>
+                <a:solidFill>
+                  <a:schemeClr val="tx1"/>
+                </a:solidFill>
+                <a:latin typeface="Arial" panose="020B0604020202020204" pitchFamily="34" charset="0"/>
+              </a:defRPr>
+            </a:lvl9pPr>
+          </a:lstStyle>
+          <a:p>
+            <a:pPr marL="0" marR="0" lvl="0" indent="317500" algn="just" defTabSz="914400" rtl="0" eaLnBrk="0" fontAlgn="base" latinLnBrk="0" hangingPunct="0">
+              <a:lnSpc>
+                <a:spcPct val="100000"/>
+              </a:lnSpc>
+              <a:spcBef>
+                <a:spcPct val="0"/>
+              </a:spcBef>
+              <a:spcAft>
+                <a:spcPct val="0"/>
+              </a:spcAft>
+              <a:buClrTx/>
+              <a:buSzTx/>
+              <a:buFontTx/>
+              <a:buNone/>
+              <a:tabLst/>
+            </a:pPr>
+            <a:r>
+              <a:rPr kumimoji="0" lang="zh-CN" altLang="zh-CN" b="0" i="0" u="none" strike="noStrike" cap="none" normalizeH="0" baseline="0" dirty="0" smtClean="0">
+                <a:ln>
+                  <a:noFill/>
+                </a:ln>
+                <a:solidFill>
+                  <a:srgbClr val="4F4F4F"/>
+                </a:solidFill>
+                <a:effectLst/>
+                <a:latin typeface="华文楷体" panose="02010600040101010101" pitchFamily="2" charset="-122"/>
+                <a:ea typeface="华文楷体" panose="02010600040101010101" pitchFamily="2" charset="-122"/>
+              </a:rPr>
+              <a:t>有关于MSMQ方法介绍:</a:t>
+            </a:r>
+            <a:endParaRPr kumimoji="0" lang="zh-CN" altLang="zh-CN" sz="1050" b="0" i="0" u="none" strike="noStrike" cap="none" normalizeH="0" baseline="0" dirty="0" smtClean="0">
+              <a:ln>
+                <a:noFill/>
+              </a:ln>
+              <a:solidFill>
+                <a:schemeClr val="tx1"/>
+              </a:solidFill>
+              <a:effectLst/>
+              <a:latin typeface="华文楷体" panose="02010600040101010101" pitchFamily="2" charset="-122"/>
+              <a:ea typeface="华文楷体" panose="02010600040101010101" pitchFamily="2" charset="-122"/>
+            </a:endParaRPr>
+          </a:p>
+          <a:p>
+            <a:pPr marL="0" marR="0" lvl="0" indent="317500" algn="just" defTabSz="914400" rtl="0" eaLnBrk="0" fontAlgn="base" latinLnBrk="0" hangingPunct="0">
+              <a:lnSpc>
+                <a:spcPct val="100000"/>
+              </a:lnSpc>
+              <a:spcBef>
+                <a:spcPct val="0"/>
+              </a:spcBef>
+              <a:spcAft>
+                <a:spcPct val="0"/>
+              </a:spcAft>
+              <a:buClrTx/>
+              <a:buSzTx/>
+              <a:buFontTx/>
+              <a:buNone/>
+              <a:tabLst/>
+            </a:pPr>
+            <a:r>
+              <a:rPr kumimoji="0" lang="zh-CN" altLang="zh-CN" b="0" i="0" u="none" strike="noStrike" cap="none" normalizeH="0" baseline="0" dirty="0" smtClean="0">
+                <a:ln>
+                  <a:noFill/>
+                </a:ln>
+                <a:solidFill>
+                  <a:srgbClr val="4F4F4F"/>
+                </a:solidFill>
+                <a:effectLst/>
+                <a:latin typeface="华文楷体" panose="02010600040101010101" pitchFamily="2" charset="-122"/>
+                <a:ea typeface="华文楷体" panose="02010600040101010101" pitchFamily="2" charset="-122"/>
+              </a:rPr>
+              <a:t>  </a:t>
+            </a:r>
+            <a:r>
+              <a:rPr kumimoji="0" lang="zh-CN" altLang="zh-CN" sz="1100" b="0" i="0" u="none" strike="noStrike" cap="none" normalizeH="0" baseline="0" dirty="0" smtClean="0">
+                <a:ln>
+                  <a:noFill/>
+                </a:ln>
+                <a:solidFill>
+                  <a:srgbClr val="4F4F4F"/>
+                </a:solidFill>
+                <a:effectLst/>
+                <a:latin typeface="华文楷体" panose="02010600040101010101" pitchFamily="2" charset="-122"/>
+                <a:ea typeface="华文楷体" panose="02010600040101010101" pitchFamily="2" charset="-122"/>
+              </a:rPr>
+              <a:t> </a:t>
+            </a:r>
+            <a:r>
+              <a:rPr kumimoji="0" lang="zh-CN" altLang="zh-CN" b="0" i="0" u="none" strike="noStrike" cap="none" normalizeH="0" baseline="0" dirty="0" smtClean="0">
+                <a:ln>
+                  <a:noFill/>
+                </a:ln>
+                <a:solidFill>
+                  <a:srgbClr val="4F4F4F"/>
+                </a:solidFill>
+                <a:effectLst/>
+                <a:latin typeface="华文楷体" panose="02010600040101010101" pitchFamily="2" charset="-122"/>
+                <a:ea typeface="华文楷体" panose="02010600040101010101" pitchFamily="2" charset="-122"/>
+              </a:rPr>
+              <a:t>   使用create方法创建你指定路径的消息队列,使用delete方法删除一个已经存在的消息队列.</a:t>
+            </a:r>
+            <a:endParaRPr kumimoji="0" lang="zh-CN" altLang="zh-CN" sz="1050" b="0" i="0" u="none" strike="noStrike" cap="none" normalizeH="0" baseline="0" dirty="0" smtClean="0">
+              <a:ln>
+                <a:noFill/>
+              </a:ln>
+              <a:solidFill>
+                <a:schemeClr val="tx1"/>
+              </a:solidFill>
+              <a:effectLst/>
+              <a:latin typeface="华文楷体" panose="02010600040101010101" pitchFamily="2" charset="-122"/>
+              <a:ea typeface="华文楷体" panose="02010600040101010101" pitchFamily="2" charset="-122"/>
+            </a:endParaRPr>
+          </a:p>
+          <a:p>
+            <a:pPr marL="0" marR="0" lvl="0" indent="317500" algn="just" defTabSz="914400" rtl="0" eaLnBrk="0" fontAlgn="base" latinLnBrk="0" hangingPunct="0">
+              <a:lnSpc>
+                <a:spcPct val="100000"/>
+              </a:lnSpc>
+              <a:spcBef>
+                <a:spcPct val="0"/>
+              </a:spcBef>
+              <a:spcAft>
+                <a:spcPct val="0"/>
+              </a:spcAft>
+              <a:buClrTx/>
+              <a:buSzTx/>
+              <a:buFontTx/>
+              <a:buNone/>
+              <a:tabLst/>
+            </a:pPr>
+            <a:r>
+              <a:rPr kumimoji="0" lang="zh-CN" altLang="zh-CN" b="0" i="0" u="none" strike="noStrike" cap="none" normalizeH="0" baseline="0" dirty="0" smtClean="0">
+                <a:ln>
+                  <a:noFill/>
+                </a:ln>
+                <a:solidFill>
+                  <a:srgbClr val="4F4F4F"/>
+                </a:solidFill>
+                <a:effectLst/>
+                <a:latin typeface="华文楷体" panose="02010600040101010101" pitchFamily="2" charset="-122"/>
+                <a:ea typeface="华文楷体" panose="02010600040101010101" pitchFamily="2" charset="-122"/>
+              </a:rPr>
+              <a:t>  </a:t>
+            </a:r>
+            <a:r>
+              <a:rPr kumimoji="0" lang="zh-CN" altLang="zh-CN" sz="1100" b="0" i="0" u="none" strike="noStrike" cap="none" normalizeH="0" baseline="0" dirty="0" smtClean="0">
+                <a:ln>
+                  <a:noFill/>
+                </a:ln>
+                <a:solidFill>
+                  <a:srgbClr val="4F4F4F"/>
+                </a:solidFill>
+                <a:effectLst/>
+                <a:latin typeface="华文楷体" panose="02010600040101010101" pitchFamily="2" charset="-122"/>
+                <a:ea typeface="华文楷体" panose="02010600040101010101" pitchFamily="2" charset="-122"/>
+              </a:rPr>
+              <a:t> </a:t>
+            </a:r>
+            <a:r>
+              <a:rPr kumimoji="0" lang="zh-CN" altLang="zh-CN" b="0" i="0" u="none" strike="noStrike" cap="none" normalizeH="0" baseline="0" dirty="0" smtClean="0">
+                <a:ln>
+                  <a:noFill/>
+                </a:ln>
+                <a:solidFill>
+                  <a:srgbClr val="4F4F4F"/>
+                </a:solidFill>
+                <a:effectLst/>
+                <a:latin typeface="华文楷体" panose="02010600040101010101" pitchFamily="2" charset="-122"/>
+                <a:ea typeface="华文楷体" panose="02010600040101010101" pitchFamily="2" charset="-122"/>
+              </a:rPr>
+              <a:t>   使用exists方法判别是否存在一个消息队列.</a:t>
+            </a:r>
+            <a:endParaRPr kumimoji="0" lang="zh-CN" altLang="zh-CN" sz="1050" b="0" i="0" u="none" strike="noStrike" cap="none" normalizeH="0" baseline="0" dirty="0" smtClean="0">
+              <a:ln>
+                <a:noFill/>
+              </a:ln>
+              <a:solidFill>
+                <a:schemeClr val="tx1"/>
+              </a:solidFill>
+              <a:effectLst/>
+              <a:latin typeface="华文楷体" panose="02010600040101010101" pitchFamily="2" charset="-122"/>
+              <a:ea typeface="华文楷体" panose="02010600040101010101" pitchFamily="2" charset="-122"/>
+            </a:endParaRPr>
+          </a:p>
+          <a:p>
+            <a:pPr marL="0" marR="0" lvl="0" indent="317500" algn="just" defTabSz="914400" rtl="0" eaLnBrk="0" fontAlgn="base" latinLnBrk="0" hangingPunct="0">
+              <a:lnSpc>
+                <a:spcPct val="100000"/>
+              </a:lnSpc>
+              <a:spcBef>
+                <a:spcPct val="0"/>
+              </a:spcBef>
+              <a:spcAft>
+                <a:spcPct val="0"/>
+              </a:spcAft>
+              <a:buClrTx/>
+              <a:buSzTx/>
+              <a:buFontTx/>
+              <a:buNone/>
+              <a:tabLst/>
+            </a:pPr>
+            <a:r>
+              <a:rPr kumimoji="0" lang="zh-CN" altLang="zh-CN" b="0" i="0" u="none" strike="noStrike" cap="none" normalizeH="0" baseline="0" dirty="0" smtClean="0">
+                <a:ln>
+                  <a:noFill/>
+                </a:ln>
+                <a:solidFill>
+                  <a:srgbClr val="4F4F4F"/>
+                </a:solidFill>
+                <a:effectLst/>
+                <a:latin typeface="华文楷体" panose="02010600040101010101" pitchFamily="2" charset="-122"/>
+                <a:ea typeface="华文楷体" panose="02010600040101010101" pitchFamily="2" charset="-122"/>
+              </a:rPr>
+              <a:t>  </a:t>
+            </a:r>
+            <a:r>
+              <a:rPr kumimoji="0" lang="zh-CN" altLang="zh-CN" sz="1100" b="0" i="0" u="none" strike="noStrike" cap="none" normalizeH="0" baseline="0" dirty="0" smtClean="0">
+                <a:ln>
+                  <a:noFill/>
+                </a:ln>
+                <a:solidFill>
+                  <a:srgbClr val="4F4F4F"/>
+                </a:solidFill>
+                <a:effectLst/>
+                <a:latin typeface="华文楷体" panose="02010600040101010101" pitchFamily="2" charset="-122"/>
+                <a:ea typeface="华文楷体" panose="02010600040101010101" pitchFamily="2" charset="-122"/>
+              </a:rPr>
+              <a:t> </a:t>
+            </a:r>
+            <a:r>
+              <a:rPr kumimoji="0" lang="zh-CN" altLang="zh-CN" b="0" i="0" u="none" strike="noStrike" cap="none" normalizeH="0" baseline="0" dirty="0" smtClean="0">
+                <a:ln>
+                  <a:noFill/>
+                </a:ln>
+                <a:solidFill>
+                  <a:srgbClr val="4F4F4F"/>
+                </a:solidFill>
+                <a:effectLst/>
+                <a:latin typeface="华文楷体" panose="02010600040101010101" pitchFamily="2" charset="-122"/>
+                <a:ea typeface="华文楷体" panose="02010600040101010101" pitchFamily="2" charset="-122"/>
+              </a:rPr>
+              <a:t>   使用GetPublicQueues方法获取消息队列网络中的一个消息队列</a:t>
+            </a:r>
+            <a:endParaRPr kumimoji="0" lang="zh-CN" altLang="zh-CN" sz="1050" b="0" i="0" u="none" strike="noStrike" cap="none" normalizeH="0" baseline="0" dirty="0" smtClean="0">
+              <a:ln>
+                <a:noFill/>
+              </a:ln>
+              <a:solidFill>
+                <a:schemeClr val="tx1"/>
+              </a:solidFill>
+              <a:effectLst/>
+              <a:latin typeface="华文楷体" panose="02010600040101010101" pitchFamily="2" charset="-122"/>
+              <a:ea typeface="华文楷体" panose="02010600040101010101" pitchFamily="2" charset="-122"/>
+            </a:endParaRPr>
+          </a:p>
+          <a:p>
+            <a:pPr marL="0" marR="0" lvl="0" indent="317500" algn="just" defTabSz="914400" rtl="0" eaLnBrk="0" fontAlgn="base" latinLnBrk="0" hangingPunct="0">
+              <a:lnSpc>
+                <a:spcPct val="100000"/>
+              </a:lnSpc>
+              <a:spcBef>
+                <a:spcPct val="0"/>
+              </a:spcBef>
+              <a:spcAft>
+                <a:spcPct val="0"/>
+              </a:spcAft>
+              <a:buClrTx/>
+              <a:buSzTx/>
+              <a:buFontTx/>
+              <a:buNone/>
+              <a:tabLst/>
+            </a:pPr>
+            <a:r>
+              <a:rPr kumimoji="0" lang="zh-CN" altLang="zh-CN" b="0" i="0" u="none" strike="noStrike" cap="none" normalizeH="0" baseline="0" dirty="0" smtClean="0">
+                <a:ln>
+                  <a:noFill/>
+                </a:ln>
+                <a:solidFill>
+                  <a:srgbClr val="4F4F4F"/>
+                </a:solidFill>
+                <a:effectLst/>
+                <a:latin typeface="华文楷体" panose="02010600040101010101" pitchFamily="2" charset="-122"/>
+                <a:ea typeface="华文楷体" panose="02010600040101010101" pitchFamily="2" charset="-122"/>
+              </a:rPr>
+              <a:t>  </a:t>
+            </a:r>
+            <a:r>
+              <a:rPr kumimoji="0" lang="zh-CN" altLang="zh-CN" sz="1100" b="0" i="0" u="none" strike="noStrike" cap="none" normalizeH="0" baseline="0" dirty="0" smtClean="0">
+                <a:ln>
+                  <a:noFill/>
+                </a:ln>
+                <a:solidFill>
+                  <a:srgbClr val="4F4F4F"/>
+                </a:solidFill>
+                <a:effectLst/>
+                <a:latin typeface="华文楷体" panose="02010600040101010101" pitchFamily="2" charset="-122"/>
+                <a:ea typeface="华文楷体" panose="02010600040101010101" pitchFamily="2" charset="-122"/>
+              </a:rPr>
+              <a:t> </a:t>
+            </a:r>
+            <a:r>
+              <a:rPr kumimoji="0" lang="zh-CN" altLang="zh-CN" b="0" i="0" u="none" strike="noStrike" cap="none" normalizeH="0" baseline="0" dirty="0" smtClean="0">
+                <a:ln>
+                  <a:noFill/>
+                </a:ln>
+                <a:solidFill>
+                  <a:srgbClr val="4F4F4F"/>
+                </a:solidFill>
+                <a:effectLst/>
+                <a:latin typeface="华文楷体" panose="02010600040101010101" pitchFamily="2" charset="-122"/>
+                <a:ea typeface="华文楷体" panose="02010600040101010101" pitchFamily="2" charset="-122"/>
+              </a:rPr>
+              <a:t>   使用Peek或者是BeginPeek方法查看消息队列中的消息,而不会删除它们</a:t>
+            </a:r>
+            <a:endParaRPr kumimoji="0" lang="zh-CN" altLang="zh-CN" sz="1050" b="0" i="0" u="none" strike="noStrike" cap="none" normalizeH="0" baseline="0" dirty="0" smtClean="0">
+              <a:ln>
+                <a:noFill/>
+              </a:ln>
+              <a:solidFill>
+                <a:schemeClr val="tx1"/>
+              </a:solidFill>
+              <a:effectLst/>
+              <a:latin typeface="华文楷体" panose="02010600040101010101" pitchFamily="2" charset="-122"/>
+              <a:ea typeface="华文楷体" panose="02010600040101010101" pitchFamily="2" charset="-122"/>
+            </a:endParaRPr>
+          </a:p>
+          <a:p>
+            <a:pPr marL="0" marR="0" lvl="0" indent="317500" algn="just" defTabSz="914400" rtl="0" eaLnBrk="0" fontAlgn="base" latinLnBrk="0" hangingPunct="0">
+              <a:lnSpc>
+                <a:spcPct val="100000"/>
+              </a:lnSpc>
+              <a:spcBef>
+                <a:spcPct val="0"/>
+              </a:spcBef>
+              <a:spcAft>
+                <a:spcPct val="0"/>
+              </a:spcAft>
+              <a:buClrTx/>
+              <a:buSzTx/>
+              <a:buFontTx/>
+              <a:buNone/>
+              <a:tabLst/>
+            </a:pPr>
+            <a:r>
+              <a:rPr kumimoji="0" lang="zh-CN" altLang="zh-CN" b="0" i="0" u="none" strike="noStrike" cap="none" normalizeH="0" baseline="0" dirty="0" smtClean="0">
+                <a:ln>
+                  <a:noFill/>
+                </a:ln>
+                <a:solidFill>
+                  <a:srgbClr val="4F4F4F"/>
+                </a:solidFill>
+                <a:effectLst/>
+                <a:latin typeface="华文楷体" panose="02010600040101010101" pitchFamily="2" charset="-122"/>
+                <a:ea typeface="华文楷体" panose="02010600040101010101" pitchFamily="2" charset="-122"/>
+              </a:rPr>
+              <a:t>  </a:t>
+            </a:r>
+            <a:r>
+              <a:rPr kumimoji="0" lang="zh-CN" altLang="zh-CN" sz="1100" b="0" i="0" u="none" strike="noStrike" cap="none" normalizeH="0" baseline="0" dirty="0" smtClean="0">
+                <a:ln>
+                  <a:noFill/>
+                </a:ln>
+                <a:solidFill>
+                  <a:srgbClr val="4F4F4F"/>
+                </a:solidFill>
+                <a:effectLst/>
+                <a:latin typeface="华文楷体" panose="02010600040101010101" pitchFamily="2" charset="-122"/>
+                <a:ea typeface="华文楷体" panose="02010600040101010101" pitchFamily="2" charset="-122"/>
+              </a:rPr>
+              <a:t> </a:t>
+            </a:r>
+            <a:r>
+              <a:rPr kumimoji="0" lang="zh-CN" altLang="zh-CN" b="0" i="0" u="none" strike="noStrike" cap="none" normalizeH="0" baseline="0" dirty="0" smtClean="0">
+                <a:ln>
+                  <a:noFill/>
+                </a:ln>
+                <a:solidFill>
+                  <a:srgbClr val="4F4F4F"/>
+                </a:solidFill>
+                <a:effectLst/>
+                <a:latin typeface="华文楷体" panose="02010600040101010101" pitchFamily="2" charset="-122"/>
+                <a:ea typeface="华文楷体" panose="02010600040101010101" pitchFamily="2" charset="-122"/>
+              </a:rPr>
+              <a:t>   使用Receive或者上BeginReceive方法从消息队列中取出一个消息,同时在消息队列中删除它.</a:t>
+            </a:r>
+            <a:endParaRPr kumimoji="0" lang="zh-CN" altLang="zh-CN" sz="1050" b="0" i="0" u="none" strike="noStrike" cap="none" normalizeH="0" baseline="0" dirty="0" smtClean="0">
+              <a:ln>
+                <a:noFill/>
+              </a:ln>
+              <a:solidFill>
+                <a:schemeClr val="tx1"/>
+              </a:solidFill>
+              <a:effectLst/>
+              <a:latin typeface="华文楷体" panose="02010600040101010101" pitchFamily="2" charset="-122"/>
+              <a:ea typeface="华文楷体" panose="02010600040101010101" pitchFamily="2" charset="-122"/>
+            </a:endParaRPr>
+          </a:p>
+          <a:p>
+            <a:pPr marL="0" marR="0" lvl="0" indent="317500" algn="just" defTabSz="914400" rtl="0" eaLnBrk="0" fontAlgn="base" latinLnBrk="0" hangingPunct="0">
+              <a:lnSpc>
+                <a:spcPct val="100000"/>
+              </a:lnSpc>
+              <a:spcBef>
+                <a:spcPct val="0"/>
+              </a:spcBef>
+              <a:spcAft>
+                <a:spcPct val="0"/>
+              </a:spcAft>
+              <a:buClrTx/>
+              <a:buSzTx/>
+              <a:buFontTx/>
+              <a:buNone/>
+              <a:tabLst/>
+            </a:pPr>
+            <a:r>
+              <a:rPr kumimoji="0" lang="zh-CN" altLang="zh-CN" b="0" i="0" u="none" strike="noStrike" cap="none" normalizeH="0" baseline="0" dirty="0" smtClean="0">
+                <a:ln>
+                  <a:noFill/>
+                </a:ln>
+                <a:solidFill>
+                  <a:srgbClr val="4F4F4F"/>
+                </a:solidFill>
+                <a:effectLst/>
+                <a:latin typeface="华文楷体" panose="02010600040101010101" pitchFamily="2" charset="-122"/>
+                <a:ea typeface="华文楷体" panose="02010600040101010101" pitchFamily="2" charset="-122"/>
+              </a:rPr>
+              <a:t>  </a:t>
+            </a:r>
+            <a:r>
+              <a:rPr kumimoji="0" lang="zh-CN" altLang="zh-CN" sz="1100" b="0" i="0" u="none" strike="noStrike" cap="none" normalizeH="0" baseline="0" dirty="0" smtClean="0">
+                <a:ln>
+                  <a:noFill/>
+                </a:ln>
+                <a:solidFill>
+                  <a:srgbClr val="4F4F4F"/>
+                </a:solidFill>
+                <a:effectLst/>
+                <a:latin typeface="华文楷体" panose="02010600040101010101" pitchFamily="2" charset="-122"/>
+                <a:ea typeface="华文楷体" panose="02010600040101010101" pitchFamily="2" charset="-122"/>
+              </a:rPr>
+              <a:t> </a:t>
+            </a:r>
+            <a:r>
+              <a:rPr kumimoji="0" lang="zh-CN" altLang="zh-CN" b="0" i="0" u="none" strike="noStrike" cap="none" normalizeH="0" baseline="0" dirty="0" smtClean="0">
+                <a:ln>
+                  <a:noFill/>
+                </a:ln>
+                <a:solidFill>
+                  <a:srgbClr val="4F4F4F"/>
+                </a:solidFill>
+                <a:effectLst/>
+                <a:latin typeface="华文楷体" panose="02010600040101010101" pitchFamily="2" charset="-122"/>
+                <a:ea typeface="华文楷体" panose="02010600040101010101" pitchFamily="2" charset="-122"/>
+              </a:rPr>
+              <a:t>   使用Send方法,送一个消息到指定的消息队列中.</a:t>
+            </a:r>
+          </a:p>
+        </p:txBody>
+      </p:sp>
+    </p:spTree>
+    <p:extLst>
+      <p:ext uri="{BB962C8B-B14F-4D97-AF65-F5344CB8AC3E}">
+        <p14:creationId xmlns:p14="http://schemas.microsoft.com/office/powerpoint/2010/main" val="2238494889"/>
+      </p:ext>
+    </p:extLst>
+  </p:cSld>
+  <p:clrMapOvr>
+    <a:masterClrMapping/>
+  </p:clrMapOvr>
+</p:sld>
+</file>
+
 <file path=ppt/slides/slide2.xml><?xml version="1.0" encoding="utf-8"?>
 <p:sld xmlns:a="http://schemas.openxmlformats.org/drawingml/2006/main" xmlns:r="http://schemas.openxmlformats.org/officeDocument/2006/relationships" xmlns:p="http://schemas.openxmlformats.org/presentationml/2006/main">
   <p:cSld>
@@ -5851,153 +9386,151 @@
       </p:grpSpPr>
       <p:sp>
         <p:nvSpPr>
-          <p:cNvPr id="10" name="标题 9"/>
-          <p:cNvSpPr>
-            <a:spLocks noGrp="1"/>
-          </p:cNvSpPr>
-          <p:nvPr>
-            <p:ph type="title"/>
-          </p:nvPr>
-        </p:nvSpPr>
-        <p:spPr/>
-        <p:txBody>
-          <a:bodyPr/>
-          <a:lstStyle/>
-          <a:p>
-            <a:r>
-              <a:rPr lang="zh-CN" altLang="en-US" dirty="0" smtClean="0"/>
-              <a:t>使用场景</a:t>
-            </a:r>
-            <a:endParaRPr lang="zh-CN" altLang="en-US" dirty="0"/>
-          </a:p>
-        </p:txBody>
-      </p:sp>
-      <p:sp>
-        <p:nvSpPr>
-          <p:cNvPr id="11" name="内容占位符 10"/>
-          <p:cNvSpPr>
-            <a:spLocks noGrp="1"/>
-          </p:cNvSpPr>
-          <p:nvPr>
-            <p:ph idx="1"/>
-          </p:nvPr>
+          <p:cNvPr id="4" name="文本框 3"/>
+          <p:cNvSpPr txBox="1"/>
+          <p:nvPr/>
         </p:nvSpPr>
         <p:spPr>
           <a:xfrm>
-            <a:off x="1295401" y="2495972"/>
-            <a:ext cx="9601196" cy="3539068"/>
-          </a:xfrm>
-        </p:spPr>
-        <p:txBody>
-          <a:bodyPr>
-            <a:normAutofit/>
+            <a:off x="1005840" y="990600"/>
+            <a:ext cx="2057400" cy="461665"/>
+          </a:xfrm>
+          <a:prstGeom prst="rect">
+            <a:avLst/>
+          </a:prstGeom>
+          <a:noFill/>
+        </p:spPr>
+        <p:txBody>
+          <a:bodyPr wrap="square" rtlCol="0">
+            <a:spAutoFit/>
           </a:bodyPr>
           <a:lstStyle/>
           <a:p>
-            <a:pPr marL="0" indent="0">
-              <a:buNone/>
+            <a:r>
+              <a:rPr lang="zh-CN" altLang="en-US" sz="2400" dirty="0" smtClean="0"/>
+              <a:t>消息队列概述：</a:t>
+            </a:r>
+            <a:endParaRPr lang="zh-CN" altLang="en-US" sz="2400" dirty="0"/>
+          </a:p>
+        </p:txBody>
+      </p:sp>
+      <p:sp>
+        <p:nvSpPr>
+          <p:cNvPr id="5" name="文本框 4"/>
+          <p:cNvSpPr txBox="1"/>
+          <p:nvPr/>
+        </p:nvSpPr>
+        <p:spPr>
+          <a:xfrm>
+            <a:off x="1005840" y="1844040"/>
+            <a:ext cx="9083040" cy="2089803"/>
+          </a:xfrm>
+          <a:prstGeom prst="rect">
+            <a:avLst/>
+          </a:prstGeom>
+          <a:noFill/>
+        </p:spPr>
+        <p:txBody>
+          <a:bodyPr wrap="square" rtlCol="0">
+            <a:spAutoFit/>
+          </a:bodyPr>
+          <a:lstStyle/>
+          <a:p>
+            <a:pPr indent="457200">
+              <a:spcBef>
+                <a:spcPct val="20000"/>
+              </a:spcBef>
+              <a:spcAft>
+                <a:spcPts val="600"/>
+              </a:spcAft>
+              <a:buClr>
+                <a:schemeClr val="accent1"/>
+              </a:buClr>
+              <a:buSzPct val="115000"/>
             </a:pPr>
             <a:r>
-              <a:rPr lang="zh-CN" altLang="en-US" dirty="0" smtClean="0">
-                <a:latin typeface="华文楷体" panose="02010600040101010101" pitchFamily="2" charset="-122"/>
-                <a:ea typeface="华文楷体" panose="02010600040101010101" pitchFamily="2" charset="-122"/>
-              </a:rPr>
-              <a:t>小红是小明的姐姐</a:t>
-            </a:r>
-            <a:endParaRPr lang="en-US" altLang="zh-CN" dirty="0" smtClean="0">
+              <a:rPr lang="zh-CN" altLang="en-US" sz="2400" dirty="0">
+                <a:solidFill>
+                  <a:schemeClr val="tx1">
+                    <a:lumMod val="85000"/>
+                    <a:lumOff val="15000"/>
+                  </a:schemeClr>
+                </a:solidFill>
+                <a:latin typeface="华文楷体" panose="02010600040101010101" pitchFamily="2" charset="-122"/>
+                <a:ea typeface="华文楷体" panose="02010600040101010101" pitchFamily="2" charset="-122"/>
+              </a:rPr>
+              <a:t>消息队里中间件是分布式系统中重要的组件，主要解决应用耦合，异步消息，流量削峰等问题。实现高性能，高可用，可伸缩和最终一致性架构。是大型分布式系统不可缺少的中间件。</a:t>
+            </a:r>
+            <a:endParaRPr lang="en-US" altLang="zh-CN" sz="2400" dirty="0">
+              <a:solidFill>
+                <a:schemeClr val="tx1">
+                  <a:lumMod val="85000"/>
+                  <a:lumOff val="15000"/>
+                </a:schemeClr>
+              </a:solidFill>
               <a:latin typeface="华文楷体" panose="02010600040101010101" pitchFamily="2" charset="-122"/>
               <a:ea typeface="华文楷体" panose="02010600040101010101" pitchFamily="2" charset="-122"/>
             </a:endParaRPr>
           </a:p>
           <a:p>
-            <a:pPr marL="0" indent="0">
-              <a:buNone/>
+            <a:pPr indent="457200">
+              <a:spcBef>
+                <a:spcPct val="20000"/>
+              </a:spcBef>
+              <a:spcAft>
+                <a:spcPts val="600"/>
+              </a:spcAft>
+              <a:buClr>
+                <a:schemeClr val="accent1"/>
+              </a:buClr>
+              <a:buSzPct val="115000"/>
             </a:pPr>
             <a:r>
-              <a:rPr lang="zh-CN" altLang="en-US" dirty="0">
-                <a:latin typeface="华文楷体" panose="02010600040101010101" pitchFamily="2" charset="-122"/>
-                <a:ea typeface="华文楷体" panose="02010600040101010101" pitchFamily="2" charset="-122"/>
-              </a:rPr>
-              <a:t>小</a:t>
-            </a:r>
-            <a:r>
-              <a:rPr lang="zh-CN" altLang="en-US" dirty="0" smtClean="0">
-                <a:latin typeface="华文楷体" panose="02010600040101010101" pitchFamily="2" charset="-122"/>
-                <a:ea typeface="华文楷体" panose="02010600040101010101" pitchFamily="2" charset="-122"/>
-              </a:rPr>
-              <a:t>红希望小明多读书，经常寻找好书给小明看，之前的方式是：小红问小明什么时候有空，把书给小明送去，并亲眼监督小明读完书才走。久而久之，两人都觉得麻烦。</a:t>
-            </a:r>
-            <a:endParaRPr lang="en-US" altLang="zh-CN" dirty="0">
-              <a:latin typeface="华文楷体" panose="02010600040101010101" pitchFamily="2" charset="-122"/>
-              <a:ea typeface="华文楷体" panose="02010600040101010101" pitchFamily="2" charset="-122"/>
-            </a:endParaRPr>
-          </a:p>
-          <a:p>
-            <a:pPr marL="0" indent="0">
-              <a:buNone/>
-            </a:pPr>
-            <a:r>
-              <a:rPr lang="zh-CN" altLang="en-US" dirty="0" smtClean="0">
-                <a:latin typeface="华文楷体" panose="02010600040101010101" pitchFamily="2" charset="-122"/>
-                <a:ea typeface="华文楷体" panose="02010600040101010101" pitchFamily="2" charset="-122"/>
-              </a:rPr>
-              <a:t>后来的方式改成了：小红对小明说</a:t>
-            </a:r>
-            <a:r>
-              <a:rPr lang="en-US" altLang="zh-CN" dirty="0" smtClean="0">
-                <a:latin typeface="华文楷体" panose="02010600040101010101" pitchFamily="2" charset="-122"/>
-                <a:ea typeface="华文楷体" panose="02010600040101010101" pitchFamily="2" charset="-122"/>
-              </a:rPr>
-              <a:t>【</a:t>
-            </a:r>
-            <a:r>
-              <a:rPr lang="zh-CN" altLang="en-US" dirty="0" smtClean="0">
-                <a:latin typeface="华文楷体" panose="02010600040101010101" pitchFamily="2" charset="-122"/>
-                <a:ea typeface="华文楷体" panose="02010600040101010101" pitchFamily="2" charset="-122"/>
-              </a:rPr>
-              <a:t>我放到书架上的书你都要看</a:t>
-            </a:r>
-            <a:r>
-              <a:rPr lang="en-US" altLang="zh-CN" dirty="0" smtClean="0">
-                <a:latin typeface="华文楷体" panose="02010600040101010101" pitchFamily="2" charset="-122"/>
-                <a:ea typeface="华文楷体" panose="02010600040101010101" pitchFamily="2" charset="-122"/>
-              </a:rPr>
-              <a:t>】</a:t>
-            </a:r>
-            <a:r>
-              <a:rPr lang="zh-CN" altLang="en-US" dirty="0" smtClean="0">
-                <a:latin typeface="华文楷体" panose="02010600040101010101" pitchFamily="2" charset="-122"/>
-                <a:ea typeface="华文楷体" panose="02010600040101010101" pitchFamily="2" charset="-122"/>
-              </a:rPr>
-              <a:t>，然后小红每次发现不错的数都放到书架上，小明则看到书架上有书就拿下来看。</a:t>
-            </a:r>
-            <a:endParaRPr lang="en-US" altLang="zh-CN" dirty="0" smtClean="0">
-              <a:latin typeface="华文楷体" panose="02010600040101010101" pitchFamily="2" charset="-122"/>
-              <a:ea typeface="华文楷体" panose="02010600040101010101" pitchFamily="2" charset="-122"/>
-            </a:endParaRPr>
-          </a:p>
-          <a:p>
-            <a:pPr marL="0" indent="0">
-              <a:buNone/>
-            </a:pPr>
-            <a:r>
-              <a:rPr lang="zh-CN" altLang="en-US" dirty="0" smtClean="0">
-                <a:latin typeface="华文楷体" panose="02010600040101010101" pitchFamily="2" charset="-122"/>
-                <a:ea typeface="华文楷体" panose="02010600040101010101" pitchFamily="2" charset="-122"/>
-              </a:rPr>
-              <a:t>书架就是一个消息队列，小红是生产者，小明是消费者。</a:t>
-            </a:r>
-            <a:endParaRPr lang="zh-CN" altLang="en-US" dirty="0">
-              <a:latin typeface="华文楷体" panose="02010600040101010101" pitchFamily="2" charset="-122"/>
-              <a:ea typeface="华文楷体" panose="02010600040101010101" pitchFamily="2" charset="-122"/>
-            </a:endParaRPr>
+              <a:rPr lang="zh-CN" altLang="en-US" sz="2400" dirty="0">
+                <a:solidFill>
+                  <a:schemeClr val="tx1">
+                    <a:lumMod val="85000"/>
+                    <a:lumOff val="15000"/>
+                  </a:schemeClr>
+                </a:solidFill>
+                <a:latin typeface="华文楷体" panose="02010600040101010101" pitchFamily="2" charset="-122"/>
+                <a:ea typeface="华文楷体" panose="02010600040101010101" pitchFamily="2" charset="-122"/>
+              </a:rPr>
+              <a:t>目前在生产环境，使用较多的消息队列有</a:t>
+            </a:r>
+            <a:r>
+              <a:rPr lang="en-US" altLang="zh-CN" sz="2400" dirty="0" err="1">
+                <a:solidFill>
+                  <a:schemeClr val="tx1">
+                    <a:lumMod val="85000"/>
+                    <a:lumOff val="15000"/>
+                  </a:schemeClr>
+                </a:solidFill>
+                <a:latin typeface="华文楷体" panose="02010600040101010101" pitchFamily="2" charset="-122"/>
+                <a:ea typeface="华文楷体" panose="02010600040101010101" pitchFamily="2" charset="-122"/>
+              </a:rPr>
+              <a:t>ActiveMQ,RabbitMQ,ZeroMQ,Kafka,MetaMQ,RocketMQ</a:t>
+            </a:r>
+            <a:r>
+              <a:rPr lang="zh-CN" altLang="en-US" sz="2400" dirty="0">
+                <a:solidFill>
+                  <a:schemeClr val="tx1">
+                    <a:lumMod val="85000"/>
+                    <a:lumOff val="15000"/>
+                  </a:schemeClr>
+                </a:solidFill>
+                <a:latin typeface="华文楷体" panose="02010600040101010101" pitchFamily="2" charset="-122"/>
+                <a:ea typeface="华文楷体" panose="02010600040101010101" pitchFamily="2" charset="-122"/>
+              </a:rPr>
+              <a:t>等。</a:t>
+            </a:r>
           </a:p>
         </p:txBody>
       </p:sp>
     </p:spTree>
     <p:extLst>
       <p:ext uri="{BB962C8B-B14F-4D97-AF65-F5344CB8AC3E}">
-        <p14:creationId xmlns:p14="http://schemas.microsoft.com/office/powerpoint/2010/main" val="51521362"/>
+        <p14:creationId xmlns:p14="http://schemas.microsoft.com/office/powerpoint/2010/main" val="4219344576"/>
       </p:ext>
     </p:extLst>
   </p:cSld>
@@ -6026,14 +9559,37 @@
       </p:grpSpPr>
       <p:sp>
         <p:nvSpPr>
+          <p:cNvPr id="3" name="标题 2"/>
+          <p:cNvSpPr>
+            <a:spLocks noGrp="1"/>
+          </p:cNvSpPr>
+          <p:nvPr>
+            <p:ph type="title"/>
+          </p:nvPr>
+        </p:nvSpPr>
+        <p:spPr/>
+        <p:txBody>
+          <a:bodyPr/>
+          <a:lstStyle/>
+          <a:p>
+            <a:r>
+              <a:rPr lang="zh-CN" altLang="en-US" dirty="0" smtClean="0"/>
+              <a:t>使用场景</a:t>
+            </a:r>
+            <a:endParaRPr lang="zh-CN" altLang="en-US" dirty="0"/>
+          </a:p>
+        </p:txBody>
+      </p:sp>
+      <p:sp>
+        <p:nvSpPr>
           <p:cNvPr id="4" name="文本框 3"/>
           <p:cNvSpPr txBox="1"/>
           <p:nvPr/>
         </p:nvSpPr>
         <p:spPr>
           <a:xfrm>
-            <a:off x="1249680" y="1036320"/>
-            <a:ext cx="1107996" cy="461665"/>
+            <a:off x="5021827" y="2651760"/>
+            <a:ext cx="2148345" cy="2246769"/>
           </a:xfrm>
           <a:prstGeom prst="rect">
             <a:avLst/>
@@ -6047,206 +9603,65 @@
           <a:lstStyle/>
           <a:p>
             <a:r>
-              <a:rPr lang="zh-CN" altLang="en-US" sz="2400" dirty="0" smtClean="0"/>
-              <a:t>好处：</a:t>
-            </a:r>
-            <a:endParaRPr lang="zh-CN" altLang="en-US" sz="2400" dirty="0"/>
-          </a:p>
-        </p:txBody>
-      </p:sp>
-      <p:sp>
-        <p:nvSpPr>
-          <p:cNvPr id="5" name="文本框 4"/>
-          <p:cNvSpPr txBox="1"/>
-          <p:nvPr/>
-        </p:nvSpPr>
-        <p:spPr>
-          <a:xfrm>
-            <a:off x="1249680" y="1502450"/>
-            <a:ext cx="9372600" cy="4108817"/>
-          </a:xfrm>
-          <a:prstGeom prst="rect">
-            <a:avLst/>
-          </a:prstGeom>
-          <a:noFill/>
-        </p:spPr>
-        <p:txBody>
-          <a:bodyPr wrap="square" rtlCol="0">
-            <a:spAutoFit/>
-          </a:bodyPr>
-          <a:lstStyle/>
-          <a:p>
-            <a:pPr marL="342900" indent="-342900">
-              <a:spcAft>
-                <a:spcPts val="1800"/>
-              </a:spcAft>
-              <a:buAutoNum type="arabicPeriod"/>
-            </a:pPr>
-            <a:r>
-              <a:rPr lang="zh-CN" altLang="en-US" sz="2400" dirty="0">
-                <a:solidFill>
-                  <a:schemeClr val="tx1">
-                    <a:lumMod val="85000"/>
-                    <a:lumOff val="15000"/>
-                  </a:schemeClr>
-                </a:solidFill>
-                <a:latin typeface="华文楷体" panose="02010600040101010101" pitchFamily="2" charset="-122"/>
-                <a:ea typeface="华文楷体" panose="02010600040101010101" pitchFamily="2" charset="-122"/>
-              </a:rPr>
-              <a:t>小红想给小明书的时候，</a:t>
-            </a:r>
-            <a:r>
-              <a:rPr lang="zh-CN" altLang="en-US" sz="2400" dirty="0">
-                <a:solidFill>
-                  <a:schemeClr val="tx1">
-                    <a:lumMod val="85000"/>
-                    <a:lumOff val="15000"/>
-                  </a:schemeClr>
-                </a:solidFill>
-                <a:latin typeface="华文楷体" panose="02010600040101010101" pitchFamily="2" charset="-122"/>
-                <a:ea typeface="华文楷体" panose="02010600040101010101" pitchFamily="2" charset="-122"/>
-              </a:rPr>
-              <a:t>不必问小明什么时候有空，亲手把书交给他了，小红只把书放到书架上就行了。这样小红小明的时间都更自由</a:t>
-            </a:r>
-            <a:r>
-              <a:rPr lang="zh-CN" altLang="en-US" sz="2400" dirty="0">
-                <a:solidFill>
-                  <a:schemeClr val="tx1">
-                    <a:lumMod val="85000"/>
-                    <a:lumOff val="15000"/>
-                  </a:schemeClr>
-                </a:solidFill>
-                <a:latin typeface="华文楷体" panose="02010600040101010101" pitchFamily="2" charset="-122"/>
-                <a:ea typeface="华文楷体" panose="02010600040101010101" pitchFamily="2" charset="-122"/>
-              </a:rPr>
-              <a:t>。</a:t>
-            </a:r>
-            <a:endParaRPr lang="en-US" altLang="zh-CN" sz="2400" dirty="0">
-              <a:solidFill>
-                <a:schemeClr val="tx1">
-                  <a:lumMod val="85000"/>
-                  <a:lumOff val="15000"/>
-                </a:schemeClr>
-              </a:solidFill>
-              <a:latin typeface="华文楷体" panose="02010600040101010101" pitchFamily="2" charset="-122"/>
-              <a:ea typeface="华文楷体" panose="02010600040101010101" pitchFamily="2" charset="-122"/>
-            </a:endParaRPr>
-          </a:p>
-          <a:p>
-            <a:pPr marL="342900" indent="-342900">
-              <a:spcAft>
-                <a:spcPts val="1800"/>
-              </a:spcAft>
-              <a:buAutoNum type="arabicPeriod"/>
-            </a:pPr>
-            <a:r>
-              <a:rPr lang="zh-CN" altLang="en-US" sz="2400" dirty="0">
-                <a:solidFill>
-                  <a:schemeClr val="tx1">
-                    <a:lumMod val="85000"/>
-                    <a:lumOff val="15000"/>
-                  </a:schemeClr>
-                </a:solidFill>
-                <a:latin typeface="华文楷体" panose="02010600040101010101" pitchFamily="2" charset="-122"/>
-                <a:ea typeface="华文楷体" panose="02010600040101010101" pitchFamily="2" charset="-122"/>
-              </a:rPr>
-              <a:t>不必问小明什么时候有空，亲手把书交给他了，小红只把书放到书架上就行了。这样小红小明的时间都更自由</a:t>
-            </a:r>
-            <a:r>
-              <a:rPr lang="zh-CN" altLang="en-US" sz="2400" dirty="0">
-                <a:solidFill>
-                  <a:schemeClr val="tx1">
-                    <a:lumMod val="85000"/>
-                    <a:lumOff val="15000"/>
-                  </a:schemeClr>
-                </a:solidFill>
-                <a:latin typeface="华文楷体" panose="02010600040101010101" pitchFamily="2" charset="-122"/>
-                <a:ea typeface="华文楷体" panose="02010600040101010101" pitchFamily="2" charset="-122"/>
-              </a:rPr>
-              <a:t>。</a:t>
-            </a:r>
-            <a:endParaRPr lang="en-US" altLang="zh-CN" sz="2400" dirty="0">
-              <a:solidFill>
-                <a:schemeClr val="tx1">
-                  <a:lumMod val="85000"/>
-                  <a:lumOff val="15000"/>
-                </a:schemeClr>
-              </a:solidFill>
-              <a:latin typeface="华文楷体" panose="02010600040101010101" pitchFamily="2" charset="-122"/>
-              <a:ea typeface="华文楷体" panose="02010600040101010101" pitchFamily="2" charset="-122"/>
-            </a:endParaRPr>
-          </a:p>
-          <a:p>
-            <a:pPr marL="342900" indent="-342900">
-              <a:spcAft>
-                <a:spcPts val="1800"/>
-              </a:spcAft>
-              <a:buAutoNum type="arabicPeriod"/>
-            </a:pPr>
-            <a:r>
-              <a:rPr lang="zh-CN" altLang="en-US" sz="2400" dirty="0">
-                <a:solidFill>
-                  <a:schemeClr val="tx1">
-                    <a:lumMod val="85000"/>
-                    <a:lumOff val="15000"/>
-                  </a:schemeClr>
-                </a:solidFill>
-                <a:latin typeface="华文楷体" panose="02010600040101010101" pitchFamily="2" charset="-122"/>
-                <a:ea typeface="华文楷体" panose="02010600040101010101" pitchFamily="2" charset="-122"/>
-              </a:rPr>
-              <a:t>不必问小明什么时候有空，亲手把书交给他了，小红只把书放到书架上就行了。这样小红小明的时间都更自由</a:t>
-            </a:r>
-            <a:r>
-              <a:rPr lang="zh-CN" altLang="en-US" sz="2400" dirty="0">
-                <a:solidFill>
-                  <a:schemeClr val="tx1">
-                    <a:lumMod val="85000"/>
-                    <a:lumOff val="15000"/>
-                  </a:schemeClr>
-                </a:solidFill>
-                <a:latin typeface="华文楷体" panose="02010600040101010101" pitchFamily="2" charset="-122"/>
-                <a:ea typeface="华文楷体" panose="02010600040101010101" pitchFamily="2" charset="-122"/>
-              </a:rPr>
-              <a:t>。</a:t>
-            </a:r>
-            <a:endParaRPr lang="en-US" altLang="zh-CN" sz="2400" dirty="0">
-              <a:solidFill>
-                <a:schemeClr val="tx1">
-                  <a:lumMod val="85000"/>
-                  <a:lumOff val="15000"/>
-                </a:schemeClr>
-              </a:solidFill>
-              <a:latin typeface="华文楷体" panose="02010600040101010101" pitchFamily="2" charset="-122"/>
-              <a:ea typeface="华文楷体" panose="02010600040101010101" pitchFamily="2" charset="-122"/>
-            </a:endParaRPr>
-          </a:p>
-          <a:p>
-            <a:pPr marL="342900" indent="-342900">
-              <a:spcAft>
-                <a:spcPts val="1800"/>
-              </a:spcAft>
-              <a:buAutoNum type="arabicPeriod"/>
-            </a:pPr>
-            <a:r>
-              <a:rPr lang="zh-CN" altLang="en-US" sz="2400" dirty="0">
-                <a:solidFill>
-                  <a:schemeClr val="tx1">
-                    <a:lumMod val="85000"/>
-                    <a:lumOff val="15000"/>
-                  </a:schemeClr>
-                </a:solidFill>
-                <a:latin typeface="华文楷体" panose="02010600040101010101" pitchFamily="2" charset="-122"/>
-                <a:ea typeface="华文楷体" panose="02010600040101010101" pitchFamily="2" charset="-122"/>
-              </a:rPr>
-              <a:t>不必问小明什么时候有空，亲手把书交给他了，小红只把书放到书架上就行了。这样小红小明的时间都更自由。</a:t>
-            </a:r>
+              <a:rPr lang="en-US" altLang="zh-CN" sz="2800" dirty="0" smtClean="0"/>
+              <a:t>1</a:t>
+            </a:r>
+            <a:r>
+              <a:rPr lang="zh-CN" altLang="en-US" sz="2800" dirty="0" smtClean="0"/>
+              <a:t>、异步处理</a:t>
+            </a:r>
+            <a:endParaRPr lang="en-US" altLang="zh-CN" sz="2800" dirty="0" smtClean="0"/>
+          </a:p>
+          <a:p>
+            <a:r>
+              <a:rPr lang="en-US" altLang="zh-CN" sz="2800" dirty="0" smtClean="0"/>
+              <a:t>2</a:t>
+            </a:r>
+            <a:r>
+              <a:rPr lang="zh-CN" altLang="en-US" sz="2800" dirty="0" smtClean="0"/>
+              <a:t>、应用解耦</a:t>
+            </a:r>
+            <a:endParaRPr lang="en-US" altLang="zh-CN" sz="2800" dirty="0" smtClean="0"/>
+          </a:p>
+          <a:p>
+            <a:r>
+              <a:rPr lang="en-US" altLang="zh-CN" sz="2800" dirty="0" smtClean="0"/>
+              <a:t>3</a:t>
+            </a:r>
+            <a:r>
+              <a:rPr lang="zh-CN" altLang="en-US" sz="2800" dirty="0" smtClean="0"/>
+              <a:t>、流量削峰</a:t>
+            </a:r>
+            <a:endParaRPr lang="en-US" altLang="zh-CN" sz="2800" dirty="0" smtClean="0"/>
+          </a:p>
+          <a:p>
+            <a:r>
+              <a:rPr lang="en-US" altLang="zh-CN" sz="2800" dirty="0" smtClean="0"/>
+              <a:t>4</a:t>
+            </a:r>
+            <a:r>
+              <a:rPr lang="zh-CN" altLang="en-US" sz="2800" dirty="0" smtClean="0"/>
+              <a:t>、日志处理</a:t>
+            </a:r>
+            <a:endParaRPr lang="en-US" altLang="zh-CN" sz="2800" dirty="0" smtClean="0"/>
+          </a:p>
+          <a:p>
+            <a:r>
+              <a:rPr lang="en-US" altLang="zh-CN" sz="2800" dirty="0" smtClean="0"/>
+              <a:t>5</a:t>
+            </a:r>
+            <a:r>
+              <a:rPr lang="zh-CN" altLang="en-US" sz="2800" dirty="0" smtClean="0"/>
+              <a:t>、消息通讯</a:t>
+            </a:r>
+            <a:endParaRPr lang="en-US" altLang="zh-CN" sz="2800" dirty="0" smtClean="0"/>
           </a:p>
         </p:txBody>
       </p:sp>
     </p:spTree>
     <p:extLst>
       <p:ext uri="{BB962C8B-B14F-4D97-AF65-F5344CB8AC3E}">
-        <p14:creationId xmlns:p14="http://schemas.microsoft.com/office/powerpoint/2010/main" val="167145418"/>
+        <p14:creationId xmlns:p14="http://schemas.microsoft.com/office/powerpoint/2010/main" val="1678072788"/>
       </p:ext>
     </p:extLst>
   </p:cSld>
@@ -6281,8 +9696,8 @@
         </p:nvSpPr>
         <p:spPr>
           <a:xfrm>
-            <a:off x="1112520" y="868680"/>
-            <a:ext cx="3262432" cy="461665"/>
+            <a:off x="1143000" y="762000"/>
+            <a:ext cx="2133600" cy="461665"/>
           </a:xfrm>
           <a:prstGeom prst="rect">
             <a:avLst/>
@@ -6290,221 +9705,261 @@
           <a:noFill/>
         </p:spPr>
         <p:txBody>
-          <a:bodyPr wrap="none" rtlCol="0">
+          <a:bodyPr wrap="square" rtlCol="0">
             <a:spAutoFit/>
           </a:bodyPr>
           <a:lstStyle/>
           <a:p>
             <a:r>
+              <a:rPr lang="en-US" altLang="zh-CN" sz="2400" dirty="0" smtClean="0"/>
+              <a:t>1</a:t>
+            </a:r>
+            <a:r>
               <a:rPr lang="zh-CN" altLang="en-US" sz="2400" dirty="0" smtClean="0"/>
-              <a:t>消息队列的四大好处：</a:t>
-            </a:r>
-            <a:endParaRPr lang="en-US" altLang="zh-CN" sz="2400" dirty="0" smtClean="0"/>
-          </a:p>
-        </p:txBody>
-      </p:sp>
-      <p:sp>
-        <p:nvSpPr>
-          <p:cNvPr id="3" name="文本框 2"/>
-          <p:cNvSpPr txBox="1"/>
+              <a:t>、异步处理</a:t>
+            </a:r>
+            <a:endParaRPr lang="zh-CN" altLang="en-US" sz="2400" dirty="0"/>
+          </a:p>
+        </p:txBody>
+      </p:sp>
+      <p:pic>
+        <p:nvPicPr>
+          <p:cNvPr id="1026" name="Picture 2" descr="http://finalshares.cn/attachment/threadsImgs/images2015.cnblogs.com/blog/820332/201601/820332-20160124211106000-2080222350.png"/>
+          <p:cNvPicPr>
+            <a:picLocks noChangeAspect="1" noChangeArrowheads="1"/>
+          </p:cNvPicPr>
           <p:nvPr/>
-        </p:nvSpPr>
-        <p:spPr>
-          <a:xfrm>
-            <a:off x="1112520" y="1676400"/>
-            <a:ext cx="9631680" cy="3877985"/>
+        </p:nvPicPr>
+        <p:blipFill>
+          <a:blip r:embed="rId2">
+            <a:extLst>
+              <a:ext uri="{28A0092B-C50C-407E-A947-70E740481C1C}">
+                <a14:useLocalDpi xmlns:a14="http://schemas.microsoft.com/office/drawing/2010/main" val="0"/>
+              </a:ext>
+            </a:extLst>
+          </a:blip>
+          <a:srcRect/>
+          <a:stretch>
+            <a:fillRect/>
+          </a:stretch>
+        </p:blipFill>
+        <p:spPr bwMode="auto">
+          <a:xfrm>
+            <a:off x="4587239" y="1029854"/>
+            <a:ext cx="5590811" cy="1530465"/>
           </a:xfrm>
           <a:prstGeom prst="rect">
             <a:avLst/>
           </a:prstGeom>
           <a:noFill/>
-        </p:spPr>
-        <p:txBody>
-          <a:bodyPr wrap="square" rtlCol="0">
+          <a:extLst>
+            <a:ext uri="{909E8E84-426E-40DD-AFC4-6F175D3DCCD1}">
+              <a14:hiddenFill xmlns:a14="http://schemas.microsoft.com/office/drawing/2010/main">
+                <a:solidFill>
+                  <a:srgbClr val="FFFFFF"/>
+                </a:solidFill>
+              </a14:hiddenFill>
+            </a:ext>
+          </a:extLst>
+        </p:spPr>
+      </p:pic>
+      <p:sp>
+        <p:nvSpPr>
+          <p:cNvPr id="3" name="文本框 2"/>
+          <p:cNvSpPr txBox="1"/>
+          <p:nvPr/>
+        </p:nvSpPr>
+        <p:spPr>
+          <a:xfrm>
+            <a:off x="1143000" y="1533552"/>
+            <a:ext cx="1107996" cy="369332"/>
+          </a:xfrm>
+          <a:prstGeom prst="rect">
+            <a:avLst/>
+          </a:prstGeom>
+          <a:noFill/>
+        </p:spPr>
+        <p:txBody>
+          <a:bodyPr wrap="none" rtlCol="0">
             <a:spAutoFit/>
           </a:bodyPr>
           <a:lstStyle/>
           <a:p>
-            <a:pPr>
-              <a:spcAft>
-                <a:spcPts val="1800"/>
-              </a:spcAft>
-            </a:pPr>
-            <a:r>
-              <a:rPr lang="en-US" altLang="zh-CN" sz="2400" dirty="0">
-                <a:solidFill>
-                  <a:schemeClr val="tx1">
-                    <a:lumMod val="85000"/>
-                    <a:lumOff val="15000"/>
-                  </a:schemeClr>
-                </a:solidFill>
-                <a:latin typeface="华文楷体" panose="02010600040101010101" pitchFamily="2" charset="-122"/>
-                <a:ea typeface="华文楷体" panose="02010600040101010101" pitchFamily="2" charset="-122"/>
-              </a:rPr>
-              <a:t>1.</a:t>
-            </a:r>
-            <a:r>
-              <a:rPr lang="zh-CN" altLang="en-US" sz="2400" dirty="0">
-                <a:solidFill>
-                  <a:schemeClr val="tx1">
-                    <a:lumMod val="85000"/>
-                    <a:lumOff val="15000"/>
-                  </a:schemeClr>
-                </a:solidFill>
-                <a:latin typeface="华文楷体" panose="02010600040101010101" pitchFamily="2" charset="-122"/>
-                <a:ea typeface="华文楷体" panose="02010600040101010101" pitchFamily="2" charset="-122"/>
-              </a:rPr>
-              <a:t>解耦</a:t>
-            </a:r>
-            <a:endParaRPr lang="en-US" altLang="zh-CN" sz="2400" dirty="0">
-              <a:solidFill>
-                <a:schemeClr val="tx1">
-                  <a:lumMod val="85000"/>
-                  <a:lumOff val="15000"/>
-                </a:schemeClr>
-              </a:solidFill>
-              <a:latin typeface="华文楷体" panose="02010600040101010101" pitchFamily="2" charset="-122"/>
-              <a:ea typeface="华文楷体" panose="02010600040101010101" pitchFamily="2" charset="-122"/>
-            </a:endParaRPr>
-          </a:p>
-          <a:p>
-            <a:pPr>
-              <a:spcAft>
-                <a:spcPts val="1800"/>
-              </a:spcAft>
-            </a:pPr>
-            <a:r>
-              <a:rPr lang="zh-CN" altLang="en-US" sz="2400" dirty="0">
-                <a:solidFill>
-                  <a:schemeClr val="tx1">
-                    <a:lumMod val="85000"/>
-                    <a:lumOff val="15000"/>
-                  </a:schemeClr>
-                </a:solidFill>
-                <a:latin typeface="华文楷体" panose="02010600040101010101" pitchFamily="2" charset="-122"/>
-                <a:ea typeface="华文楷体" panose="02010600040101010101" pitchFamily="2" charset="-122"/>
-              </a:rPr>
-              <a:t>每个成员不必受其他成员影响，可以更独立自主，只通过一个简单的容器来联系</a:t>
-            </a:r>
-            <a:r>
-              <a:rPr lang="zh-CN" altLang="en-US" sz="2400" dirty="0">
-                <a:solidFill>
-                  <a:schemeClr val="tx1">
-                    <a:lumMod val="85000"/>
-                    <a:lumOff val="15000"/>
-                  </a:schemeClr>
-                </a:solidFill>
-                <a:latin typeface="华文楷体" panose="02010600040101010101" pitchFamily="2" charset="-122"/>
-                <a:ea typeface="华文楷体" panose="02010600040101010101" pitchFamily="2" charset="-122"/>
-              </a:rPr>
-              <a:t>。</a:t>
-            </a:r>
-            <a:endParaRPr lang="en-US" altLang="zh-CN" sz="2400" dirty="0">
-              <a:solidFill>
-                <a:schemeClr val="tx1">
-                  <a:lumMod val="85000"/>
-                  <a:lumOff val="15000"/>
-                </a:schemeClr>
-              </a:solidFill>
-              <a:latin typeface="华文楷体" panose="02010600040101010101" pitchFamily="2" charset="-122"/>
-              <a:ea typeface="华文楷体" panose="02010600040101010101" pitchFamily="2" charset="-122"/>
-            </a:endParaRPr>
-          </a:p>
-          <a:p>
-            <a:pPr>
-              <a:spcAft>
-                <a:spcPts val="1800"/>
-              </a:spcAft>
-            </a:pPr>
-            <a:r>
-              <a:rPr lang="zh-CN" altLang="en-US" sz="2400" dirty="0">
-                <a:solidFill>
-                  <a:schemeClr val="tx1">
-                    <a:lumMod val="85000"/>
-                    <a:lumOff val="15000"/>
-                  </a:schemeClr>
-                </a:solidFill>
-                <a:latin typeface="华文楷体" panose="02010600040101010101" pitchFamily="2" charset="-122"/>
-                <a:ea typeface="华文楷体" panose="02010600040101010101" pitchFamily="2" charset="-122"/>
-              </a:rPr>
-              <a:t>小红甚至可以不知道从书架上取书的是谁，小明也可以不知道往书架上放书的人是谁，在他们眼里，都只有书架，没有对方</a:t>
-            </a:r>
-            <a:r>
-              <a:rPr lang="zh-CN" altLang="en-US" sz="2400" dirty="0">
-                <a:solidFill>
-                  <a:schemeClr val="tx1">
-                    <a:lumMod val="85000"/>
-                    <a:lumOff val="15000"/>
-                  </a:schemeClr>
-                </a:solidFill>
-                <a:latin typeface="华文楷体" panose="02010600040101010101" pitchFamily="2" charset="-122"/>
-                <a:ea typeface="华文楷体" panose="02010600040101010101" pitchFamily="2" charset="-122"/>
-              </a:rPr>
-              <a:t>。</a:t>
-            </a:r>
-            <a:endParaRPr lang="en-US" altLang="zh-CN" sz="2400" dirty="0">
-              <a:solidFill>
-                <a:schemeClr val="tx1">
-                  <a:lumMod val="85000"/>
-                  <a:lumOff val="15000"/>
-                </a:schemeClr>
-              </a:solidFill>
-              <a:latin typeface="华文楷体" panose="02010600040101010101" pitchFamily="2" charset="-122"/>
-              <a:ea typeface="华文楷体" panose="02010600040101010101" pitchFamily="2" charset="-122"/>
-            </a:endParaRPr>
-          </a:p>
-          <a:p>
-            <a:pPr>
-              <a:spcAft>
-                <a:spcPts val="1800"/>
-              </a:spcAft>
-            </a:pPr>
-            <a:r>
-              <a:rPr lang="zh-CN" altLang="en-US" sz="2400" dirty="0">
-                <a:solidFill>
-                  <a:schemeClr val="tx1">
-                    <a:lumMod val="85000"/>
-                    <a:lumOff val="15000"/>
-                  </a:schemeClr>
-                </a:solidFill>
-                <a:latin typeface="华文楷体" panose="02010600040101010101" pitchFamily="2" charset="-122"/>
-                <a:ea typeface="华文楷体" panose="02010600040101010101" pitchFamily="2" charset="-122"/>
-              </a:rPr>
-              <a:t>毫无疑问，与一个简单的容器打交道，比与复杂的人打交道容易一万倍，小红小明可以自由自在地追求各自的人生</a:t>
-            </a:r>
-            <a:r>
-              <a:rPr lang="zh-CN" altLang="en-US" sz="2400" dirty="0">
-                <a:solidFill>
-                  <a:schemeClr val="tx1">
-                    <a:lumMod val="85000"/>
-                    <a:lumOff val="15000"/>
-                  </a:schemeClr>
-                </a:solidFill>
-                <a:latin typeface="华文楷体" panose="02010600040101010101" pitchFamily="2" charset="-122"/>
-                <a:ea typeface="华文楷体" panose="02010600040101010101" pitchFamily="2" charset="-122"/>
-              </a:rPr>
-              <a:t>。</a:t>
-            </a:r>
-            <a:endParaRPr lang="en-US" altLang="zh-CN" sz="2400" dirty="0">
-              <a:solidFill>
-                <a:schemeClr val="tx1">
-                  <a:lumMod val="85000"/>
-                  <a:lumOff val="15000"/>
-                </a:schemeClr>
-              </a:solidFill>
-              <a:latin typeface="华文楷体" panose="02010600040101010101" pitchFamily="2" charset="-122"/>
-              <a:ea typeface="华文楷体" panose="02010600040101010101" pitchFamily="2" charset="-122"/>
-            </a:endParaRPr>
-          </a:p>
-          <a:p>
-            <a:endParaRPr lang="zh-CN" altLang="en-US" dirty="0"/>
+            <a:r>
+              <a:rPr lang="zh-CN" altLang="en-US" dirty="0" smtClean="0"/>
+              <a:t>用户注册</a:t>
+            </a:r>
+            <a:endParaRPr lang="en-US" altLang="zh-CN" dirty="0" smtClean="0"/>
+          </a:p>
+        </p:txBody>
+      </p:sp>
+      <p:sp>
+        <p:nvSpPr>
+          <p:cNvPr id="5" name="文本框 4"/>
+          <p:cNvSpPr txBox="1"/>
+          <p:nvPr/>
+        </p:nvSpPr>
+        <p:spPr>
+          <a:xfrm>
+            <a:off x="3032760" y="1533552"/>
+            <a:ext cx="1107996" cy="369332"/>
+          </a:xfrm>
+          <a:prstGeom prst="rect">
+            <a:avLst/>
+          </a:prstGeom>
+          <a:noFill/>
+        </p:spPr>
+        <p:txBody>
+          <a:bodyPr wrap="none" rtlCol="0">
+            <a:spAutoFit/>
+          </a:bodyPr>
+          <a:lstStyle/>
+          <a:p>
+            <a:r>
+              <a:rPr lang="zh-CN" altLang="en-US" dirty="0" smtClean="0"/>
+              <a:t>串行方式</a:t>
+            </a:r>
+            <a:endParaRPr lang="en-US" altLang="zh-CN" dirty="0" smtClean="0"/>
+          </a:p>
+        </p:txBody>
+      </p:sp>
+      <p:sp>
+        <p:nvSpPr>
+          <p:cNvPr id="6" name="文本框 5"/>
+          <p:cNvSpPr txBox="1"/>
+          <p:nvPr/>
+        </p:nvSpPr>
+        <p:spPr>
+          <a:xfrm>
+            <a:off x="3032760" y="3408072"/>
+            <a:ext cx="1107996" cy="369332"/>
+          </a:xfrm>
+          <a:prstGeom prst="rect">
+            <a:avLst/>
+          </a:prstGeom>
+          <a:noFill/>
+        </p:spPr>
+        <p:txBody>
+          <a:bodyPr wrap="none" rtlCol="0">
+            <a:spAutoFit/>
+          </a:bodyPr>
+          <a:lstStyle/>
+          <a:p>
+            <a:r>
+              <a:rPr lang="zh-CN" altLang="en-US" dirty="0"/>
+              <a:t>并行</a:t>
+            </a:r>
+            <a:r>
+              <a:rPr lang="zh-CN" altLang="en-US" dirty="0" smtClean="0"/>
+              <a:t>方式</a:t>
+            </a:r>
+            <a:endParaRPr lang="en-US" altLang="zh-CN" dirty="0" smtClean="0"/>
+          </a:p>
+        </p:txBody>
+      </p:sp>
+      <p:pic>
+        <p:nvPicPr>
+          <p:cNvPr id="1028" name="Picture 4" descr="http://finalshares.cn/attachment/threadsImgs/images2015.cnblogs.com/blog/820332/201601/820332-20160124211115703-218873208.png"/>
+          <p:cNvPicPr>
+            <a:picLocks noChangeAspect="1" noChangeArrowheads="1"/>
+          </p:cNvPicPr>
+          <p:nvPr/>
+        </p:nvPicPr>
+        <p:blipFill>
+          <a:blip r:embed="rId3">
+            <a:extLst>
+              <a:ext uri="{28A0092B-C50C-407E-A947-70E740481C1C}">
+                <a14:useLocalDpi xmlns:a14="http://schemas.microsoft.com/office/drawing/2010/main" val="0"/>
+              </a:ext>
+            </a:extLst>
+          </a:blip>
+          <a:srcRect/>
+          <a:stretch>
+            <a:fillRect/>
+          </a:stretch>
+        </p:blipFill>
+        <p:spPr bwMode="auto">
+          <a:xfrm>
+            <a:off x="4587239" y="3117532"/>
+            <a:ext cx="3800475" cy="2019301"/>
+          </a:xfrm>
+          <a:prstGeom prst="rect">
+            <a:avLst/>
+          </a:prstGeom>
+          <a:noFill/>
+          <a:extLst>
+            <a:ext uri="{909E8E84-426E-40DD-AFC4-6F175D3DCCD1}">
+              <a14:hiddenFill xmlns:a14="http://schemas.microsoft.com/office/drawing/2010/main">
+                <a:solidFill>
+                  <a:srgbClr val="FFFFFF"/>
+                </a:solidFill>
+              </a14:hiddenFill>
+            </a:ext>
+          </a:extLst>
+        </p:spPr>
+      </p:pic>
+      <p:sp>
+        <p:nvSpPr>
+          <p:cNvPr id="4" name="文本框 3"/>
+          <p:cNvSpPr txBox="1"/>
+          <p:nvPr/>
+        </p:nvSpPr>
+        <p:spPr>
+          <a:xfrm>
+            <a:off x="10624533" y="1610420"/>
+            <a:ext cx="774571" cy="369332"/>
+          </a:xfrm>
+          <a:prstGeom prst="rect">
+            <a:avLst/>
+          </a:prstGeom>
+          <a:noFill/>
+        </p:spPr>
+        <p:txBody>
+          <a:bodyPr wrap="none" rtlCol="0">
+            <a:spAutoFit/>
+          </a:bodyPr>
+          <a:lstStyle/>
+          <a:p>
+            <a:r>
+              <a:rPr lang="en-US" altLang="zh-CN" dirty="0" smtClean="0"/>
+              <a:t>150ms</a:t>
+            </a:r>
+          </a:p>
+        </p:txBody>
+      </p:sp>
+      <p:sp>
+        <p:nvSpPr>
+          <p:cNvPr id="7" name="文本框 6"/>
+          <p:cNvSpPr txBox="1"/>
+          <p:nvPr/>
+        </p:nvSpPr>
+        <p:spPr>
+          <a:xfrm>
+            <a:off x="9083040" y="3942516"/>
+            <a:ext cx="774571" cy="369332"/>
+          </a:xfrm>
+          <a:prstGeom prst="rect">
+            <a:avLst/>
+          </a:prstGeom>
+          <a:noFill/>
+        </p:spPr>
+        <p:txBody>
+          <a:bodyPr wrap="none" rtlCol="0">
+            <a:spAutoFit/>
+          </a:bodyPr>
+          <a:lstStyle/>
+          <a:p>
+            <a:r>
+              <a:rPr lang="en-US" altLang="zh-CN" dirty="0" smtClean="0"/>
+              <a:t>100ms</a:t>
+            </a:r>
           </a:p>
         </p:txBody>
       </p:sp>
     </p:spTree>
     <p:extLst>
       <p:ext uri="{BB962C8B-B14F-4D97-AF65-F5344CB8AC3E}">
-        <p14:creationId xmlns:p14="http://schemas.microsoft.com/office/powerpoint/2010/main" val="3855540166"/>
+        <p14:creationId xmlns:p14="http://schemas.microsoft.com/office/powerpoint/2010/main" val="1817316146"/>
       </p:ext>
     </p:extLst>
   </p:cSld>
@@ -6533,251 +9988,284 @@
       </p:grpSpPr>
       <p:sp>
         <p:nvSpPr>
-          <p:cNvPr id="2" name="文本框 1"/>
-          <p:cNvSpPr txBox="1"/>
+          <p:cNvPr id="2" name="Rectangle 1"/>
+          <p:cNvSpPr>
+            <a:spLocks noChangeArrowheads="1"/>
+          </p:cNvSpPr>
           <p:nvPr/>
         </p:nvSpPr>
-        <p:spPr>
-          <a:xfrm>
-            <a:off x="1112520" y="868680"/>
-            <a:ext cx="3262432" cy="461665"/>
+        <p:spPr bwMode="auto">
+          <a:xfrm>
+            <a:off x="899160" y="1125529"/>
+            <a:ext cx="10180320" cy="461665"/>
           </a:xfrm>
           <a:prstGeom prst="rect">
             <a:avLst/>
           </a:prstGeom>
           <a:noFill/>
-        </p:spPr>
-        <p:txBody>
-          <a:bodyPr wrap="none" rtlCol="0">
+          <a:ln>
+            <a:noFill/>
+          </a:ln>
+          <a:effectLst/>
+          <a:extLst>
+            <a:ext uri="{909E8E84-426E-40DD-AFC4-6F175D3DCCD1}">
+              <a14:hiddenFill xmlns:a14="http://schemas.microsoft.com/office/drawing/2010/main">
+                <a:solidFill>
+                  <a:schemeClr val="accent1"/>
+                </a:solidFill>
+              </a14:hiddenFill>
+            </a:ext>
+            <a:ext uri="{91240B29-F687-4F45-9708-019B960494DF}">
+              <a14:hiddenLine xmlns:a14="http://schemas.microsoft.com/office/drawing/2010/main" w="9525">
+                <a:solidFill>
+                  <a:schemeClr val="tx1"/>
+                </a:solidFill>
+                <a:miter lim="800000"/>
+                <a:headEnd/>
+                <a:tailEnd/>
+              </a14:hiddenLine>
+            </a:ext>
+            <a:ext uri="{AF507438-7753-43E0-B8FC-AC1667EBCBE1}">
+              <a14:hiddenEffects xmlns:a14="http://schemas.microsoft.com/office/drawing/2010/main">
+                <a:effectLst>
+                  <a:outerShdw dist="35921" dir="2700000" algn="ctr" rotWithShape="0">
+                    <a:schemeClr val="bg2"/>
+                  </a:outerShdw>
+                </a:effectLst>
+              </a14:hiddenEffects>
+            </a:ext>
+          </a:extLst>
+        </p:spPr>
+        <p:txBody>
+          <a:bodyPr vert="horz" wrap="square" lIns="91440" tIns="45720" rIns="91440" bIns="45720" numCol="1" anchor="ctr" anchorCtr="0" compatLnSpc="1">
+            <a:prstTxWarp prst="textNoShape">
+              <a:avLst/>
+            </a:prstTxWarp>
             <a:spAutoFit/>
           </a:bodyPr>
-          <a:lstStyle/>
-          <a:p>
-            <a:r>
-              <a:rPr lang="zh-CN" altLang="en-US" sz="2400" dirty="0" smtClean="0"/>
-              <a:t>消息队列的四大好处：</a:t>
-            </a:r>
-            <a:endParaRPr lang="en-US" altLang="zh-CN" sz="2400" dirty="0" smtClean="0"/>
-          </a:p>
-        </p:txBody>
-      </p:sp>
-      <p:sp>
-        <p:nvSpPr>
-          <p:cNvPr id="3" name="文本框 2"/>
-          <p:cNvSpPr txBox="1"/>
+          <a:lstStyle>
+            <a:lvl1pPr eaLnBrk="0" fontAlgn="base" hangingPunct="0">
+              <a:spcBef>
+                <a:spcPct val="0"/>
+              </a:spcBef>
+              <a:spcAft>
+                <a:spcPct val="0"/>
+              </a:spcAft>
+              <a:defRPr>
+                <a:solidFill>
+                  <a:schemeClr val="tx1"/>
+                </a:solidFill>
+                <a:latin typeface="Arial" panose="020B0604020202020204" pitchFamily="34" charset="0"/>
+              </a:defRPr>
+            </a:lvl1pPr>
+            <a:lvl2pPr eaLnBrk="0" fontAlgn="base" hangingPunct="0">
+              <a:spcBef>
+                <a:spcPct val="0"/>
+              </a:spcBef>
+              <a:spcAft>
+                <a:spcPct val="0"/>
+              </a:spcAft>
+              <a:defRPr>
+                <a:solidFill>
+                  <a:schemeClr val="tx1"/>
+                </a:solidFill>
+                <a:latin typeface="Arial" panose="020B0604020202020204" pitchFamily="34" charset="0"/>
+              </a:defRPr>
+            </a:lvl2pPr>
+            <a:lvl3pPr eaLnBrk="0" fontAlgn="base" hangingPunct="0">
+              <a:spcBef>
+                <a:spcPct val="0"/>
+              </a:spcBef>
+              <a:spcAft>
+                <a:spcPct val="0"/>
+              </a:spcAft>
+              <a:defRPr>
+                <a:solidFill>
+                  <a:schemeClr val="tx1"/>
+                </a:solidFill>
+                <a:latin typeface="Arial" panose="020B0604020202020204" pitchFamily="34" charset="0"/>
+              </a:defRPr>
+            </a:lvl3pPr>
+            <a:lvl4pPr eaLnBrk="0" fontAlgn="base" hangingPunct="0">
+              <a:spcBef>
+                <a:spcPct val="0"/>
+              </a:spcBef>
+              <a:spcAft>
+                <a:spcPct val="0"/>
+              </a:spcAft>
+              <a:defRPr>
+                <a:solidFill>
+                  <a:schemeClr val="tx1"/>
+                </a:solidFill>
+                <a:latin typeface="Arial" panose="020B0604020202020204" pitchFamily="34" charset="0"/>
+              </a:defRPr>
+            </a:lvl4pPr>
+            <a:lvl5pPr eaLnBrk="0" fontAlgn="base" hangingPunct="0">
+              <a:spcBef>
+                <a:spcPct val="0"/>
+              </a:spcBef>
+              <a:spcAft>
+                <a:spcPct val="0"/>
+              </a:spcAft>
+              <a:defRPr>
+                <a:solidFill>
+                  <a:schemeClr val="tx1"/>
+                </a:solidFill>
+                <a:latin typeface="Arial" panose="020B0604020202020204" pitchFamily="34" charset="0"/>
+              </a:defRPr>
+            </a:lvl5pPr>
+            <a:lvl6pPr eaLnBrk="0" fontAlgn="base" hangingPunct="0">
+              <a:spcBef>
+                <a:spcPct val="0"/>
+              </a:spcBef>
+              <a:spcAft>
+                <a:spcPct val="0"/>
+              </a:spcAft>
+              <a:defRPr>
+                <a:solidFill>
+                  <a:schemeClr val="tx1"/>
+                </a:solidFill>
+                <a:latin typeface="Arial" panose="020B0604020202020204" pitchFamily="34" charset="0"/>
+              </a:defRPr>
+            </a:lvl6pPr>
+            <a:lvl7pPr eaLnBrk="0" fontAlgn="base" hangingPunct="0">
+              <a:spcBef>
+                <a:spcPct val="0"/>
+              </a:spcBef>
+              <a:spcAft>
+                <a:spcPct val="0"/>
+              </a:spcAft>
+              <a:defRPr>
+                <a:solidFill>
+                  <a:schemeClr val="tx1"/>
+                </a:solidFill>
+                <a:latin typeface="Arial" panose="020B0604020202020204" pitchFamily="34" charset="0"/>
+              </a:defRPr>
+            </a:lvl7pPr>
+            <a:lvl8pPr eaLnBrk="0" fontAlgn="base" hangingPunct="0">
+              <a:spcBef>
+                <a:spcPct val="0"/>
+              </a:spcBef>
+              <a:spcAft>
+                <a:spcPct val="0"/>
+              </a:spcAft>
+              <a:defRPr>
+                <a:solidFill>
+                  <a:schemeClr val="tx1"/>
+                </a:solidFill>
+                <a:latin typeface="Arial" panose="020B0604020202020204" pitchFamily="34" charset="0"/>
+              </a:defRPr>
+            </a:lvl8pPr>
+            <a:lvl9pPr eaLnBrk="0" fontAlgn="base" hangingPunct="0">
+              <a:spcBef>
+                <a:spcPct val="0"/>
+              </a:spcBef>
+              <a:spcAft>
+                <a:spcPct val="0"/>
+              </a:spcAft>
+              <a:defRPr>
+                <a:solidFill>
+                  <a:schemeClr val="tx1"/>
+                </a:solidFill>
+                <a:latin typeface="Arial" panose="020B0604020202020204" pitchFamily="34" charset="0"/>
+              </a:defRPr>
+            </a:lvl9pPr>
+          </a:lstStyle>
+          <a:p>
+            <a:pPr marL="0" marR="0" lvl="0" indent="0" algn="just" defTabSz="914400" rtl="0" eaLnBrk="0" fontAlgn="base" latinLnBrk="0" hangingPunct="0">
+              <a:lnSpc>
+                <a:spcPct val="100000"/>
+              </a:lnSpc>
+              <a:spcBef>
+                <a:spcPct val="0"/>
+              </a:spcBef>
+              <a:spcAft>
+                <a:spcPct val="0"/>
+              </a:spcAft>
+              <a:buClrTx/>
+              <a:buSzTx/>
+              <a:buFontTx/>
+              <a:buNone/>
+              <a:tabLst/>
+            </a:pPr>
+            <a:r>
+              <a:rPr kumimoji="0" lang="zh-CN" altLang="zh-CN" sz="2400" b="0" i="0" u="none" strike="noStrike" cap="none" normalizeH="0" baseline="0" dirty="0" smtClean="0">
+                <a:ln>
+                  <a:noFill/>
+                </a:ln>
+                <a:solidFill>
+                  <a:srgbClr val="4F4F4F"/>
+                </a:solidFill>
+                <a:effectLst/>
+                <a:latin typeface="Arial" panose="020B0604020202020204" pitchFamily="34" charset="0"/>
+                <a:ea typeface="PingFang SC"/>
+              </a:rPr>
+              <a:t>引入消息队列，将不是必须的业务逻辑，异步处理。改造后的架构如下：</a:t>
+            </a:r>
+            <a:endParaRPr kumimoji="0" lang="zh-CN" altLang="zh-CN" sz="2400" b="0" i="0" u="none" strike="noStrike" cap="none" normalizeH="0" baseline="0" dirty="0" smtClean="0">
+              <a:ln>
+                <a:noFill/>
+              </a:ln>
+              <a:solidFill>
+                <a:schemeClr val="tx1"/>
+              </a:solidFill>
+              <a:effectLst/>
+              <a:latin typeface="Arial" panose="020B0604020202020204" pitchFamily="34" charset="0"/>
+            </a:endParaRPr>
+          </a:p>
+        </p:txBody>
+      </p:sp>
+      <p:pic>
+        <p:nvPicPr>
+          <p:cNvPr id="1026" name="Picture 2" descr="http://finalshares.cn/attachment/threadsImgs/images2015.cnblogs.com/blog/820332/201601/820332-20160124211131625-1083908699.png"/>
+          <p:cNvPicPr>
+            <a:picLocks noChangeAspect="1" noChangeArrowheads="1"/>
+          </p:cNvPicPr>
           <p:nvPr/>
-        </p:nvSpPr>
-        <p:spPr>
-          <a:xfrm>
-            <a:off x="1112520" y="1676400"/>
-            <a:ext cx="9631680" cy="2169825"/>
+        </p:nvPicPr>
+        <p:blipFill>
+          <a:blip r:embed="rId2">
+            <a:extLst>
+              <a:ext uri="{28A0092B-C50C-407E-A947-70E740481C1C}">
+                <a14:useLocalDpi xmlns:a14="http://schemas.microsoft.com/office/drawing/2010/main" val="0"/>
+              </a:ext>
+            </a:extLst>
+          </a:blip>
+          <a:srcRect/>
+          <a:stretch>
+            <a:fillRect/>
+          </a:stretch>
+        </p:blipFill>
+        <p:spPr bwMode="auto">
+          <a:xfrm>
+            <a:off x="1154429" y="2026920"/>
+            <a:ext cx="6342743" cy="2103120"/>
           </a:xfrm>
           <a:prstGeom prst="rect">
             <a:avLst/>
           </a:prstGeom>
           <a:noFill/>
-        </p:spPr>
-        <p:txBody>
-          <a:bodyPr wrap="square" rtlCol="0">
-            <a:spAutoFit/>
-          </a:bodyPr>
-          <a:lstStyle/>
-          <a:p>
-            <a:pPr>
-              <a:spcAft>
-                <a:spcPts val="1800"/>
-              </a:spcAft>
-            </a:pPr>
-            <a:r>
-              <a:rPr lang="en-US" altLang="zh-CN" sz="2400" dirty="0" smtClean="0">
-                <a:solidFill>
-                  <a:schemeClr val="tx1">
-                    <a:lumMod val="85000"/>
-                    <a:lumOff val="15000"/>
-                  </a:schemeClr>
-                </a:solidFill>
-                <a:latin typeface="华文楷体" panose="02010600040101010101" pitchFamily="2" charset="-122"/>
-                <a:ea typeface="华文楷体" panose="02010600040101010101" pitchFamily="2" charset="-122"/>
-              </a:rPr>
-              <a:t>2.</a:t>
-            </a:r>
-            <a:r>
-              <a:rPr lang="zh-CN" altLang="en-US" sz="2400" dirty="0" smtClean="0">
-                <a:solidFill>
-                  <a:schemeClr val="tx1">
-                    <a:lumMod val="85000"/>
-                    <a:lumOff val="15000"/>
-                  </a:schemeClr>
-                </a:solidFill>
-                <a:latin typeface="华文楷体" panose="02010600040101010101" pitchFamily="2" charset="-122"/>
-                <a:ea typeface="华文楷体" panose="02010600040101010101" pitchFamily="2" charset="-122"/>
-              </a:rPr>
-              <a:t>提速</a:t>
-            </a:r>
-            <a:endParaRPr lang="en-US" altLang="zh-CN" sz="2400" dirty="0" smtClean="0">
-              <a:solidFill>
-                <a:schemeClr val="tx1">
-                  <a:lumMod val="85000"/>
-                  <a:lumOff val="15000"/>
-                </a:schemeClr>
-              </a:solidFill>
-              <a:latin typeface="华文楷体" panose="02010600040101010101" pitchFamily="2" charset="-122"/>
-              <a:ea typeface="华文楷体" panose="02010600040101010101" pitchFamily="2" charset="-122"/>
-            </a:endParaRPr>
-          </a:p>
-          <a:p>
-            <a:pPr>
-              <a:spcAft>
-                <a:spcPts val="1800"/>
-              </a:spcAft>
-            </a:pPr>
-            <a:r>
-              <a:rPr lang="zh-CN" altLang="en-US" sz="2400" dirty="0">
-                <a:solidFill>
-                  <a:schemeClr val="tx1">
-                    <a:lumMod val="85000"/>
-                    <a:lumOff val="15000"/>
-                  </a:schemeClr>
-                </a:solidFill>
-                <a:latin typeface="华文楷体" panose="02010600040101010101" pitchFamily="2" charset="-122"/>
-                <a:ea typeface="华文楷体" panose="02010600040101010101" pitchFamily="2" charset="-122"/>
-              </a:rPr>
-              <a:t>小</a:t>
-            </a:r>
-            <a:r>
-              <a:rPr lang="zh-CN" altLang="en-US" sz="2400" dirty="0" smtClean="0">
-                <a:solidFill>
-                  <a:schemeClr val="tx1">
-                    <a:lumMod val="85000"/>
-                    <a:lumOff val="15000"/>
-                  </a:schemeClr>
-                </a:solidFill>
-                <a:latin typeface="华文楷体" panose="02010600040101010101" pitchFamily="2" charset="-122"/>
-                <a:ea typeface="华文楷体" panose="02010600040101010101" pitchFamily="2" charset="-122"/>
-              </a:rPr>
-              <a:t>红选择相信</a:t>
-            </a:r>
-            <a:r>
-              <a:rPr lang="en-US" altLang="zh-CN" sz="2400" dirty="0" smtClean="0">
-                <a:solidFill>
-                  <a:schemeClr val="tx1">
-                    <a:lumMod val="85000"/>
-                    <a:lumOff val="15000"/>
-                  </a:schemeClr>
-                </a:solidFill>
-                <a:latin typeface="华文楷体" panose="02010600040101010101" pitchFamily="2" charset="-122"/>
-                <a:ea typeface="华文楷体" panose="02010600040101010101" pitchFamily="2" charset="-122"/>
-              </a:rPr>
-              <a:t>【</a:t>
-            </a:r>
-            <a:r>
-              <a:rPr lang="zh-CN" altLang="en-US" sz="2400" dirty="0" smtClean="0">
-                <a:solidFill>
-                  <a:schemeClr val="tx1">
-                    <a:lumMod val="85000"/>
-                    <a:lumOff val="15000"/>
-                  </a:schemeClr>
-                </a:solidFill>
-                <a:latin typeface="华文楷体" panose="02010600040101010101" pitchFamily="2" charset="-122"/>
-                <a:ea typeface="华文楷体" panose="02010600040101010101" pitchFamily="2" charset="-122"/>
-              </a:rPr>
-              <a:t>把书放到书架上，别的我不问</a:t>
-            </a:r>
-            <a:r>
-              <a:rPr lang="en-US" altLang="zh-CN" sz="2400" dirty="0" smtClean="0">
-                <a:solidFill>
-                  <a:schemeClr val="tx1">
-                    <a:lumMod val="85000"/>
-                    <a:lumOff val="15000"/>
-                  </a:schemeClr>
-                </a:solidFill>
-                <a:latin typeface="华文楷体" panose="02010600040101010101" pitchFamily="2" charset="-122"/>
-                <a:ea typeface="华文楷体" panose="02010600040101010101" pitchFamily="2" charset="-122"/>
-              </a:rPr>
-              <a:t>】</a:t>
-            </a:r>
-            <a:r>
-              <a:rPr lang="zh-CN" altLang="en-US" sz="2400" dirty="0" smtClean="0">
-                <a:solidFill>
-                  <a:schemeClr val="tx1">
-                    <a:lumMod val="85000"/>
-                    <a:lumOff val="15000"/>
-                  </a:schemeClr>
-                </a:solidFill>
-                <a:latin typeface="华文楷体" panose="02010600040101010101" pitchFamily="2" charset="-122"/>
-                <a:ea typeface="华文楷体" panose="02010600040101010101" pitchFamily="2" charset="-122"/>
-              </a:rPr>
-              <a:t>为自己节省了大量时间。</a:t>
-            </a:r>
-            <a:endParaRPr lang="en-US" altLang="zh-CN" sz="2400" dirty="0" smtClean="0">
-              <a:solidFill>
-                <a:schemeClr val="tx1">
-                  <a:lumMod val="85000"/>
-                  <a:lumOff val="15000"/>
-                </a:schemeClr>
-              </a:solidFill>
-              <a:latin typeface="华文楷体" panose="02010600040101010101" pitchFamily="2" charset="-122"/>
-              <a:ea typeface="华文楷体" panose="02010600040101010101" pitchFamily="2" charset="-122"/>
-            </a:endParaRPr>
-          </a:p>
-          <a:p>
-            <a:pPr>
-              <a:spcAft>
-                <a:spcPts val="1800"/>
-              </a:spcAft>
-            </a:pPr>
-            <a:r>
-              <a:rPr lang="zh-CN" altLang="en-US" sz="2400" dirty="0">
-                <a:solidFill>
-                  <a:schemeClr val="tx1">
-                    <a:lumMod val="85000"/>
-                    <a:lumOff val="15000"/>
-                  </a:schemeClr>
-                </a:solidFill>
-                <a:latin typeface="华文楷体" panose="02010600040101010101" pitchFamily="2" charset="-122"/>
-                <a:ea typeface="华文楷体" panose="02010600040101010101" pitchFamily="2" charset="-122"/>
-              </a:rPr>
-              <a:t>小</a:t>
-            </a:r>
-            <a:r>
-              <a:rPr lang="zh-CN" altLang="en-US" sz="2400" dirty="0" smtClean="0">
-                <a:solidFill>
-                  <a:schemeClr val="tx1">
-                    <a:lumMod val="85000"/>
-                    <a:lumOff val="15000"/>
-                  </a:schemeClr>
-                </a:solidFill>
-                <a:latin typeface="华文楷体" panose="02010600040101010101" pitchFamily="2" charset="-122"/>
-                <a:ea typeface="华文楷体" panose="02010600040101010101" pitchFamily="2" charset="-122"/>
-              </a:rPr>
-              <a:t>红很忙，只能抽出五分钟时间，但这时间足够把书放到书架上了。</a:t>
-            </a:r>
-            <a:endParaRPr lang="en-US" altLang="zh-CN" sz="2400" dirty="0">
-              <a:solidFill>
-                <a:schemeClr val="tx1">
-                  <a:lumMod val="85000"/>
-                  <a:lumOff val="15000"/>
-                </a:schemeClr>
-              </a:solidFill>
-              <a:latin typeface="华文楷体" panose="02010600040101010101" pitchFamily="2" charset="-122"/>
-              <a:ea typeface="华文楷体" panose="02010600040101010101" pitchFamily="2" charset="-122"/>
-            </a:endParaRPr>
-          </a:p>
-          <a:p>
-            <a:endParaRPr lang="zh-CN" altLang="en-US" dirty="0"/>
-          </a:p>
-        </p:txBody>
-      </p:sp>
-      <p:sp>
-        <p:nvSpPr>
-          <p:cNvPr id="4" name="文本框 3"/>
+          <a:extLst>
+            <a:ext uri="{909E8E84-426E-40DD-AFC4-6F175D3DCCD1}">
+              <a14:hiddenFill xmlns:a14="http://schemas.microsoft.com/office/drawing/2010/main">
+                <a:solidFill>
+                  <a:srgbClr val="FFFFFF"/>
+                </a:solidFill>
+              </a14:hiddenFill>
+            </a:ext>
+          </a:extLst>
+        </p:spPr>
+      </p:pic>
+      <p:sp>
+        <p:nvSpPr>
+          <p:cNvPr id="3" name="文本框 2"/>
           <p:cNvSpPr txBox="1"/>
           <p:nvPr/>
         </p:nvSpPr>
         <p:spPr>
           <a:xfrm>
-            <a:off x="1112520" y="3642360"/>
-            <a:ext cx="9631680" cy="1938992"/>
+            <a:off x="1341120" y="4709160"/>
+            <a:ext cx="9520555" cy="461665"/>
           </a:xfrm>
           <a:prstGeom prst="rect">
             <a:avLst/>
@@ -6785,92 +10273,57 @@
           <a:noFill/>
         </p:spPr>
         <p:txBody>
-          <a:bodyPr wrap="square" rtlCol="0">
+          <a:bodyPr wrap="none" rtlCol="0">
             <a:spAutoFit/>
           </a:bodyPr>
           <a:lstStyle/>
           <a:p>
-            <a:pPr>
-              <a:spcAft>
-                <a:spcPts val="1800"/>
-              </a:spcAft>
-            </a:pPr>
+            <a:r>
+              <a:rPr lang="zh-CN" altLang="en-US" sz="2400" dirty="0" smtClean="0">
+                <a:latin typeface="华文楷体" panose="02010600040101010101" pitchFamily="2" charset="-122"/>
+                <a:ea typeface="华文楷体" panose="02010600040101010101" pitchFamily="2" charset="-122"/>
+              </a:rPr>
+              <a:t>响应时间</a:t>
+            </a:r>
             <a:r>
               <a:rPr lang="en-US" altLang="zh-CN" sz="2400" dirty="0" smtClean="0">
-                <a:solidFill>
-                  <a:schemeClr val="tx1">
-                    <a:lumMod val="85000"/>
-                    <a:lumOff val="15000"/>
-                  </a:schemeClr>
-                </a:solidFill>
-                <a:latin typeface="华文楷体" panose="02010600040101010101" pitchFamily="2" charset="-122"/>
-                <a:ea typeface="华文楷体" panose="02010600040101010101" pitchFamily="2" charset="-122"/>
-              </a:rPr>
-              <a:t>3.</a:t>
+                <a:latin typeface="华文楷体" panose="02010600040101010101" pitchFamily="2" charset="-122"/>
+                <a:ea typeface="华文楷体" panose="02010600040101010101" pitchFamily="2" charset="-122"/>
+              </a:rPr>
+              <a:t>=</a:t>
             </a:r>
             <a:r>
               <a:rPr lang="zh-CN" altLang="en-US" sz="2400" dirty="0" smtClean="0">
-                <a:solidFill>
-                  <a:schemeClr val="tx1">
-                    <a:lumMod val="85000"/>
-                    <a:lumOff val="15000"/>
-                  </a:schemeClr>
-                </a:solidFill>
-                <a:latin typeface="华文楷体" panose="02010600040101010101" pitchFamily="2" charset="-122"/>
-                <a:ea typeface="华文楷体" panose="02010600040101010101" pitchFamily="2" charset="-122"/>
-              </a:rPr>
-              <a:t>广播</a:t>
+                <a:latin typeface="华文楷体" panose="02010600040101010101" pitchFamily="2" charset="-122"/>
+                <a:ea typeface="华文楷体" panose="02010600040101010101" pitchFamily="2" charset="-122"/>
+              </a:rPr>
+              <a:t>注册信息写入数据库时间</a:t>
+            </a:r>
+            <a:r>
+              <a:rPr lang="en-US" altLang="zh-CN" sz="2400" dirty="0" smtClean="0">
+                <a:latin typeface="华文楷体" panose="02010600040101010101" pitchFamily="2" charset="-122"/>
+                <a:ea typeface="华文楷体" panose="02010600040101010101" pitchFamily="2" charset="-122"/>
+              </a:rPr>
+              <a:t>+</a:t>
+            </a:r>
+            <a:r>
+              <a:rPr lang="zh-CN" altLang="en-US" sz="2400" dirty="0" smtClean="0">
+                <a:latin typeface="华文楷体" panose="02010600040101010101" pitchFamily="2" charset="-122"/>
+                <a:ea typeface="华文楷体" panose="02010600040101010101" pitchFamily="2" charset="-122"/>
+              </a:rPr>
+              <a:t>写入消息队列时间（基本忽略）</a:t>
             </a:r>
             <a:endParaRPr lang="en-US" altLang="zh-CN" sz="2400" dirty="0" smtClean="0">
-              <a:solidFill>
-                <a:schemeClr val="tx1">
-                  <a:lumMod val="85000"/>
-                  <a:lumOff val="15000"/>
-                </a:schemeClr>
-              </a:solidFill>
               <a:latin typeface="华文楷体" panose="02010600040101010101" pitchFamily="2" charset="-122"/>
               <a:ea typeface="华文楷体" panose="02010600040101010101" pitchFamily="2" charset="-122"/>
             </a:endParaRPr>
           </a:p>
-          <a:p>
-            <a:pPr>
-              <a:spcAft>
-                <a:spcPts val="1800"/>
-              </a:spcAft>
-            </a:pPr>
-            <a:r>
-              <a:rPr lang="zh-CN" altLang="en-US" sz="2400" dirty="0">
-                <a:solidFill>
-                  <a:schemeClr val="tx1">
-                    <a:lumMod val="85000"/>
-                    <a:lumOff val="15000"/>
-                  </a:schemeClr>
-                </a:solidFill>
-                <a:latin typeface="华文楷体" panose="02010600040101010101" pitchFamily="2" charset="-122"/>
-                <a:ea typeface="华文楷体" panose="02010600040101010101" pitchFamily="2" charset="-122"/>
-              </a:rPr>
-              <a:t>小红只需要劳动一次，就可以让多个小伙伴有书可读，这大大地节省了她的时间，也让新的小伙伴的加入成本很低。</a:t>
-            </a:r>
-            <a:endParaRPr lang="en-US" altLang="zh-CN" sz="2400" dirty="0">
-              <a:solidFill>
-                <a:schemeClr val="tx1">
-                  <a:lumMod val="85000"/>
-                  <a:lumOff val="15000"/>
-                </a:schemeClr>
-              </a:solidFill>
-              <a:latin typeface="华文楷体" panose="02010600040101010101" pitchFamily="2" charset="-122"/>
-              <a:ea typeface="华文楷体" panose="02010600040101010101" pitchFamily="2" charset="-122"/>
-            </a:endParaRPr>
-          </a:p>
-          <a:p>
-            <a:endParaRPr lang="zh-CN" altLang="en-US" dirty="0"/>
-          </a:p>
         </p:txBody>
       </p:sp>
     </p:spTree>
     <p:extLst>
       <p:ext uri="{BB962C8B-B14F-4D97-AF65-F5344CB8AC3E}">
-        <p14:creationId xmlns:p14="http://schemas.microsoft.com/office/powerpoint/2010/main" val="2662231331"/>
+        <p14:creationId xmlns:p14="http://schemas.microsoft.com/office/powerpoint/2010/main" val="425268791"/>
       </p:ext>
     </p:extLst>
   </p:cSld>
@@ -6899,14 +10352,47 @@
       </p:grpSpPr>
       <p:sp>
         <p:nvSpPr>
-          <p:cNvPr id="2" name="文本框 1"/>
+          <p:cNvPr id="2" name="矩形 1"/>
+          <p:cNvSpPr/>
+          <p:nvPr/>
+        </p:nvSpPr>
+        <p:spPr>
+          <a:xfrm>
+            <a:off x="1150604" y="912614"/>
+            <a:ext cx="1867819" cy="461665"/>
+          </a:xfrm>
+          <a:prstGeom prst="rect">
+            <a:avLst/>
+          </a:prstGeom>
+        </p:spPr>
+        <p:txBody>
+          <a:bodyPr wrap="none">
+            <a:spAutoFit/>
+          </a:bodyPr>
+          <a:lstStyle/>
+          <a:p>
+            <a:r>
+              <a:rPr lang="en-US" altLang="zh-CN" sz="2400" dirty="0"/>
+              <a:t>2</a:t>
+            </a:r>
+            <a:r>
+              <a:rPr lang="zh-CN" altLang="en-US" sz="2400" dirty="0"/>
+              <a:t>、应用解耦</a:t>
+            </a:r>
+            <a:endParaRPr lang="en-US" altLang="zh-CN" sz="2400" dirty="0"/>
+          </a:p>
+        </p:txBody>
+      </p:sp>
+      <p:sp>
+        <p:nvSpPr>
+          <p:cNvPr id="4" name="文本框 3"/>
           <p:cNvSpPr txBox="1"/>
           <p:nvPr/>
         </p:nvSpPr>
         <p:spPr>
           <a:xfrm>
-            <a:off x="1112520" y="868680"/>
-            <a:ext cx="3262432" cy="461665"/>
+            <a:off x="1530515" y="2074426"/>
+            <a:ext cx="1107996" cy="369332"/>
           </a:xfrm>
           <a:prstGeom prst="rect">
             <a:avLst/>
@@ -6920,126 +10406,134 @@
           <a:lstStyle/>
           <a:p>
             <a:r>
-              <a:rPr lang="zh-CN" altLang="en-US" sz="2400" dirty="0" smtClean="0"/>
-              <a:t>消息队列的四大好处：</a:t>
-            </a:r>
-            <a:endParaRPr lang="en-US" altLang="zh-CN" sz="2400" dirty="0" smtClean="0"/>
-          </a:p>
-        </p:txBody>
-      </p:sp>
-      <p:sp>
-        <p:nvSpPr>
-          <p:cNvPr id="3" name="文本框 2"/>
-          <p:cNvSpPr txBox="1"/>
+              <a:rPr lang="zh-CN" altLang="en-US" dirty="0" smtClean="0"/>
+              <a:t>订单系统</a:t>
+            </a:r>
+            <a:endParaRPr lang="en-US" altLang="zh-CN" dirty="0" smtClean="0"/>
+          </a:p>
+        </p:txBody>
+      </p:sp>
+      <p:pic>
+        <p:nvPicPr>
+          <p:cNvPr id="2050" name="Picture 2" descr="http://finalshares.cn/attachment/threadsImgs/images2015.cnblogs.com/blog/820332/201601/820332-20160124211254187-1511483255.png"/>
+          <p:cNvPicPr>
+            <a:picLocks noChangeAspect="1" noChangeArrowheads="1"/>
+          </p:cNvPicPr>
           <p:nvPr/>
-        </p:nvSpPr>
-        <p:spPr>
-          <a:xfrm>
-            <a:off x="1112520" y="1676400"/>
-            <a:ext cx="9631680" cy="1431161"/>
+        </p:nvPicPr>
+        <p:blipFill>
+          <a:blip r:embed="rId2">
+            <a:extLst>
+              <a:ext uri="{28A0092B-C50C-407E-A947-70E740481C1C}">
+                <a14:useLocalDpi xmlns:a14="http://schemas.microsoft.com/office/drawing/2010/main" val="0"/>
+              </a:ext>
+            </a:extLst>
+          </a:blip>
+          <a:srcRect/>
+          <a:stretch>
+            <a:fillRect/>
+          </a:stretch>
+        </p:blipFill>
+        <p:spPr bwMode="auto">
+          <a:xfrm>
+            <a:off x="3475623" y="1428512"/>
+            <a:ext cx="4358640" cy="1661160"/>
           </a:xfrm>
           <a:prstGeom prst="rect">
             <a:avLst/>
           </a:prstGeom>
           <a:noFill/>
-        </p:spPr>
-        <p:txBody>
-          <a:bodyPr wrap="square" rtlCol="0">
+          <a:extLst>
+            <a:ext uri="{909E8E84-426E-40DD-AFC4-6F175D3DCCD1}">
+              <a14:hiddenFill xmlns:a14="http://schemas.microsoft.com/office/drawing/2010/main">
+                <a:solidFill>
+                  <a:srgbClr val="FFFFFF"/>
+                </a:solidFill>
+              </a14:hiddenFill>
+            </a:ext>
+          </a:extLst>
+        </p:spPr>
+      </p:pic>
+      <p:sp>
+        <p:nvSpPr>
+          <p:cNvPr id="5" name="文本框 4"/>
+          <p:cNvSpPr txBox="1"/>
+          <p:nvPr/>
+        </p:nvSpPr>
+        <p:spPr>
+          <a:xfrm>
+            <a:off x="1530515" y="3789819"/>
+            <a:ext cx="9562233" cy="1200329"/>
+          </a:xfrm>
+          <a:prstGeom prst="rect">
+            <a:avLst/>
+          </a:prstGeom>
+          <a:noFill/>
+        </p:spPr>
+        <p:txBody>
+          <a:bodyPr wrap="none" rtlCol="0">
             <a:spAutoFit/>
           </a:bodyPr>
           <a:lstStyle/>
           <a:p>
-            <a:pPr>
-              <a:spcAft>
-                <a:spcPts val="1800"/>
-              </a:spcAft>
-            </a:pPr>
-            <a:r>
-              <a:rPr lang="en-US" altLang="zh-CN" sz="2400" dirty="0" smtClean="0">
-                <a:solidFill>
-                  <a:schemeClr val="tx1">
-                    <a:lumMod val="85000"/>
-                    <a:lumOff val="15000"/>
-                  </a:schemeClr>
-                </a:solidFill>
-                <a:latin typeface="华文楷体" panose="02010600040101010101" pitchFamily="2" charset="-122"/>
-                <a:ea typeface="华文楷体" panose="02010600040101010101" pitchFamily="2" charset="-122"/>
-              </a:rPr>
-              <a:t>4.</a:t>
-            </a:r>
             <a:r>
               <a:rPr lang="zh-CN" altLang="en-US" sz="2400" dirty="0" smtClean="0">
-                <a:solidFill>
-                  <a:schemeClr val="tx1">
-                    <a:lumMod val="85000"/>
-                    <a:lumOff val="15000"/>
-                  </a:schemeClr>
-                </a:solidFill>
-                <a:latin typeface="华文楷体" panose="02010600040101010101" pitchFamily="2" charset="-122"/>
-                <a:ea typeface="华文楷体" panose="02010600040101010101" pitchFamily="2" charset="-122"/>
-              </a:rPr>
-              <a:t>削峰</a:t>
+                <a:latin typeface="华文楷体" panose="02010600040101010101" pitchFamily="2" charset="-122"/>
+                <a:ea typeface="华文楷体" panose="02010600040101010101" pitchFamily="2" charset="-122"/>
+              </a:rPr>
+              <a:t>缺点：</a:t>
             </a:r>
             <a:endParaRPr lang="en-US" altLang="zh-CN" sz="2400" dirty="0" smtClean="0">
-              <a:solidFill>
-                <a:schemeClr val="tx1">
-                  <a:lumMod val="85000"/>
-                  <a:lumOff val="15000"/>
-                </a:schemeClr>
-              </a:solidFill>
               <a:latin typeface="华文楷体" panose="02010600040101010101" pitchFamily="2" charset="-122"/>
               <a:ea typeface="华文楷体" panose="02010600040101010101" pitchFamily="2" charset="-122"/>
             </a:endParaRPr>
           </a:p>
           <a:p>
-            <a:pPr>
-              <a:spcAft>
-                <a:spcPts val="1800"/>
-              </a:spcAft>
-            </a:pPr>
-            <a:r>
-              <a:rPr lang="zh-CN" altLang="en-US" sz="2400" dirty="0">
-                <a:solidFill>
-                  <a:schemeClr val="tx1">
-                    <a:lumMod val="85000"/>
-                    <a:lumOff val="15000"/>
-                  </a:schemeClr>
-                </a:solidFill>
-                <a:latin typeface="华文楷体" panose="02010600040101010101" pitchFamily="2" charset="-122"/>
-                <a:ea typeface="华文楷体" panose="02010600040101010101" pitchFamily="2" charset="-122"/>
-              </a:rPr>
-              <a:t>假设小明读书很慢，如果采用小红每给一本书都监督小明读完的方式，小明有压力，小红也不耐烦</a:t>
+            <a:r>
+              <a:rPr lang="en-US" altLang="zh-CN" sz="2400" dirty="0" smtClean="0">
+                <a:latin typeface="华文楷体" panose="02010600040101010101" pitchFamily="2" charset="-122"/>
+                <a:ea typeface="华文楷体" panose="02010600040101010101" pitchFamily="2" charset="-122"/>
+              </a:rPr>
+              <a:t>1</a:t>
             </a:r>
             <a:r>
               <a:rPr lang="zh-CN" altLang="en-US" sz="2400" dirty="0" smtClean="0">
-                <a:solidFill>
-                  <a:schemeClr val="tx1">
-                    <a:lumMod val="85000"/>
-                    <a:lumOff val="15000"/>
-                  </a:schemeClr>
-                </a:solidFill>
-                <a:latin typeface="华文楷体" panose="02010600040101010101" pitchFamily="2" charset="-122"/>
-                <a:ea typeface="华文楷体" panose="02010600040101010101" pitchFamily="2" charset="-122"/>
-              </a:rPr>
-              <a:t>。</a:t>
-            </a:r>
-            <a:endParaRPr lang="en-US" altLang="zh-CN" sz="2400" dirty="0">
-              <a:solidFill>
-                <a:schemeClr val="tx1">
-                  <a:lumMod val="85000"/>
-                  <a:lumOff val="15000"/>
-                </a:schemeClr>
-              </a:solidFill>
+                <a:latin typeface="华文楷体" panose="02010600040101010101" pitchFamily="2" charset="-122"/>
+                <a:ea typeface="华文楷体" panose="02010600040101010101" pitchFamily="2" charset="-122"/>
+              </a:rPr>
+              <a:t>、假如库存系统无法访问，则订单减库存将失败，从而导致订单失败</a:t>
+            </a:r>
+            <a:endParaRPr lang="en-US" altLang="zh-CN" sz="2400" dirty="0" smtClean="0">
               <a:latin typeface="华文楷体" panose="02010600040101010101" pitchFamily="2" charset="-122"/>
               <a:ea typeface="华文楷体" panose="02010600040101010101" pitchFamily="2" charset="-122"/>
             </a:endParaRPr>
           </a:p>
+          <a:p>
+            <a:r>
+              <a:rPr lang="en-US" altLang="zh-CN" sz="2400" dirty="0" smtClean="0">
+                <a:latin typeface="华文楷体" panose="02010600040101010101" pitchFamily="2" charset="-122"/>
+                <a:ea typeface="华文楷体" panose="02010600040101010101" pitchFamily="2" charset="-122"/>
+              </a:rPr>
+              <a:t>2</a:t>
+            </a:r>
+            <a:r>
+              <a:rPr lang="zh-CN" altLang="en-US" sz="2400" dirty="0" smtClean="0">
+                <a:latin typeface="华文楷体" panose="02010600040101010101" pitchFamily="2" charset="-122"/>
+                <a:ea typeface="华文楷体" panose="02010600040101010101" pitchFamily="2" charset="-122"/>
+              </a:rPr>
+              <a:t>、订单系统与库存系统耦合</a:t>
+            </a:r>
+            <a:endParaRPr lang="zh-CN" altLang="en-US" sz="2400" dirty="0">
+              <a:latin typeface="华文楷体" panose="02010600040101010101" pitchFamily="2" charset="-122"/>
+              <a:ea typeface="华文楷体" panose="02010600040101010101" pitchFamily="2" charset="-122"/>
+            </a:endParaRPr>
+          </a:p>
         </p:txBody>
       </p:sp>
     </p:spTree>
     <p:extLst>
       <p:ext uri="{BB962C8B-B14F-4D97-AF65-F5344CB8AC3E}">
-        <p14:creationId xmlns:p14="http://schemas.microsoft.com/office/powerpoint/2010/main" val="2824824520"/>
+        <p14:creationId xmlns:p14="http://schemas.microsoft.com/office/powerpoint/2010/main" val="3690897167"/>
       </p:ext>
     </p:extLst>
   </p:cSld>
@@ -7068,34 +10562,93 @@
       </p:grpSpPr>
       <p:sp>
         <p:nvSpPr>
-          <p:cNvPr id="2" name="文本框 1"/>
-          <p:cNvSpPr txBox="1"/>
+          <p:cNvPr id="2" name="矩形 1"/>
+          <p:cNvSpPr/>
           <p:nvPr/>
         </p:nvSpPr>
         <p:spPr>
           <a:xfrm>
-            <a:off x="1112520" y="868680"/>
-            <a:ext cx="2646878" cy="461665"/>
+            <a:off x="1052512" y="1110734"/>
+            <a:ext cx="4185761" cy="461665"/>
+          </a:xfrm>
+          <a:prstGeom prst="rect">
+            <a:avLst/>
+          </a:prstGeom>
+        </p:spPr>
+        <p:txBody>
+          <a:bodyPr wrap="none">
+            <a:spAutoFit/>
+          </a:bodyPr>
+          <a:lstStyle/>
+          <a:p>
+            <a:r>
+              <a:rPr lang="zh-CN" altLang="en-US" sz="2400" dirty="0">
+                <a:solidFill>
+                  <a:srgbClr val="4F4F4F"/>
+                </a:solidFill>
+                <a:latin typeface="华文楷体" panose="02010600040101010101" pitchFamily="2" charset="-122"/>
+                <a:ea typeface="华文楷体" panose="02010600040101010101" pitchFamily="2" charset="-122"/>
+              </a:rPr>
+              <a:t>引入应用消息队列后的</a:t>
+            </a:r>
+            <a:r>
+              <a:rPr lang="zh-CN" altLang="en-US" sz="2400" dirty="0" smtClean="0">
+                <a:solidFill>
+                  <a:srgbClr val="4F4F4F"/>
+                </a:solidFill>
+                <a:latin typeface="华文楷体" panose="02010600040101010101" pitchFamily="2" charset="-122"/>
+                <a:ea typeface="华文楷体" panose="02010600040101010101" pitchFamily="2" charset="-122"/>
+              </a:rPr>
+              <a:t>方案：</a:t>
+            </a:r>
+            <a:endParaRPr lang="zh-CN" altLang="en-US" sz="2400" dirty="0">
+              <a:latin typeface="华文楷体" panose="02010600040101010101" pitchFamily="2" charset="-122"/>
+              <a:ea typeface="华文楷体" panose="02010600040101010101" pitchFamily="2" charset="-122"/>
+            </a:endParaRPr>
+          </a:p>
+        </p:txBody>
+      </p:sp>
+      <p:pic>
+        <p:nvPicPr>
+          <p:cNvPr id="3074" name="Picture 2" descr="http://finalshares.cn/attachment/threadsImgs/images2015.cnblogs.com/blog/820332/201601/820332-20160124211307687-1914946501.png"/>
+          <p:cNvPicPr>
+            <a:picLocks noChangeAspect="1" noChangeArrowheads="1"/>
+          </p:cNvPicPr>
+          <p:nvPr/>
+        </p:nvPicPr>
+        <p:blipFill>
+          <a:blip r:embed="rId2">
+            <a:extLst>
+              <a:ext uri="{28A0092B-C50C-407E-A947-70E740481C1C}">
+                <a14:useLocalDpi xmlns:a14="http://schemas.microsoft.com/office/drawing/2010/main" val="0"/>
+              </a:ext>
+            </a:extLst>
+          </a:blip>
+          <a:srcRect/>
+          <a:stretch>
+            <a:fillRect/>
+          </a:stretch>
+        </p:blipFill>
+        <p:spPr bwMode="auto">
+          <a:xfrm>
+            <a:off x="5380672" y="927854"/>
+            <a:ext cx="4805156" cy="2485906"/>
           </a:xfrm>
           <a:prstGeom prst="rect">
             <a:avLst/>
           </a:prstGeom>
           <a:noFill/>
-        </p:spPr>
-        <p:txBody>
-          <a:bodyPr wrap="none" rtlCol="0">
-            <a:spAutoFit/>
-          </a:bodyPr>
-          <a:lstStyle/>
-          <a:p>
-            <a:r>
-              <a:rPr lang="zh-CN" altLang="en-US" sz="2400" dirty="0" smtClean="0"/>
-              <a:t>消息队列的成本：</a:t>
-            </a:r>
-            <a:endParaRPr lang="en-US" altLang="zh-CN" sz="2400" dirty="0" smtClean="0"/>
-          </a:p>
-        </p:txBody>
-      </p:sp>
+          <a:extLst>
+            <a:ext uri="{909E8E84-426E-40DD-AFC4-6F175D3DCCD1}">
+              <a14:hiddenFill xmlns:a14="http://schemas.microsoft.com/office/drawing/2010/main">
+                <a:solidFill>
+                  <a:srgbClr val="FFFFFF"/>
+                </a:solidFill>
+              </a14:hiddenFill>
+            </a:ext>
+          </a:extLst>
+        </p:spPr>
+      </p:pic>
       <p:sp>
         <p:nvSpPr>
           <p:cNvPr id="3" name="文本框 2"/>
@@ -7104,8 +10657,8 @@
         </p:nvSpPr>
         <p:spPr>
           <a:xfrm>
-            <a:off x="1112520" y="1615440"/>
-            <a:ext cx="9631680" cy="3600986"/>
+            <a:off x="594360" y="3772851"/>
+            <a:ext cx="11213326" cy="2246769"/>
           </a:xfrm>
           <a:prstGeom prst="rect">
             <a:avLst/>
@@ -7113,260 +10666,145 @@
           <a:noFill/>
         </p:spPr>
         <p:txBody>
-          <a:bodyPr wrap="square" rtlCol="0">
+          <a:bodyPr wrap="none" rtlCol="0">
             <a:spAutoFit/>
           </a:bodyPr>
           <a:lstStyle/>
           <a:p>
             <a:pPr>
-              <a:spcAft>
-                <a:spcPts val="1800"/>
-              </a:spcAft>
+              <a:spcBef>
+                <a:spcPts val="1200"/>
+              </a:spcBef>
             </a:pPr>
             <a:r>
-              <a:rPr lang="en-US" altLang="zh-CN" sz="2400" dirty="0">
-                <a:solidFill>
-                  <a:schemeClr val="tx1">
-                    <a:lumMod val="85000"/>
-                    <a:lumOff val="15000"/>
-                  </a:schemeClr>
-                </a:solidFill>
-                <a:latin typeface="华文楷体" panose="02010600040101010101" pitchFamily="2" charset="-122"/>
-                <a:ea typeface="华文楷体" panose="02010600040101010101" pitchFamily="2" charset="-122"/>
-              </a:rPr>
-              <a:t>1.</a:t>
-            </a:r>
-            <a:r>
-              <a:rPr lang="zh-CN" altLang="en-US" sz="2400" dirty="0">
-                <a:solidFill>
-                  <a:schemeClr val="tx1">
-                    <a:lumMod val="85000"/>
-                    <a:lumOff val="15000"/>
-                  </a:schemeClr>
-                </a:solidFill>
-                <a:latin typeface="华文楷体" panose="02010600040101010101" pitchFamily="2" charset="-122"/>
-                <a:ea typeface="华文楷体" panose="02010600040101010101" pitchFamily="2" charset="-122"/>
-              </a:rPr>
-              <a:t>引入复杂度</a:t>
-            </a:r>
-            <a:endParaRPr lang="en-US" altLang="zh-CN" sz="2400" dirty="0">
-              <a:solidFill>
-                <a:schemeClr val="tx1">
-                  <a:lumMod val="85000"/>
-                  <a:lumOff val="15000"/>
-                </a:schemeClr>
-              </a:solidFill>
+              <a:rPr lang="zh-CN" altLang="en-US" sz="2000" dirty="0" smtClean="0">
+                <a:latin typeface="华文楷体" panose="02010600040101010101" pitchFamily="2" charset="-122"/>
+                <a:ea typeface="华文楷体" panose="02010600040101010101" pitchFamily="2" charset="-122"/>
+              </a:rPr>
+              <a:t>订单系统：用户下单后，订单通完成持久化处理，将消息写入消息队列，返回用户订单下单成功。</a:t>
+            </a:r>
+            <a:endParaRPr lang="en-US" altLang="zh-CN" sz="2000" dirty="0" smtClean="0">
               <a:latin typeface="华文楷体" panose="02010600040101010101" pitchFamily="2" charset="-122"/>
               <a:ea typeface="华文楷体" panose="02010600040101010101" pitchFamily="2" charset="-122"/>
             </a:endParaRPr>
           </a:p>
           <a:p>
             <a:pPr>
-              <a:spcAft>
-                <a:spcPts val="1800"/>
-              </a:spcAft>
+              <a:spcBef>
+                <a:spcPts val="1200"/>
+              </a:spcBef>
             </a:pPr>
             <a:r>
-              <a:rPr lang="zh-CN" altLang="en-US" sz="2400" dirty="0">
-                <a:solidFill>
-                  <a:schemeClr val="tx1">
-                    <a:lumMod val="85000"/>
-                    <a:lumOff val="15000"/>
-                  </a:schemeClr>
-                </a:solidFill>
-                <a:latin typeface="华文楷体" panose="02010600040101010101" pitchFamily="2" charset="-122"/>
-                <a:ea typeface="华文楷体" panose="02010600040101010101" pitchFamily="2" charset="-122"/>
-              </a:rPr>
-              <a:t>毫无疑问，「书架」这东西是多出来的，需要地方放它，还需要防盗</a:t>
-            </a:r>
-            <a:r>
-              <a:rPr lang="zh-CN" altLang="en-US" sz="2400" dirty="0" smtClean="0">
-                <a:solidFill>
-                  <a:schemeClr val="tx1">
-                    <a:lumMod val="85000"/>
-                    <a:lumOff val="15000"/>
-                  </a:schemeClr>
-                </a:solidFill>
-                <a:latin typeface="华文楷体" panose="02010600040101010101" pitchFamily="2" charset="-122"/>
-                <a:ea typeface="华文楷体" panose="02010600040101010101" pitchFamily="2" charset="-122"/>
-              </a:rPr>
-              <a:t>。</a:t>
-            </a:r>
-            <a:endParaRPr lang="en-US" altLang="zh-CN" sz="2400" dirty="0">
-              <a:solidFill>
-                <a:schemeClr val="tx1">
-                  <a:lumMod val="85000"/>
-                  <a:lumOff val="15000"/>
-                </a:schemeClr>
-              </a:solidFill>
+              <a:rPr lang="zh-CN" altLang="en-US" sz="2000" dirty="0">
+                <a:latin typeface="华文楷体" panose="02010600040101010101" pitchFamily="2" charset="-122"/>
+                <a:ea typeface="华文楷体" panose="02010600040101010101" pitchFamily="2" charset="-122"/>
+              </a:rPr>
+              <a:t>库存</a:t>
+            </a:r>
+            <a:r>
+              <a:rPr lang="zh-CN" altLang="en-US" sz="2000" dirty="0" smtClean="0">
+                <a:latin typeface="华文楷体" panose="02010600040101010101" pitchFamily="2" charset="-122"/>
+                <a:ea typeface="华文楷体" panose="02010600040101010101" pitchFamily="2" charset="-122"/>
+              </a:rPr>
+              <a:t>系统：订阅下单的消息，采用拉</a:t>
+            </a:r>
+            <a:r>
+              <a:rPr lang="en-US" altLang="zh-CN" sz="2000" dirty="0" smtClean="0">
+                <a:latin typeface="华文楷体" panose="02010600040101010101" pitchFamily="2" charset="-122"/>
+                <a:ea typeface="华文楷体" panose="02010600040101010101" pitchFamily="2" charset="-122"/>
+              </a:rPr>
+              <a:t>/</a:t>
+            </a:r>
+            <a:r>
+              <a:rPr lang="zh-CN" altLang="en-US" sz="2000" dirty="0" smtClean="0">
+                <a:latin typeface="华文楷体" panose="02010600040101010101" pitchFamily="2" charset="-122"/>
+                <a:ea typeface="华文楷体" panose="02010600040101010101" pitchFamily="2" charset="-122"/>
+              </a:rPr>
+              <a:t>推的方式，获取下单信息，</a:t>
+            </a:r>
+            <a:endParaRPr lang="en-US" altLang="zh-CN" sz="2000" dirty="0" smtClean="0">
               <a:latin typeface="华文楷体" panose="02010600040101010101" pitchFamily="2" charset="-122"/>
               <a:ea typeface="华文楷体" panose="02010600040101010101" pitchFamily="2" charset="-122"/>
             </a:endParaRPr>
           </a:p>
           <a:p>
             <a:pPr>
-              <a:spcAft>
-                <a:spcPts val="1800"/>
-              </a:spcAft>
+              <a:spcBef>
+                <a:spcPts val="1200"/>
+              </a:spcBef>
             </a:pPr>
             <a:r>
-              <a:rPr lang="en-US" altLang="zh-CN" sz="2400" dirty="0" smtClean="0">
-                <a:solidFill>
-                  <a:schemeClr val="tx1">
-                    <a:lumMod val="85000"/>
-                    <a:lumOff val="15000"/>
-                  </a:schemeClr>
-                </a:solidFill>
-                <a:latin typeface="华文楷体" panose="02010600040101010101" pitchFamily="2" charset="-122"/>
-                <a:ea typeface="华文楷体" panose="02010600040101010101" pitchFamily="2" charset="-122"/>
-              </a:rPr>
-              <a:t>2</a:t>
-            </a:r>
-            <a:r>
-              <a:rPr lang="en-US" altLang="zh-CN" sz="2400" dirty="0">
-                <a:solidFill>
-                  <a:schemeClr val="tx1">
-                    <a:lumMod val="85000"/>
-                    <a:lumOff val="15000"/>
-                  </a:schemeClr>
-                </a:solidFill>
-                <a:latin typeface="华文楷体" panose="02010600040101010101" pitchFamily="2" charset="-122"/>
-                <a:ea typeface="华文楷体" panose="02010600040101010101" pitchFamily="2" charset="-122"/>
-              </a:rPr>
-              <a:t>.</a:t>
-            </a:r>
-            <a:r>
-              <a:rPr lang="zh-CN" altLang="en-US" sz="2400" dirty="0">
-                <a:solidFill>
-                  <a:schemeClr val="tx1">
-                    <a:lumMod val="85000"/>
-                    <a:lumOff val="15000"/>
-                  </a:schemeClr>
-                </a:solidFill>
-                <a:latin typeface="华文楷体" panose="02010600040101010101" pitchFamily="2" charset="-122"/>
-                <a:ea typeface="华文楷体" panose="02010600040101010101" pitchFamily="2" charset="-122"/>
-              </a:rPr>
-              <a:t>暂时的不一致性</a:t>
-            </a:r>
-            <a:endParaRPr lang="en-US" altLang="zh-CN" sz="2400" dirty="0">
-              <a:solidFill>
-                <a:schemeClr val="tx1">
-                  <a:lumMod val="85000"/>
-                  <a:lumOff val="15000"/>
-                </a:schemeClr>
-              </a:solidFill>
+              <a:rPr lang="en-US" altLang="zh-CN" sz="2000" dirty="0">
+                <a:latin typeface="华文楷体" panose="02010600040101010101" pitchFamily="2" charset="-122"/>
+                <a:ea typeface="华文楷体" panose="02010600040101010101" pitchFamily="2" charset="-122"/>
+              </a:rPr>
+              <a:t> </a:t>
+            </a:r>
+            <a:r>
+              <a:rPr lang="en-US" altLang="zh-CN" sz="2000" dirty="0" smtClean="0">
+                <a:latin typeface="华文楷体" panose="02010600040101010101" pitchFamily="2" charset="-122"/>
+                <a:ea typeface="华文楷体" panose="02010600040101010101" pitchFamily="2" charset="-122"/>
+              </a:rPr>
+              <a:t>                   </a:t>
+            </a:r>
+            <a:r>
+              <a:rPr lang="zh-CN" altLang="en-US" sz="2000" dirty="0" smtClean="0">
+                <a:latin typeface="华文楷体" panose="02010600040101010101" pitchFamily="2" charset="-122"/>
+                <a:ea typeface="华文楷体" panose="02010600040101010101" pitchFamily="2" charset="-122"/>
+              </a:rPr>
+              <a:t>库存系统根据下单信息，进行库存操作。</a:t>
+            </a:r>
+            <a:endParaRPr lang="en-US" altLang="zh-CN" sz="2000" dirty="0" smtClean="0">
               <a:latin typeface="华文楷体" panose="02010600040101010101" pitchFamily="2" charset="-122"/>
               <a:ea typeface="华文楷体" panose="02010600040101010101" pitchFamily="2" charset="-122"/>
             </a:endParaRPr>
           </a:p>
           <a:p>
             <a:pPr>
-              <a:spcAft>
-                <a:spcPts val="1800"/>
-              </a:spcAft>
+              <a:spcBef>
+                <a:spcPts val="1200"/>
+              </a:spcBef>
             </a:pPr>
             <a:r>
-              <a:rPr lang="zh-CN" altLang="en-US" sz="2400" dirty="0">
-                <a:solidFill>
-                  <a:schemeClr val="tx1">
-                    <a:lumMod val="85000"/>
-                    <a:lumOff val="15000"/>
-                  </a:schemeClr>
-                </a:solidFill>
-                <a:latin typeface="华文楷体" panose="02010600040101010101" pitchFamily="2" charset="-122"/>
-                <a:ea typeface="华文楷体" panose="02010600040101010101" pitchFamily="2" charset="-122"/>
-              </a:rPr>
-              <a:t>毫无疑问，「书架」这东西是多出来的，需要地方放它，还需要防盗</a:t>
-            </a:r>
-            <a:r>
-              <a:rPr lang="zh-CN" altLang="en-US" sz="2400" dirty="0" smtClean="0">
-                <a:solidFill>
-                  <a:schemeClr val="tx1">
-                    <a:lumMod val="85000"/>
-                    <a:lumOff val="15000"/>
-                  </a:schemeClr>
-                </a:solidFill>
-                <a:latin typeface="华文楷体" panose="02010600040101010101" pitchFamily="2" charset="-122"/>
-                <a:ea typeface="华文楷体" panose="02010600040101010101" pitchFamily="2" charset="-122"/>
-              </a:rPr>
-              <a:t>。</a:t>
-            </a:r>
-            <a:endParaRPr lang="en-US" altLang="zh-CN" sz="2400" dirty="0" smtClean="0">
-              <a:solidFill>
-                <a:schemeClr val="tx1">
-                  <a:lumMod val="85000"/>
-                  <a:lumOff val="15000"/>
-                </a:schemeClr>
-              </a:solidFill>
+              <a:rPr lang="zh-CN" altLang="en-US" sz="2000" dirty="0" smtClean="0">
+                <a:latin typeface="华文楷体" panose="02010600040101010101" pitchFamily="2" charset="-122"/>
+                <a:ea typeface="华文楷体" panose="02010600040101010101" pitchFamily="2" charset="-122"/>
+              </a:rPr>
+              <a:t>假如：在下单时库存系统不能正常使用。也不影响正常下单，因为下单后，</a:t>
+            </a:r>
+            <a:endParaRPr lang="en-US" altLang="zh-CN" sz="2000" dirty="0" smtClean="0">
               <a:latin typeface="华文楷体" panose="02010600040101010101" pitchFamily="2" charset="-122"/>
               <a:ea typeface="华文楷体" panose="02010600040101010101" pitchFamily="2" charset="-122"/>
             </a:endParaRPr>
           </a:p>
           <a:p>
             <a:pPr>
-              <a:spcAft>
-                <a:spcPts val="1800"/>
-              </a:spcAft>
+              <a:spcBef>
+                <a:spcPts val="1200"/>
+              </a:spcBef>
             </a:pPr>
             <a:r>
-              <a:rPr lang="zh-CN" altLang="en-US" sz="2400" dirty="0">
-                <a:solidFill>
-                  <a:schemeClr val="tx1">
-                    <a:lumMod val="85000"/>
-                    <a:lumOff val="15000"/>
-                  </a:schemeClr>
-                </a:solidFill>
-                <a:latin typeface="华文楷体" panose="02010600040101010101" pitchFamily="2" charset="-122"/>
-                <a:ea typeface="华文楷体" panose="02010600040101010101" pitchFamily="2" charset="-122"/>
-              </a:rPr>
-              <a:t>这中间存在着一段「妈妈认为小明看了某书，而小明其实还没看」的时期，当然</a:t>
-            </a:r>
-            <a:r>
-              <a:rPr lang="zh-CN" altLang="en-US" sz="2400" dirty="0">
-                <a:solidFill>
-                  <a:schemeClr val="tx1">
-                    <a:lumMod val="85000"/>
-                    <a:lumOff val="15000"/>
-                  </a:schemeClr>
-                </a:solidFill>
-                <a:latin typeface="华文楷体" panose="02010600040101010101" pitchFamily="2" charset="-122"/>
-                <a:ea typeface="华文楷体" panose="02010600040101010101" pitchFamily="2" charset="-122"/>
-              </a:rPr>
-              <a:t>，</a:t>
-            </a:r>
-            <a:r>
-              <a:rPr lang="zh-CN" altLang="en-US" sz="2400" dirty="0">
-                <a:solidFill>
-                  <a:schemeClr val="tx1">
-                    <a:lumMod val="85000"/>
-                    <a:lumOff val="15000"/>
-                  </a:schemeClr>
-                </a:solidFill>
-                <a:latin typeface="华文楷体" panose="02010600040101010101" pitchFamily="2" charset="-122"/>
-                <a:ea typeface="华文楷体" panose="02010600040101010101" pitchFamily="2" charset="-122"/>
-              </a:rPr>
-              <a:t>小明最终的阅读状态与妈妈的认知会是一致的，这就是所谓的「最终一致性」</a:t>
-            </a:r>
-            <a:r>
-              <a:rPr lang="zh-CN" altLang="en-US" sz="2400" dirty="0" smtClean="0">
-                <a:solidFill>
-                  <a:schemeClr val="tx1">
-                    <a:lumMod val="85000"/>
-                    <a:lumOff val="15000"/>
-                  </a:schemeClr>
-                </a:solidFill>
-                <a:latin typeface="华文楷体" panose="02010600040101010101" pitchFamily="2" charset="-122"/>
-                <a:ea typeface="华文楷体" panose="02010600040101010101" pitchFamily="2" charset="-122"/>
-              </a:rPr>
-              <a:t>。</a:t>
-            </a:r>
-            <a:endParaRPr lang="en-US" altLang="zh-CN" sz="2400" dirty="0">
-              <a:solidFill>
-                <a:schemeClr val="tx1">
-                  <a:lumMod val="85000"/>
-                  <a:lumOff val="15000"/>
-                </a:schemeClr>
-              </a:solidFill>
+              <a:rPr lang="en-US" altLang="zh-CN" sz="2000" dirty="0">
+                <a:latin typeface="华文楷体" panose="02010600040101010101" pitchFamily="2" charset="-122"/>
+                <a:ea typeface="华文楷体" panose="02010600040101010101" pitchFamily="2" charset="-122"/>
+              </a:rPr>
+              <a:t> </a:t>
+            </a:r>
+            <a:r>
+              <a:rPr lang="en-US" altLang="zh-CN" sz="2000" dirty="0" smtClean="0">
+                <a:latin typeface="华文楷体" panose="02010600040101010101" pitchFamily="2" charset="-122"/>
+                <a:ea typeface="华文楷体" panose="02010600040101010101" pitchFamily="2" charset="-122"/>
+              </a:rPr>
+              <a:t>           </a:t>
+            </a:r>
+            <a:r>
+              <a:rPr lang="zh-CN" altLang="en-US" sz="2000" dirty="0" smtClean="0">
+                <a:latin typeface="华文楷体" panose="02010600040101010101" pitchFamily="2" charset="-122"/>
+                <a:ea typeface="华文楷体" panose="02010600040101010101" pitchFamily="2" charset="-122"/>
+              </a:rPr>
+              <a:t>订单系统写入消息队列就不在关心后续操作了。实现订单系统与库存系统的应用解耦。</a:t>
+            </a:r>
+            <a:endParaRPr lang="zh-CN" altLang="en-US" sz="2000" dirty="0">
               <a:latin typeface="华文楷体" panose="02010600040101010101" pitchFamily="2" charset="-122"/>
               <a:ea typeface="华文楷体" panose="02010600040101010101" pitchFamily="2" charset="-122"/>
             </a:endParaRPr>
@@ -7376,7 +10814,7 @@
     </p:spTree>
     <p:extLst>
       <p:ext uri="{BB962C8B-B14F-4D97-AF65-F5344CB8AC3E}">
-        <p14:creationId xmlns:p14="http://schemas.microsoft.com/office/powerpoint/2010/main" val="3122524136"/>
+        <p14:creationId xmlns:p14="http://schemas.microsoft.com/office/powerpoint/2010/main" val="2208585094"/>
       </p:ext>
     </p:extLst>
   </p:cSld>
@@ -7405,442 +10843,216 @@
       </p:grpSpPr>
       <p:sp>
         <p:nvSpPr>
-          <p:cNvPr id="2" name="文本框 1"/>
-          <p:cNvSpPr txBox="1"/>
+          <p:cNvPr id="2" name="矩形 1"/>
+          <p:cNvSpPr/>
           <p:nvPr/>
         </p:nvSpPr>
         <p:spPr>
           <a:xfrm>
-            <a:off x="1097994" y="624840"/>
-            <a:ext cx="4801314" cy="461665"/>
+            <a:off x="1150604" y="912614"/>
+            <a:ext cx="1867819" cy="461665"/>
+          </a:xfrm>
+          <a:prstGeom prst="rect">
+            <a:avLst/>
+          </a:prstGeom>
+        </p:spPr>
+        <p:txBody>
+          <a:bodyPr wrap="none">
+            <a:spAutoFit/>
+          </a:bodyPr>
+          <a:lstStyle/>
+          <a:p>
+            <a:r>
+              <a:rPr lang="en-US" altLang="zh-CN" sz="2400" dirty="0"/>
+              <a:t>3</a:t>
+            </a:r>
+            <a:r>
+              <a:rPr lang="zh-CN" altLang="en-US" sz="2400" dirty="0" smtClean="0"/>
+              <a:t>、流量削峰</a:t>
+            </a:r>
+            <a:endParaRPr lang="en-US" altLang="zh-CN" sz="2400" dirty="0" smtClean="0"/>
+          </a:p>
+        </p:txBody>
+      </p:sp>
+      <p:sp>
+        <p:nvSpPr>
+          <p:cNvPr id="3" name="矩形 2"/>
+          <p:cNvSpPr/>
+          <p:nvPr/>
+        </p:nvSpPr>
+        <p:spPr>
+          <a:xfrm>
+            <a:off x="1530515" y="1800357"/>
+            <a:ext cx="1107996" cy="369332"/>
+          </a:xfrm>
+          <a:prstGeom prst="rect">
+            <a:avLst/>
+          </a:prstGeom>
+        </p:spPr>
+        <p:txBody>
+          <a:bodyPr wrap="none">
+            <a:spAutoFit/>
+          </a:bodyPr>
+          <a:lstStyle/>
+          <a:p>
+            <a:r>
+              <a:rPr lang="zh-CN" altLang="en-US" dirty="0">
+                <a:latin typeface="PingFang SC"/>
+              </a:rPr>
+              <a:t>秒杀活动</a:t>
+            </a:r>
+            <a:endParaRPr lang="zh-CN" altLang="en-US" dirty="0"/>
+          </a:p>
+        </p:txBody>
+      </p:sp>
+      <p:sp>
+        <p:nvSpPr>
+          <p:cNvPr id="4" name="矩形 3"/>
+          <p:cNvSpPr/>
+          <p:nvPr/>
+        </p:nvSpPr>
+        <p:spPr>
+          <a:xfrm>
+            <a:off x="3018423" y="1649744"/>
+            <a:ext cx="6096000" cy="646331"/>
+          </a:xfrm>
+          <a:prstGeom prst="rect">
+            <a:avLst/>
+          </a:prstGeom>
+        </p:spPr>
+        <p:txBody>
+          <a:bodyPr>
+            <a:spAutoFit/>
+          </a:bodyPr>
+          <a:lstStyle/>
+          <a:p>
+            <a:r>
+              <a:rPr lang="zh-CN" altLang="en-US" dirty="0">
+                <a:latin typeface="华文楷体" panose="02010600040101010101" pitchFamily="2" charset="-122"/>
+                <a:ea typeface="华文楷体" panose="02010600040101010101" pitchFamily="2" charset="-122"/>
+              </a:rPr>
+              <a:t>一般会因为流量过大，导致流量暴增，应用挂掉。为解决这个问题，一般需要在应用前端加入消息队列。</a:t>
+            </a:r>
+          </a:p>
+        </p:txBody>
+      </p:sp>
+      <p:pic>
+        <p:nvPicPr>
+          <p:cNvPr id="4098" name="Picture 2" descr="http://finalshares.cn/attachment/threadsImgs/images2015.cnblogs.com/blog/820332/201601/820332-20160124211333125-923847962.png"/>
+          <p:cNvPicPr>
+            <a:picLocks noChangeAspect="1" noChangeArrowheads="1"/>
+          </p:cNvPicPr>
+          <p:nvPr/>
+        </p:nvPicPr>
+        <p:blipFill>
+          <a:blip r:embed="rId2">
+            <a:extLst>
+              <a:ext uri="{28A0092B-C50C-407E-A947-70E740481C1C}">
+                <a14:useLocalDpi xmlns:a14="http://schemas.microsoft.com/office/drawing/2010/main" val="0"/>
+              </a:ext>
+            </a:extLst>
+          </a:blip>
+          <a:srcRect/>
+          <a:stretch>
+            <a:fillRect/>
+          </a:stretch>
+        </p:blipFill>
+        <p:spPr bwMode="auto">
+          <a:xfrm>
+            <a:off x="1457682" y="2571540"/>
+            <a:ext cx="5484103" cy="1421340"/>
           </a:xfrm>
           <a:prstGeom prst="rect">
             <a:avLst/>
           </a:prstGeom>
           <a:noFill/>
-        </p:spPr>
-        <p:txBody>
-          <a:bodyPr wrap="none" rtlCol="0">
-            <a:spAutoFit/>
-          </a:bodyPr>
-          <a:lstStyle/>
-          <a:p>
-            <a:r>
-              <a:rPr lang="zh-CN" altLang="en-US" sz="2400" dirty="0" smtClean="0"/>
-              <a:t>使用消息队列需要满足什么条件：</a:t>
-            </a:r>
-            <a:endParaRPr lang="en-US" altLang="zh-CN" sz="2400" dirty="0" smtClean="0"/>
-          </a:p>
-        </p:txBody>
-      </p:sp>
-      <p:sp>
-        <p:nvSpPr>
-          <p:cNvPr id="3" name="文本框 2"/>
-          <p:cNvSpPr txBox="1"/>
+          <a:extLst>
+            <a:ext uri="{909E8E84-426E-40DD-AFC4-6F175D3DCCD1}">
+              <a14:hiddenFill xmlns:a14="http://schemas.microsoft.com/office/drawing/2010/main">
+                <a:solidFill>
+                  <a:srgbClr val="FFFFFF"/>
+                </a:solidFill>
+              </a14:hiddenFill>
+            </a:ext>
+          </a:extLst>
+        </p:spPr>
+      </p:pic>
+      <p:sp>
+        <p:nvSpPr>
+          <p:cNvPr id="5" name="矩形 4"/>
+          <p:cNvSpPr/>
           <p:nvPr/>
         </p:nvSpPr>
         <p:spPr>
           <a:xfrm>
-            <a:off x="1097994" y="1147465"/>
-            <a:ext cx="9631680" cy="5309146"/>
+            <a:off x="1351002" y="4476094"/>
+            <a:ext cx="8951238" cy="1077218"/>
           </a:xfrm>
           <a:prstGeom prst="rect">
             <a:avLst/>
           </a:prstGeom>
-          <a:noFill/>
-        </p:spPr>
-        <p:txBody>
-          <a:bodyPr wrap="square" rtlCol="0">
+        </p:spPr>
+        <p:txBody>
+          <a:bodyPr wrap="square">
             <a:spAutoFit/>
           </a:bodyPr>
           <a:lstStyle/>
           <a:p>
             <a:pPr>
-              <a:spcAft>
-                <a:spcPts val="1800"/>
-              </a:spcAft>
+              <a:spcBef>
+                <a:spcPts val="1200"/>
+              </a:spcBef>
+              <a:buFont typeface="+mj-lt"/>
+              <a:buAutoNum type="arabicPeriod"/>
             </a:pPr>
             <a:r>
-              <a:rPr lang="en-US" altLang="zh-CN" sz="2400" dirty="0" smtClean="0">
-                <a:solidFill>
-                  <a:schemeClr val="tx1">
-                    <a:lumMod val="85000"/>
-                    <a:lumOff val="15000"/>
-                  </a:schemeClr>
-                </a:solidFill>
-                <a:latin typeface="华文楷体" panose="02010600040101010101" pitchFamily="2" charset="-122"/>
-                <a:ea typeface="华文楷体" panose="02010600040101010101" pitchFamily="2" charset="-122"/>
-              </a:rPr>
-              <a:t>1.</a:t>
-            </a:r>
-            <a:r>
-              <a:rPr lang="zh-CN" altLang="en-US" sz="2400" dirty="0" smtClean="0">
-                <a:solidFill>
-                  <a:schemeClr val="tx1">
-                    <a:lumMod val="85000"/>
-                    <a:lumOff val="15000"/>
-                  </a:schemeClr>
-                </a:solidFill>
-                <a:latin typeface="华文楷体" panose="02010600040101010101" pitchFamily="2" charset="-122"/>
-                <a:ea typeface="华文楷体" panose="02010600040101010101" pitchFamily="2" charset="-122"/>
-              </a:rPr>
-              <a:t>生产者不需要从消费者处获得反馈</a:t>
-            </a:r>
-            <a:endParaRPr lang="en-US" altLang="zh-CN" sz="2400" dirty="0" smtClean="0">
-              <a:solidFill>
-                <a:schemeClr val="tx1">
-                  <a:lumMod val="85000"/>
-                  <a:lumOff val="15000"/>
-                </a:schemeClr>
-              </a:solidFill>
+              <a:rPr lang="zh-CN" altLang="en-US" dirty="0">
+                <a:latin typeface="华文楷体" panose="02010600040101010101" pitchFamily="2" charset="-122"/>
+                <a:ea typeface="华文楷体" panose="02010600040101010101" pitchFamily="2" charset="-122"/>
+              </a:rPr>
+              <a:t>用户的请求，服务器接收后，首先写入消息队列。假如消息队列长度超过最大数量，则直接抛弃用户请求或跳转到错误页面；</a:t>
+            </a:r>
+          </a:p>
+          <a:p>
+            <a:pPr>
+              <a:spcBef>
+                <a:spcPts val="1200"/>
+              </a:spcBef>
+              <a:buFont typeface="+mj-lt"/>
+              <a:buAutoNum type="arabicPeriod"/>
+            </a:pPr>
+            <a:r>
+              <a:rPr lang="zh-CN" altLang="en-US" dirty="0">
+                <a:latin typeface="华文楷体" panose="02010600040101010101" pitchFamily="2" charset="-122"/>
+                <a:ea typeface="华文楷体" panose="02010600040101010101" pitchFamily="2" charset="-122"/>
+              </a:rPr>
+              <a:t>秒杀业务根据消息队列中的请求信息，再做后续处理。</a:t>
+            </a:r>
+            <a:endParaRPr lang="zh-CN" altLang="en-US" b="0" i="0" dirty="0">
+              <a:effectLst/>
               <a:latin typeface="华文楷体" panose="02010600040101010101" pitchFamily="2" charset="-122"/>
               <a:ea typeface="华文楷体" panose="02010600040101010101" pitchFamily="2" charset="-122"/>
             </a:endParaRPr>
           </a:p>
-          <a:p>
-            <a:pPr>
-              <a:spcAft>
-                <a:spcPts val="1800"/>
-              </a:spcAft>
-            </a:pPr>
-            <a:r>
-              <a:rPr lang="zh-CN" altLang="en-US" sz="2400" dirty="0">
-                <a:solidFill>
-                  <a:schemeClr val="tx1">
-                    <a:lumMod val="85000"/>
-                    <a:lumOff val="15000"/>
-                  </a:schemeClr>
-                </a:solidFill>
-                <a:latin typeface="华文楷体" panose="02010600040101010101" pitchFamily="2" charset="-122"/>
-                <a:ea typeface="华文楷体" panose="02010600040101010101" pitchFamily="2" charset="-122"/>
-              </a:rPr>
-              <a:t>引入消息队列之前的直接调用，其接口的返回值应该为空，这才让明明下层的动作还没做，上层</a:t>
-            </a:r>
-            <a:r>
-              <a:rPr lang="zh-CN" altLang="en-US" sz="2400" dirty="0">
-                <a:solidFill>
-                  <a:schemeClr val="tx1">
-                    <a:lumMod val="85000"/>
-                    <a:lumOff val="15000"/>
-                  </a:schemeClr>
-                </a:solidFill>
-                <a:latin typeface="华文楷体" panose="02010600040101010101" pitchFamily="2" charset="-122"/>
-                <a:ea typeface="华文楷体" panose="02010600040101010101" pitchFamily="2" charset="-122"/>
-              </a:rPr>
-              <a:t>却</a:t>
-            </a:r>
-            <a:r>
-              <a:rPr lang="zh-CN" altLang="en-US" sz="2400" dirty="0">
-                <a:solidFill>
-                  <a:schemeClr val="tx1">
-                    <a:lumMod val="85000"/>
-                    <a:lumOff val="15000"/>
-                  </a:schemeClr>
-                </a:solidFill>
-                <a:latin typeface="华文楷体" panose="02010600040101010101" pitchFamily="2" charset="-122"/>
-                <a:ea typeface="华文楷体" panose="02010600040101010101" pitchFamily="2" charset="-122"/>
-              </a:rPr>
-              <a:t>当成动作做完了继续往后走</a:t>
-            </a:r>
-            <a:r>
-              <a:rPr lang="en-US" altLang="zh-CN" sz="2400" dirty="0">
-                <a:solidFill>
-                  <a:schemeClr val="tx1">
-                    <a:lumMod val="85000"/>
-                    <a:lumOff val="15000"/>
-                  </a:schemeClr>
-                </a:solidFill>
-                <a:latin typeface="华文楷体" panose="02010600040101010101" pitchFamily="2" charset="-122"/>
-                <a:ea typeface="华文楷体" panose="02010600040101010101" pitchFamily="2" charset="-122"/>
-              </a:rPr>
-              <a:t>——</a:t>
-            </a:r>
-            <a:r>
-              <a:rPr lang="zh-CN" altLang="en-US" sz="2400" dirty="0">
-                <a:solidFill>
-                  <a:schemeClr val="tx1">
-                    <a:lumMod val="85000"/>
-                    <a:lumOff val="15000"/>
-                  </a:schemeClr>
-                </a:solidFill>
-                <a:latin typeface="华文楷体" panose="02010600040101010101" pitchFamily="2" charset="-122"/>
-                <a:ea typeface="华文楷体" panose="02010600040101010101" pitchFamily="2" charset="-122"/>
-              </a:rPr>
-              <a:t>即所谓异步</a:t>
-            </a:r>
-            <a:r>
-              <a:rPr lang="en-US" altLang="zh-CN" sz="2400" dirty="0">
-                <a:solidFill>
-                  <a:schemeClr val="tx1">
-                    <a:lumMod val="85000"/>
-                    <a:lumOff val="15000"/>
-                  </a:schemeClr>
-                </a:solidFill>
-                <a:latin typeface="华文楷体" panose="02010600040101010101" pitchFamily="2" charset="-122"/>
-                <a:ea typeface="华文楷体" panose="02010600040101010101" pitchFamily="2" charset="-122"/>
-              </a:rPr>
-              <a:t>——</a:t>
-            </a:r>
-            <a:r>
-              <a:rPr lang="zh-CN" altLang="en-US" sz="2400" dirty="0">
-                <a:solidFill>
-                  <a:schemeClr val="tx1">
-                    <a:lumMod val="85000"/>
-                    <a:lumOff val="15000"/>
-                  </a:schemeClr>
-                </a:solidFill>
-                <a:latin typeface="华文楷体" panose="02010600040101010101" pitchFamily="2" charset="-122"/>
-                <a:ea typeface="华文楷体" panose="02010600040101010101" pitchFamily="2" charset="-122"/>
-              </a:rPr>
-              <a:t>成为了可能</a:t>
-            </a:r>
-            <a:r>
-              <a:rPr lang="zh-CN" altLang="en-US" sz="2400" dirty="0">
-                <a:solidFill>
-                  <a:schemeClr val="tx1">
-                    <a:lumMod val="85000"/>
-                    <a:lumOff val="15000"/>
-                  </a:schemeClr>
-                </a:solidFill>
-                <a:latin typeface="华文楷体" panose="02010600040101010101" pitchFamily="2" charset="-122"/>
-                <a:ea typeface="华文楷体" panose="02010600040101010101" pitchFamily="2" charset="-122"/>
-              </a:rPr>
-              <a:t>。</a:t>
-            </a:r>
-            <a:endParaRPr lang="en-US" altLang="zh-CN" sz="2400" dirty="0">
-              <a:solidFill>
-                <a:schemeClr val="tx1">
-                  <a:lumMod val="85000"/>
-                  <a:lumOff val="15000"/>
-                </a:schemeClr>
-              </a:solidFill>
-              <a:latin typeface="华文楷体" panose="02010600040101010101" pitchFamily="2" charset="-122"/>
-              <a:ea typeface="华文楷体" panose="02010600040101010101" pitchFamily="2" charset="-122"/>
-            </a:endParaRPr>
-          </a:p>
-          <a:p>
-            <a:pPr>
-              <a:spcAft>
-                <a:spcPts val="1800"/>
-              </a:spcAft>
-            </a:pPr>
-            <a:r>
-              <a:rPr lang="zh-CN" altLang="en-US" sz="2400" dirty="0">
-                <a:solidFill>
-                  <a:schemeClr val="tx1">
-                    <a:lumMod val="85000"/>
-                    <a:lumOff val="15000"/>
-                  </a:schemeClr>
-                </a:solidFill>
-                <a:latin typeface="华文楷体" panose="02010600040101010101" pitchFamily="2" charset="-122"/>
-                <a:ea typeface="华文楷体" panose="02010600040101010101" pitchFamily="2" charset="-122"/>
-              </a:rPr>
-              <a:t>小红放完书之后小明到底看了没有，小红根本不问，她默认他是看了，否则就只能用原来的方法监督到看完了</a:t>
-            </a:r>
-            <a:r>
-              <a:rPr lang="zh-CN" altLang="en-US" sz="2400" dirty="0" smtClean="0">
-                <a:solidFill>
-                  <a:schemeClr val="tx1">
-                    <a:lumMod val="85000"/>
-                    <a:lumOff val="15000"/>
-                  </a:schemeClr>
-                </a:solidFill>
-                <a:latin typeface="华文楷体" panose="02010600040101010101" pitchFamily="2" charset="-122"/>
-                <a:ea typeface="华文楷体" panose="02010600040101010101" pitchFamily="2" charset="-122"/>
-              </a:rPr>
-              <a:t>。</a:t>
-            </a:r>
-            <a:endParaRPr lang="en-US" altLang="zh-CN" sz="2400" dirty="0" smtClean="0">
-              <a:solidFill>
-                <a:schemeClr val="tx1">
-                  <a:lumMod val="85000"/>
-                  <a:lumOff val="15000"/>
-                </a:schemeClr>
-              </a:solidFill>
-              <a:latin typeface="华文楷体" panose="02010600040101010101" pitchFamily="2" charset="-122"/>
-              <a:ea typeface="华文楷体" panose="02010600040101010101" pitchFamily="2" charset="-122"/>
-            </a:endParaRPr>
-          </a:p>
-          <a:p>
-            <a:pPr>
-              <a:spcAft>
-                <a:spcPts val="1800"/>
-              </a:spcAft>
-            </a:pPr>
-            <a:r>
-              <a:rPr lang="en-US" altLang="zh-CN" sz="2400" dirty="0">
-                <a:solidFill>
-                  <a:schemeClr val="tx1">
-                    <a:lumMod val="85000"/>
-                    <a:lumOff val="15000"/>
-                  </a:schemeClr>
-                </a:solidFill>
-                <a:latin typeface="华文楷体" panose="02010600040101010101" pitchFamily="2" charset="-122"/>
-                <a:ea typeface="华文楷体" panose="02010600040101010101" pitchFamily="2" charset="-122"/>
-              </a:rPr>
-              <a:t>2</a:t>
-            </a:r>
-            <a:r>
-              <a:rPr lang="en-US" altLang="zh-CN" sz="2400" dirty="0">
-                <a:solidFill>
-                  <a:schemeClr val="tx1">
-                    <a:lumMod val="85000"/>
-                    <a:lumOff val="15000"/>
-                  </a:schemeClr>
-                </a:solidFill>
-                <a:latin typeface="华文楷体" panose="02010600040101010101" pitchFamily="2" charset="-122"/>
-                <a:ea typeface="华文楷体" panose="02010600040101010101" pitchFamily="2" charset="-122"/>
-              </a:rPr>
-              <a:t>.</a:t>
-            </a:r>
-            <a:r>
-              <a:rPr lang="zh-CN" altLang="en-US" sz="2400" dirty="0">
-                <a:solidFill>
-                  <a:schemeClr val="tx1">
-                    <a:lumMod val="85000"/>
-                    <a:lumOff val="15000"/>
-                  </a:schemeClr>
-                </a:solidFill>
-                <a:latin typeface="华文楷体" panose="02010600040101010101" pitchFamily="2" charset="-122"/>
-                <a:ea typeface="华文楷体" panose="02010600040101010101" pitchFamily="2" charset="-122"/>
-              </a:rPr>
-              <a:t>容许短暂的</a:t>
-            </a:r>
-            <a:r>
-              <a:rPr lang="zh-CN" altLang="en-US" sz="2400" dirty="0">
-                <a:solidFill>
-                  <a:schemeClr val="tx1">
-                    <a:lumMod val="85000"/>
-                    <a:lumOff val="15000"/>
-                  </a:schemeClr>
-                </a:solidFill>
-                <a:latin typeface="华文楷体" panose="02010600040101010101" pitchFamily="2" charset="-122"/>
-                <a:ea typeface="华文楷体" panose="02010600040101010101" pitchFamily="2" charset="-122"/>
-              </a:rPr>
-              <a:t>不一致性</a:t>
-            </a:r>
-            <a:endParaRPr lang="en-US" altLang="zh-CN" sz="2400" dirty="0">
-              <a:solidFill>
-                <a:schemeClr val="tx1">
-                  <a:lumMod val="85000"/>
-                  <a:lumOff val="15000"/>
-                </a:schemeClr>
-              </a:solidFill>
-              <a:latin typeface="华文楷体" panose="02010600040101010101" pitchFamily="2" charset="-122"/>
-              <a:ea typeface="华文楷体" panose="02010600040101010101" pitchFamily="2" charset="-122"/>
-            </a:endParaRPr>
-          </a:p>
-          <a:p>
-            <a:pPr>
-              <a:spcAft>
-                <a:spcPts val="1800"/>
-              </a:spcAft>
-            </a:pPr>
-            <a:r>
-              <a:rPr lang="zh-CN" altLang="en-US" sz="2400" dirty="0">
-                <a:solidFill>
-                  <a:schemeClr val="tx1">
-                    <a:lumMod val="85000"/>
-                    <a:lumOff val="15000"/>
-                  </a:schemeClr>
-                </a:solidFill>
-                <a:latin typeface="华文楷体" panose="02010600040101010101" pitchFamily="2" charset="-122"/>
-                <a:ea typeface="华文楷体" panose="02010600040101010101" pitchFamily="2" charset="-122"/>
-              </a:rPr>
-              <a:t>妈妈可能会发现「有时候据说小明看了某书，但事实上他还没看」，只要妈妈满意于「反正他</a:t>
-            </a:r>
-            <a:r>
-              <a:rPr lang="zh-CN" altLang="en-US" sz="2400" dirty="0">
-                <a:solidFill>
-                  <a:schemeClr val="tx1">
-                    <a:lumMod val="85000"/>
-                    <a:lumOff val="15000"/>
-                  </a:schemeClr>
-                </a:solidFill>
-                <a:latin typeface="华文楷体" panose="02010600040101010101" pitchFamily="2" charset="-122"/>
-                <a:ea typeface="华文楷体" panose="02010600040101010101" pitchFamily="2" charset="-122"/>
-              </a:rPr>
-              <a:t>最后</a:t>
-            </a:r>
-            <a:r>
-              <a:rPr lang="zh-CN" altLang="en-US" sz="2400" dirty="0">
-                <a:solidFill>
-                  <a:schemeClr val="tx1">
-                    <a:lumMod val="85000"/>
-                    <a:lumOff val="15000"/>
-                  </a:schemeClr>
-                </a:solidFill>
-                <a:latin typeface="华文楷体" panose="02010600040101010101" pitchFamily="2" charset="-122"/>
-                <a:ea typeface="华文楷体" panose="02010600040101010101" pitchFamily="2" charset="-122"/>
-              </a:rPr>
-              <a:t>看了就行」，异步处理就没问题</a:t>
-            </a:r>
-            <a:r>
-              <a:rPr lang="zh-CN" altLang="en-US" sz="2400" dirty="0" smtClean="0">
-                <a:solidFill>
-                  <a:schemeClr val="tx1">
-                    <a:lumMod val="85000"/>
-                    <a:lumOff val="15000"/>
-                  </a:schemeClr>
-                </a:solidFill>
-                <a:latin typeface="华文楷体" panose="02010600040101010101" pitchFamily="2" charset="-122"/>
-                <a:ea typeface="华文楷体" panose="02010600040101010101" pitchFamily="2" charset="-122"/>
-              </a:rPr>
-              <a:t>。</a:t>
-            </a:r>
-            <a:endParaRPr lang="en-US" altLang="zh-CN" sz="2400" dirty="0" smtClean="0">
-              <a:solidFill>
-                <a:schemeClr val="tx1">
-                  <a:lumMod val="85000"/>
-                  <a:lumOff val="15000"/>
-                </a:schemeClr>
-              </a:solidFill>
-              <a:latin typeface="华文楷体" panose="02010600040101010101" pitchFamily="2" charset="-122"/>
-              <a:ea typeface="华文楷体" panose="02010600040101010101" pitchFamily="2" charset="-122"/>
-            </a:endParaRPr>
-          </a:p>
-          <a:p>
-            <a:pPr>
-              <a:spcAft>
-                <a:spcPts val="1800"/>
-              </a:spcAft>
-            </a:pPr>
-            <a:r>
-              <a:rPr lang="zh-CN" altLang="en-US" sz="2400" dirty="0">
-                <a:solidFill>
-                  <a:schemeClr val="tx1">
-                    <a:lumMod val="85000"/>
-                    <a:lumOff val="15000"/>
-                  </a:schemeClr>
-                </a:solidFill>
-                <a:latin typeface="华文楷体" panose="02010600040101010101" pitchFamily="2" charset="-122"/>
-                <a:ea typeface="华文楷体" panose="02010600040101010101" pitchFamily="2" charset="-122"/>
-              </a:rPr>
-              <a:t>如果妈妈对这情况不能容忍，对小红大发雷霆，小红也就不敢用书架方式了。</a:t>
-            </a:r>
-            <a:endParaRPr lang="en-US" altLang="zh-CN" sz="2400" dirty="0">
-              <a:solidFill>
-                <a:schemeClr val="tx1">
-                  <a:lumMod val="85000"/>
-                  <a:lumOff val="15000"/>
-                </a:schemeClr>
-              </a:solidFill>
-              <a:latin typeface="华文楷体" panose="02010600040101010101" pitchFamily="2" charset="-122"/>
-              <a:ea typeface="华文楷体" panose="02010600040101010101" pitchFamily="2" charset="-122"/>
-            </a:endParaRPr>
-          </a:p>
         </p:txBody>
       </p:sp>
     </p:spTree>
     <p:extLst>
       <p:ext uri="{BB962C8B-B14F-4D97-AF65-F5344CB8AC3E}">
-        <p14:creationId xmlns:p14="http://schemas.microsoft.com/office/powerpoint/2010/main" val="4140124284"/>
+        <p14:creationId xmlns:p14="http://schemas.microsoft.com/office/powerpoint/2010/main" val="4211906955"/>
       </p:ext>
     </p:extLst>
   </p:cSld>
   <p:clrMapOvr>
     <a:masterClrMapping/>
   </p:clrMapOvr>
+  <p:timing>
+    <p:tnLst>
+      <p:par>
+        <p:cTn id="1" dur="indefinite" restart="never" nodeType="tmRoot"/>
+      </p:par>
+    </p:tnLst>
+  </p:timing>
 </p:sld>
 </file>
 
@@ -7863,204 +11075,227 @@
       </p:grpSpPr>
       <p:sp>
         <p:nvSpPr>
-          <p:cNvPr id="2" name="文本框 1"/>
-          <p:cNvSpPr txBox="1"/>
+          <p:cNvPr id="2" name="矩形 1"/>
+          <p:cNvSpPr/>
           <p:nvPr/>
         </p:nvSpPr>
         <p:spPr>
           <a:xfrm>
-            <a:off x="1097994" y="624840"/>
-            <a:ext cx="4801314" cy="461665"/>
+            <a:off x="1150604" y="912614"/>
+            <a:ext cx="1867819" cy="461665"/>
+          </a:xfrm>
+          <a:prstGeom prst="rect">
+            <a:avLst/>
+          </a:prstGeom>
+        </p:spPr>
+        <p:txBody>
+          <a:bodyPr wrap="none">
+            <a:spAutoFit/>
+          </a:bodyPr>
+          <a:lstStyle/>
+          <a:p>
+            <a:r>
+              <a:rPr lang="en-US" altLang="zh-CN" sz="2400" dirty="0"/>
+              <a:t>4</a:t>
+            </a:r>
+            <a:r>
+              <a:rPr lang="zh-CN" altLang="en-US" sz="2400" dirty="0" smtClean="0"/>
+              <a:t>、日志处理</a:t>
+            </a:r>
+            <a:endParaRPr lang="en-US" altLang="zh-CN" sz="2400" dirty="0" smtClean="0"/>
+          </a:p>
+        </p:txBody>
+      </p:sp>
+      <p:sp>
+        <p:nvSpPr>
+          <p:cNvPr id="3" name="矩形 2"/>
+          <p:cNvSpPr/>
+          <p:nvPr/>
+        </p:nvSpPr>
+        <p:spPr>
+          <a:xfrm>
+            <a:off x="1150604" y="1673275"/>
+            <a:ext cx="9784080" cy="369332"/>
+          </a:xfrm>
+          <a:prstGeom prst="rect">
+            <a:avLst/>
+          </a:prstGeom>
+        </p:spPr>
+        <p:txBody>
+          <a:bodyPr wrap="square">
+            <a:spAutoFit/>
+          </a:bodyPr>
+          <a:lstStyle/>
+          <a:p>
+            <a:r>
+              <a:rPr lang="zh-CN" altLang="en-US" dirty="0">
+                <a:latin typeface="华文楷体" panose="02010600040101010101" pitchFamily="2" charset="-122"/>
+                <a:ea typeface="华文楷体" panose="02010600040101010101" pitchFamily="2" charset="-122"/>
+              </a:rPr>
+              <a:t>日志处理是指将消息队列用在日志处理中，比如</a:t>
+            </a:r>
+            <a:r>
+              <a:rPr lang="en-US" altLang="zh-CN" dirty="0">
+                <a:latin typeface="华文楷体" panose="02010600040101010101" pitchFamily="2" charset="-122"/>
+                <a:ea typeface="华文楷体" panose="02010600040101010101" pitchFamily="2" charset="-122"/>
+              </a:rPr>
+              <a:t>Kafka</a:t>
+            </a:r>
+            <a:r>
+              <a:rPr lang="zh-CN" altLang="en-US" dirty="0">
+                <a:latin typeface="华文楷体" panose="02010600040101010101" pitchFamily="2" charset="-122"/>
+                <a:ea typeface="华文楷体" panose="02010600040101010101" pitchFamily="2" charset="-122"/>
+              </a:rPr>
+              <a:t>的应用，解决大量日志传输的问题</a:t>
+            </a:r>
+          </a:p>
+        </p:txBody>
+      </p:sp>
+      <p:pic>
+        <p:nvPicPr>
+          <p:cNvPr id="5122" name="Picture 2" descr="http://finalshares.cn/attachment/threadsImgs/images2015.cnblogs.com/blog/820332/201601/820332-20160124211436718-1054529852.png"/>
+          <p:cNvPicPr>
+            <a:picLocks noChangeAspect="1" noChangeArrowheads="1"/>
+          </p:cNvPicPr>
+          <p:nvPr/>
+        </p:nvPicPr>
+        <p:blipFill>
+          <a:blip r:embed="rId2">
+            <a:extLst>
+              <a:ext uri="{28A0092B-C50C-407E-A947-70E740481C1C}">
+                <a14:useLocalDpi xmlns:a14="http://schemas.microsoft.com/office/drawing/2010/main" val="0"/>
+              </a:ext>
+            </a:extLst>
+          </a:blip>
+          <a:srcRect/>
+          <a:stretch>
+            <a:fillRect/>
+          </a:stretch>
+        </p:blipFill>
+        <p:spPr bwMode="auto">
+          <a:xfrm>
+            <a:off x="1348724" y="2508111"/>
+            <a:ext cx="5897461" cy="1409700"/>
           </a:xfrm>
           <a:prstGeom prst="rect">
             <a:avLst/>
           </a:prstGeom>
           <a:noFill/>
-        </p:spPr>
-        <p:txBody>
-          <a:bodyPr wrap="none" rtlCol="0">
-            <a:spAutoFit/>
-          </a:bodyPr>
-          <a:lstStyle/>
-          <a:p>
-            <a:r>
-              <a:rPr lang="zh-CN" altLang="en-US" sz="2400" dirty="0" smtClean="0"/>
-              <a:t>使用消息队列需要满足什么条件：</a:t>
-            </a:r>
-            <a:endParaRPr lang="en-US" altLang="zh-CN" sz="2400" dirty="0" smtClean="0"/>
-          </a:p>
-        </p:txBody>
-      </p:sp>
-      <p:sp>
-        <p:nvSpPr>
-          <p:cNvPr id="3" name="文本框 2"/>
-          <p:cNvSpPr txBox="1"/>
+          <a:extLst>
+            <a:ext uri="{909E8E84-426E-40DD-AFC4-6F175D3DCCD1}">
+              <a14:hiddenFill xmlns:a14="http://schemas.microsoft.com/office/drawing/2010/main">
+                <a:solidFill>
+                  <a:srgbClr val="FFFFFF"/>
+                </a:solidFill>
+              </a14:hiddenFill>
+            </a:ext>
+          </a:extLst>
+        </p:spPr>
+      </p:pic>
+      <p:sp>
+        <p:nvSpPr>
+          <p:cNvPr id="4" name="矩形 3"/>
+          <p:cNvSpPr/>
           <p:nvPr/>
         </p:nvSpPr>
         <p:spPr>
           <a:xfrm>
-            <a:off x="1097994" y="1147465"/>
-            <a:ext cx="9631680" cy="2539157"/>
+            <a:off x="1348724" y="4505236"/>
+            <a:ext cx="7124716" cy="1231106"/>
           </a:xfrm>
           <a:prstGeom prst="rect">
             <a:avLst/>
           </a:prstGeom>
-          <a:noFill/>
-        </p:spPr>
-        <p:txBody>
-          <a:bodyPr wrap="square" rtlCol="0">
+        </p:spPr>
+        <p:txBody>
+          <a:bodyPr wrap="square">
             <a:spAutoFit/>
           </a:bodyPr>
           <a:lstStyle/>
           <a:p>
             <a:pPr>
-              <a:spcAft>
-                <a:spcPts val="1800"/>
-              </a:spcAft>
+              <a:spcBef>
+                <a:spcPts val="1200"/>
+              </a:spcBef>
+              <a:buFont typeface="Arial" panose="020B0604020202020204" pitchFamily="34" charset="0"/>
+              <a:buChar char="•"/>
             </a:pPr>
             <a:r>
-              <a:rPr lang="en-US" altLang="zh-CN" sz="2400" dirty="0">
-                <a:solidFill>
-                  <a:schemeClr val="tx1">
-                    <a:lumMod val="85000"/>
-                    <a:lumOff val="15000"/>
-                  </a:schemeClr>
-                </a:solidFill>
-                <a:latin typeface="华文楷体" panose="02010600040101010101" pitchFamily="2" charset="-122"/>
-                <a:ea typeface="华文楷体" panose="02010600040101010101" pitchFamily="2" charset="-122"/>
-              </a:rPr>
-              <a:t>3.</a:t>
-            </a:r>
-            <a:r>
-              <a:rPr lang="zh-CN" altLang="en-US" sz="2400" dirty="0">
-                <a:solidFill>
-                  <a:schemeClr val="tx1">
-                    <a:lumMod val="85000"/>
-                    <a:lumOff val="15000"/>
-                  </a:schemeClr>
-                </a:solidFill>
-                <a:latin typeface="华文楷体" panose="02010600040101010101" pitchFamily="2" charset="-122"/>
-                <a:ea typeface="华文楷体" panose="02010600040101010101" pitchFamily="2" charset="-122"/>
-              </a:rPr>
-              <a:t>确实是用了有效果</a:t>
+              <a:rPr lang="zh-CN" altLang="en-US" dirty="0">
+                <a:latin typeface="华文楷体" panose="02010600040101010101" pitchFamily="2" charset="-122"/>
+                <a:ea typeface="华文楷体" panose="02010600040101010101" pitchFamily="2" charset="-122"/>
+              </a:rPr>
+              <a:t>日志采集客户端，负责日志数据采集，定时写受写入</a:t>
+            </a:r>
+            <a:r>
+              <a:rPr lang="en-US" altLang="zh-CN" dirty="0">
+                <a:latin typeface="华文楷体" panose="02010600040101010101" pitchFamily="2" charset="-122"/>
+                <a:ea typeface="华文楷体" panose="02010600040101010101" pitchFamily="2" charset="-122"/>
+              </a:rPr>
+              <a:t>Kafka</a:t>
+            </a:r>
+            <a:r>
+              <a:rPr lang="zh-CN" altLang="en-US" dirty="0">
+                <a:latin typeface="华文楷体" panose="02010600040101010101" pitchFamily="2" charset="-122"/>
+                <a:ea typeface="华文楷体" panose="02010600040101010101" pitchFamily="2" charset="-122"/>
+              </a:rPr>
+              <a:t>队列；</a:t>
             </a:r>
           </a:p>
           <a:p>
             <a:pPr>
-              <a:spcAft>
-                <a:spcPts val="1800"/>
-              </a:spcAft>
+              <a:spcBef>
+                <a:spcPts val="1200"/>
+              </a:spcBef>
+              <a:buFont typeface="Arial" panose="020B0604020202020204" pitchFamily="34" charset="0"/>
+              <a:buChar char="•"/>
             </a:pPr>
             <a:r>
-              <a:rPr lang="zh-CN" altLang="en-US" sz="2400" dirty="0">
-                <a:solidFill>
-                  <a:schemeClr val="tx1">
-                    <a:lumMod val="85000"/>
-                    <a:lumOff val="15000"/>
-                  </a:schemeClr>
-                </a:solidFill>
-                <a:latin typeface="华文楷体" panose="02010600040101010101" pitchFamily="2" charset="-122"/>
-                <a:ea typeface="华文楷体" panose="02010600040101010101" pitchFamily="2" charset="-122"/>
-              </a:rPr>
-              <a:t>即解耦、提速、广播、削峰这些方面的收益，超过放置书架、监控书架这些成本</a:t>
-            </a:r>
-            <a:r>
-              <a:rPr lang="zh-CN" altLang="en-US" sz="2400" dirty="0">
-                <a:solidFill>
-                  <a:schemeClr val="tx1">
-                    <a:lumMod val="85000"/>
-                    <a:lumOff val="15000"/>
-                  </a:schemeClr>
-                </a:solidFill>
-                <a:latin typeface="华文楷体" panose="02010600040101010101" pitchFamily="2" charset="-122"/>
-                <a:ea typeface="华文楷体" panose="02010600040101010101" pitchFamily="2" charset="-122"/>
-              </a:rPr>
-              <a:t>。</a:t>
-            </a:r>
-            <a:r>
-              <a:rPr lang="zh-CN" altLang="en-US" sz="2400" dirty="0">
-                <a:solidFill>
-                  <a:schemeClr val="tx1">
-                    <a:lumMod val="85000"/>
-                    <a:lumOff val="15000"/>
-                  </a:schemeClr>
-                </a:solidFill>
-                <a:latin typeface="华文楷体" panose="02010600040101010101" pitchFamily="2" charset="-122"/>
-                <a:ea typeface="华文楷体" panose="02010600040101010101" pitchFamily="2" charset="-122"/>
-              </a:rPr>
-              <a:t/>
-            </a:r>
-            <a:br>
-              <a:rPr lang="zh-CN" altLang="en-US" sz="2400" dirty="0">
-                <a:solidFill>
-                  <a:schemeClr val="tx1">
-                    <a:lumMod val="85000"/>
-                    <a:lumOff val="15000"/>
-                  </a:schemeClr>
-                </a:solidFill>
-                <a:latin typeface="华文楷体" panose="02010600040101010101" pitchFamily="2" charset="-122"/>
-                <a:ea typeface="华文楷体" panose="02010600040101010101" pitchFamily="2" charset="-122"/>
-              </a:rPr>
-            </a:br>
-            <a:r>
-              <a:rPr lang="zh-CN" altLang="en-US" sz="2400" dirty="0">
-                <a:solidFill>
-                  <a:schemeClr val="tx1">
-                    <a:lumMod val="85000"/>
-                    <a:lumOff val="15000"/>
-                  </a:schemeClr>
-                </a:solidFill>
-                <a:latin typeface="华文楷体" panose="02010600040101010101" pitchFamily="2" charset="-122"/>
-                <a:ea typeface="华文楷体" panose="02010600040101010101" pitchFamily="2" charset="-122"/>
-              </a:rPr>
-              <a:t>否则如果是盲目照搬，「听说老赵家买了书架，咱们家也买一个」，买回来却没什么用，只是让步骤变多</a:t>
-            </a:r>
-            <a:r>
-              <a:rPr lang="zh-CN" altLang="en-US" sz="2400" dirty="0">
-                <a:solidFill>
-                  <a:schemeClr val="tx1">
-                    <a:lumMod val="85000"/>
-                    <a:lumOff val="15000"/>
-                  </a:schemeClr>
-                </a:solidFill>
-                <a:latin typeface="华文楷体" panose="02010600040101010101" pitchFamily="2" charset="-122"/>
-                <a:ea typeface="华文楷体" panose="02010600040101010101" pitchFamily="2" charset="-122"/>
-              </a:rPr>
-              <a:t>了</a:t>
-            </a:r>
-            <a:r>
-              <a:rPr lang="zh-CN" altLang="en-US" sz="2400" dirty="0">
-                <a:solidFill>
-                  <a:schemeClr val="tx1">
-                    <a:lumMod val="85000"/>
-                    <a:lumOff val="15000"/>
-                  </a:schemeClr>
-                </a:solidFill>
-                <a:latin typeface="华文楷体" panose="02010600040101010101" pitchFamily="2" charset="-122"/>
-                <a:ea typeface="华文楷体" panose="02010600040101010101" pitchFamily="2" charset="-122"/>
-              </a:rPr>
-              <a:t>，还不如直接把书递给对方呢，那就不对了</a:t>
-            </a:r>
-            <a:r>
-              <a:rPr lang="zh-CN" altLang="en-US" sz="2400" dirty="0">
-                <a:solidFill>
-                  <a:schemeClr val="tx1">
-                    <a:lumMod val="85000"/>
-                    <a:lumOff val="15000"/>
-                  </a:schemeClr>
-                </a:solidFill>
-                <a:latin typeface="华文楷体" panose="02010600040101010101" pitchFamily="2" charset="-122"/>
-                <a:ea typeface="华文楷体" panose="02010600040101010101" pitchFamily="2" charset="-122"/>
-              </a:rPr>
-              <a:t>。</a:t>
-            </a:r>
-            <a:endParaRPr lang="en-US" altLang="zh-CN" sz="2400" dirty="0">
-              <a:solidFill>
-                <a:schemeClr val="tx1">
-                  <a:lumMod val="85000"/>
-                  <a:lumOff val="15000"/>
-                </a:schemeClr>
-              </a:solidFill>
+              <a:rPr lang="en-US" altLang="zh-CN" dirty="0">
+                <a:latin typeface="华文楷体" panose="02010600040101010101" pitchFamily="2" charset="-122"/>
+                <a:ea typeface="华文楷体" panose="02010600040101010101" pitchFamily="2" charset="-122"/>
+              </a:rPr>
+              <a:t>Kafka</a:t>
+            </a:r>
+            <a:r>
+              <a:rPr lang="zh-CN" altLang="en-US" dirty="0">
+                <a:latin typeface="华文楷体" panose="02010600040101010101" pitchFamily="2" charset="-122"/>
+                <a:ea typeface="华文楷体" panose="02010600040101010101" pitchFamily="2" charset="-122"/>
+              </a:rPr>
+              <a:t>消息队列，负责日志数据的接收，存储和转发；</a:t>
+            </a:r>
+          </a:p>
+          <a:p>
+            <a:pPr>
+              <a:spcBef>
+                <a:spcPts val="1200"/>
+              </a:spcBef>
+              <a:buFont typeface="Arial" panose="020B0604020202020204" pitchFamily="34" charset="0"/>
+              <a:buChar char="•"/>
+            </a:pPr>
+            <a:r>
+              <a:rPr lang="zh-CN" altLang="en-US" dirty="0">
+                <a:latin typeface="华文楷体" panose="02010600040101010101" pitchFamily="2" charset="-122"/>
+                <a:ea typeface="华文楷体" panose="02010600040101010101" pitchFamily="2" charset="-122"/>
+              </a:rPr>
+              <a:t>日志处理应用：订阅并消费</a:t>
+            </a:r>
+            <a:r>
+              <a:rPr lang="en-US" altLang="zh-CN" dirty="0" err="1">
+                <a:latin typeface="华文楷体" panose="02010600040101010101" pitchFamily="2" charset="-122"/>
+                <a:ea typeface="华文楷体" panose="02010600040101010101" pitchFamily="2" charset="-122"/>
+              </a:rPr>
+              <a:t>kafka</a:t>
+            </a:r>
+            <a:r>
+              <a:rPr lang="zh-CN" altLang="en-US" dirty="0">
+                <a:latin typeface="华文楷体" panose="02010600040101010101" pitchFamily="2" charset="-122"/>
+                <a:ea typeface="华文楷体" panose="02010600040101010101" pitchFamily="2" charset="-122"/>
+              </a:rPr>
+              <a:t>队列中的日志数据；</a:t>
+            </a:r>
+            <a:endParaRPr lang="zh-CN" altLang="en-US" b="0" i="0" dirty="0">
+              <a:effectLst/>
               <a:latin typeface="华文楷体" panose="02010600040101010101" pitchFamily="2" charset="-122"/>
               <a:ea typeface="华文楷体" panose="02010600040101010101" pitchFamily="2" charset="-122"/>
             </a:endParaRPr>
@@ -8070,13 +11305,20 @@
     </p:spTree>
     <p:extLst>
       <p:ext uri="{BB962C8B-B14F-4D97-AF65-F5344CB8AC3E}">
-        <p14:creationId xmlns:p14="http://schemas.microsoft.com/office/powerpoint/2010/main" val="2803537812"/>
+        <p14:creationId xmlns:p14="http://schemas.microsoft.com/office/powerpoint/2010/main" val="2832743460"/>
       </p:ext>
     </p:extLst>
   </p:cSld>
   <p:clrMapOvr>
     <a:masterClrMapping/>
   </p:clrMapOvr>
+  <p:timing>
+    <p:tnLst>
+      <p:par>
+        <p:cTn id="1" dur="indefinite" restart="never" nodeType="tmRoot"/>
+      </p:par>
+    </p:tnLst>
+  </p:timing>
 </p:sld>
 </file>
 
